--- a/HTML5Canvas/HTMLCanvasIntroduction.pptx
+++ b/HTML5Canvas/HTMLCanvasIntroduction.pptx
@@ -5,7 +5,7 @@
     <p:sldMasterId id="2147483648" r:id="rId1"/>
   </p:sldMasterIdLst>
   <p:notesMasterIdLst>
-    <p:notesMasterId r:id="rId29"/>
+    <p:notesMasterId r:id="rId30"/>
   </p:notesMasterIdLst>
   <p:sldIdLst>
     <p:sldId id="256" r:id="rId2"/>
@@ -32,14 +32,15 @@
     <p:sldId id="299" r:id="rId23"/>
     <p:sldId id="300" r:id="rId24"/>
     <p:sldId id="302" r:id="rId25"/>
-    <p:sldId id="271" r:id="rId26"/>
-    <p:sldId id="283" r:id="rId27"/>
-    <p:sldId id="275" r:id="rId28"/>
+    <p:sldId id="303" r:id="rId26"/>
+    <p:sldId id="271" r:id="rId27"/>
+    <p:sldId id="283" r:id="rId28"/>
+    <p:sldId id="275" r:id="rId29"/>
   </p:sldIdLst>
   <p:sldSz cx="12192000" cy="6858000"/>
   <p:notesSz cx="6858000" cy="9144000"/>
   <p:custDataLst>
-    <p:tags r:id="rId30"/>
+    <p:tags r:id="rId31"/>
   </p:custDataLst>
   <p:defaultTextStyle>
     <a:defPPr>
@@ -17040,6 +17041,380 @@
       </p:grpSpPr>
       <p:sp>
         <p:nvSpPr>
+          <p:cNvPr id="2" name="標題 1"/>
+          <p:cNvSpPr>
+            <a:spLocks noGrp="1"/>
+          </p:cNvSpPr>
+          <p:nvPr>
+            <p:ph type="title"/>
+          </p:nvPr>
+        </p:nvSpPr>
+        <p:spPr>
+          <a:xfrm>
+            <a:off x="811696" y="22983"/>
+            <a:ext cx="10515600" cy="1325563"/>
+          </a:xfrm>
+        </p:spPr>
+        <p:txBody>
+          <a:bodyPr/>
+          <a:lstStyle/>
+          <a:p>
+            <a:pPr algn="ctr"/>
+            <a:r>
+              <a:rPr lang="zh-TW" altLang="en-US" dirty="0" smtClean="0">
+                <a:solidFill>
+                  <a:schemeClr val="bg1"/>
+                </a:solidFill>
+              </a:rPr>
+              <a:t>可能用到的</a:t>
+            </a:r>
+            <a:r>
+              <a:rPr lang="zh-TW" altLang="en-US" dirty="0">
+                <a:solidFill>
+                  <a:schemeClr val="bg1"/>
+                </a:solidFill>
+              </a:rPr>
+              <a:t>指令</a:t>
+            </a:r>
+          </a:p>
+        </p:txBody>
+      </p:sp>
+      <p:sp>
+        <p:nvSpPr>
+          <p:cNvPr id="3" name="內容版面配置區 2"/>
+          <p:cNvSpPr>
+            <a:spLocks noGrp="1"/>
+          </p:cNvSpPr>
+          <p:nvPr>
+            <p:ph idx="1"/>
+          </p:nvPr>
+        </p:nvSpPr>
+        <p:spPr>
+          <a:xfrm>
+            <a:off x="838200" y="1348546"/>
+            <a:ext cx="10515600" cy="4351338"/>
+          </a:xfrm>
+        </p:spPr>
+        <p:txBody>
+          <a:bodyPr/>
+          <a:lstStyle/>
+          <a:p>
+            <a:r>
+              <a:rPr lang="en-US" altLang="zh-TW" dirty="0" err="1">
+                <a:solidFill>
+                  <a:schemeClr val="bg1"/>
+                </a:solidFill>
+              </a:rPr>
+              <a:t>ctx.beginPath</a:t>
+            </a:r>
+            <a:r>
+              <a:rPr lang="en-US" altLang="zh-TW" dirty="0" smtClean="0">
+                <a:solidFill>
+                  <a:schemeClr val="bg1"/>
+                </a:solidFill>
+              </a:rPr>
+              <a:t>();  //</a:t>
+            </a:r>
+            <a:r>
+              <a:rPr lang="zh-TW" altLang="en-US" smtClean="0">
+                <a:solidFill>
+                  <a:schemeClr val="bg1"/>
+                </a:solidFill>
+              </a:rPr>
+              <a:t>重新設定線條樣式</a:t>
+            </a:r>
+            <a:endParaRPr lang="en-US" altLang="zh-TW" dirty="0" smtClean="0">
+              <a:solidFill>
+                <a:schemeClr val="bg1"/>
+              </a:solidFill>
+            </a:endParaRPr>
+          </a:p>
+          <a:p>
+            <a:r>
+              <a:rPr lang="en-US" altLang="zh-TW" dirty="0" err="1" smtClean="0">
+                <a:solidFill>
+                  <a:schemeClr val="bg1"/>
+                </a:solidFill>
+              </a:rPr>
+              <a:t>ctx.strokeStyle</a:t>
+            </a:r>
+            <a:r>
+              <a:rPr lang="en-US" altLang="zh-TW" dirty="0">
+                <a:solidFill>
+                  <a:schemeClr val="bg1"/>
+                </a:solidFill>
+              </a:rPr>
+              <a:t>="#FF0000</a:t>
+            </a:r>
+            <a:r>
+              <a:rPr lang="en-US" altLang="zh-TW" dirty="0" smtClean="0">
+                <a:solidFill>
+                  <a:schemeClr val="bg1"/>
+                </a:solidFill>
+              </a:rPr>
+              <a:t>";</a:t>
+            </a:r>
+          </a:p>
+          <a:p>
+            <a:r>
+              <a:rPr lang="en-US" altLang="zh-TW" dirty="0" err="1">
+                <a:solidFill>
+                  <a:schemeClr val="bg1"/>
+                </a:solidFill>
+              </a:rPr>
+              <a:t>ctx.lineWidth</a:t>
+            </a:r>
+            <a:r>
+              <a:rPr lang="en-US" altLang="zh-TW" dirty="0">
+                <a:solidFill>
+                  <a:schemeClr val="bg1"/>
+                </a:solidFill>
+              </a:rPr>
+              <a:t>= 3;</a:t>
+            </a:r>
+          </a:p>
+          <a:p>
+            <a:r>
+              <a:rPr lang="en-US" altLang="zh-TW" dirty="0" smtClean="0">
+                <a:solidFill>
+                  <a:schemeClr val="bg1"/>
+                </a:solidFill>
+              </a:rPr>
+              <a:t>ctx.moveTo(x1,y1);</a:t>
+            </a:r>
+          </a:p>
+          <a:p>
+            <a:r>
+              <a:rPr lang="en-US" altLang="zh-TW" dirty="0" err="1" smtClean="0">
+                <a:solidFill>
+                  <a:schemeClr val="bg1"/>
+                </a:solidFill>
+              </a:rPr>
+              <a:t>ctx.lineTo</a:t>
+            </a:r>
+            <a:r>
+              <a:rPr lang="en-US" altLang="zh-TW" dirty="0" smtClean="0">
+                <a:solidFill>
+                  <a:schemeClr val="bg1"/>
+                </a:solidFill>
+              </a:rPr>
+              <a:t>(x2,y2);}</a:t>
+            </a:r>
+          </a:p>
+          <a:p>
+            <a:endParaRPr lang="en-US" altLang="zh-TW" dirty="0">
+              <a:solidFill>
+                <a:schemeClr val="bg1"/>
+              </a:solidFill>
+            </a:endParaRPr>
+          </a:p>
+          <a:p>
+            <a:r>
+              <a:rPr lang="en-US" altLang="zh-TW" dirty="0">
+                <a:solidFill>
+                  <a:schemeClr val="bg1"/>
+                </a:solidFill>
+              </a:rPr>
+              <a:t>ctx.moveTo(x1,y);  </a:t>
+            </a:r>
+            <a:r>
+              <a:rPr lang="en-US" altLang="zh-TW" dirty="0" err="1">
+                <a:solidFill>
+                  <a:schemeClr val="bg1"/>
+                </a:solidFill>
+              </a:rPr>
+              <a:t>ctx.lineTo</a:t>
+            </a:r>
+            <a:r>
+              <a:rPr lang="en-US" altLang="zh-TW" dirty="0">
+                <a:solidFill>
+                  <a:schemeClr val="bg1"/>
+                </a:solidFill>
+              </a:rPr>
+              <a:t>(x2,y);  //</a:t>
+            </a:r>
+            <a:r>
+              <a:rPr lang="zh-TW" altLang="en-US" dirty="0">
+                <a:solidFill>
+                  <a:schemeClr val="bg1"/>
+                </a:solidFill>
+              </a:rPr>
+              <a:t>水平線</a:t>
+            </a:r>
+          </a:p>
+          <a:p>
+            <a:r>
+              <a:rPr lang="en-US" altLang="zh-TW" dirty="0">
+                <a:solidFill>
+                  <a:schemeClr val="bg1"/>
+                </a:solidFill>
+              </a:rPr>
+              <a:t>ctx.moveTo(x,y1);  </a:t>
+            </a:r>
+            <a:r>
+              <a:rPr lang="en-US" altLang="zh-TW" dirty="0" err="1">
+                <a:solidFill>
+                  <a:schemeClr val="bg1"/>
+                </a:solidFill>
+              </a:rPr>
+              <a:t>ctx.lineTo</a:t>
+            </a:r>
+            <a:r>
+              <a:rPr lang="en-US" altLang="zh-TW" dirty="0">
+                <a:solidFill>
+                  <a:schemeClr val="bg1"/>
+                </a:solidFill>
+              </a:rPr>
+              <a:t>(x,y2);  //</a:t>
+            </a:r>
+            <a:r>
+              <a:rPr lang="zh-TW" altLang="en-US" dirty="0">
+                <a:solidFill>
+                  <a:schemeClr val="bg1"/>
+                </a:solidFill>
+              </a:rPr>
+              <a:t>垂直線</a:t>
+            </a:r>
+          </a:p>
+          <a:p>
+            <a:r>
+              <a:rPr lang="en-US" altLang="zh-TW" dirty="0">
+                <a:solidFill>
+                  <a:schemeClr val="bg1"/>
+                </a:solidFill>
+              </a:rPr>
+              <a:t>ctx.moveTo(x1,y1);  </a:t>
+            </a:r>
+            <a:r>
+              <a:rPr lang="en-US" altLang="zh-TW" dirty="0" err="1">
+                <a:solidFill>
+                  <a:schemeClr val="bg1"/>
+                </a:solidFill>
+              </a:rPr>
+              <a:t>ctx.lineTo</a:t>
+            </a:r>
+            <a:r>
+              <a:rPr lang="en-US" altLang="zh-TW" dirty="0">
+                <a:solidFill>
+                  <a:schemeClr val="bg1"/>
+                </a:solidFill>
+              </a:rPr>
+              <a:t>(x2,y2);  </a:t>
+            </a:r>
+            <a:r>
+              <a:rPr lang="en-US" altLang="zh-TW" dirty="0" err="1">
+                <a:solidFill>
+                  <a:schemeClr val="bg1"/>
+                </a:solidFill>
+              </a:rPr>
+              <a:t>ctx.lineTo</a:t>
+            </a:r>
+            <a:r>
+              <a:rPr lang="en-US" altLang="zh-TW" dirty="0">
+                <a:solidFill>
+                  <a:schemeClr val="bg1"/>
+                </a:solidFill>
+              </a:rPr>
+              <a:t>(x3,y3); //</a:t>
+            </a:r>
+            <a:r>
+              <a:rPr lang="zh-TW" altLang="en-US" dirty="0">
+                <a:solidFill>
+                  <a:schemeClr val="bg1"/>
+                </a:solidFill>
+              </a:rPr>
+              <a:t>折線</a:t>
+            </a:r>
+          </a:p>
+          <a:p>
+            <a:r>
+              <a:rPr lang="en-US" altLang="zh-TW" dirty="0">
+                <a:solidFill>
+                  <a:schemeClr val="bg1"/>
+                </a:solidFill>
+              </a:rPr>
+              <a:t>ctx.moveTo(x1,y1); </a:t>
+            </a:r>
+            <a:r>
+              <a:rPr lang="en-US" altLang="zh-TW" dirty="0" err="1">
+                <a:solidFill>
+                  <a:schemeClr val="bg1"/>
+                </a:solidFill>
+              </a:rPr>
+              <a:t>ctx.lineTo</a:t>
+            </a:r>
+            <a:r>
+              <a:rPr lang="en-US" altLang="zh-TW" dirty="0">
+                <a:solidFill>
+                  <a:schemeClr val="bg1"/>
+                </a:solidFill>
+              </a:rPr>
+              <a:t>(x2,y2);  </a:t>
+            </a:r>
+            <a:r>
+              <a:rPr lang="en-US" altLang="zh-TW" dirty="0" err="1">
+                <a:solidFill>
+                  <a:schemeClr val="bg1"/>
+                </a:solidFill>
+              </a:rPr>
+              <a:t>ctx.lineTo</a:t>
+            </a:r>
+            <a:r>
+              <a:rPr lang="en-US" altLang="zh-TW" dirty="0">
+                <a:solidFill>
+                  <a:schemeClr val="bg1"/>
+                </a:solidFill>
+              </a:rPr>
+              <a:t>(x3,y3); //</a:t>
+            </a:r>
+            <a:r>
+              <a:rPr lang="zh-TW" altLang="en-US" dirty="0">
+                <a:solidFill>
+                  <a:schemeClr val="bg1"/>
+                </a:solidFill>
+              </a:rPr>
+              <a:t>水平軸波形</a:t>
+            </a:r>
+            <a:endParaRPr lang="en-US" altLang="zh-TW" dirty="0">
+              <a:solidFill>
+                <a:schemeClr val="bg1"/>
+              </a:solidFill>
+            </a:endParaRPr>
+          </a:p>
+        </p:txBody>
+      </p:sp>
+    </p:spTree>
+    <p:extLst>
+      <p:ext uri="{BB962C8B-B14F-4D97-AF65-F5344CB8AC3E}">
+        <p14:creationId xmlns:p14="http://schemas.microsoft.com/office/powerpoint/2010/main" val="4208442194"/>
+      </p:ext>
+    </p:extLst>
+  </p:cSld>
+  <p:clrMapOvr>
+    <a:masterClrMapping/>
+  </p:clrMapOvr>
+</p:sld>
+</file>
+
+<file path=ppt/slides/slide26.xml><?xml version="1.0" encoding="utf-8"?>
+<p:sld xmlns:a="http://schemas.openxmlformats.org/drawingml/2006/main" xmlns:r="http://schemas.openxmlformats.org/officeDocument/2006/relationships" xmlns:p="http://schemas.openxmlformats.org/presentationml/2006/main">
+  <p:cSld>
+    <p:spTree>
+      <p:nvGrpSpPr>
+        <p:cNvPr id="1" name=""/>
+        <p:cNvGrpSpPr/>
+        <p:nvPr/>
+      </p:nvGrpSpPr>
+      <p:grpSpPr>
+        <a:xfrm>
+          <a:off x="0" y="0"/>
+          <a:ext cx="0" cy="0"/>
+          <a:chOff x="0" y="0"/>
+          <a:chExt cx="0" cy="0"/>
+        </a:xfrm>
+      </p:grpSpPr>
+      <p:sp>
+        <p:nvSpPr>
           <p:cNvPr id="4" name="六边形 3"/>
           <p:cNvSpPr/>
           <p:nvPr/>
@@ -17604,7 +17979,7 @@
 </p:sld>
 </file>
 
-<file path=ppt/slides/slide26.xml><?xml version="1.0" encoding="utf-8"?>
+<file path=ppt/slides/slide27.xml><?xml version="1.0" encoding="utf-8"?>
 <p:sld xmlns:a="http://schemas.openxmlformats.org/drawingml/2006/main" xmlns:r="http://schemas.openxmlformats.org/officeDocument/2006/relationships" xmlns:p="http://schemas.openxmlformats.org/presentationml/2006/main">
   <p:cSld>
     <p:spTree>
@@ -17728,7 +18103,7 @@
 </p:sld>
 </file>
 
-<file path=ppt/slides/slide27.xml><?xml version="1.0" encoding="utf-8"?>
+<file path=ppt/slides/slide28.xml><?xml version="1.0" encoding="utf-8"?>
 <p:sld xmlns:a="http://schemas.openxmlformats.org/drawingml/2006/main" xmlns:r="http://schemas.openxmlformats.org/officeDocument/2006/relationships" xmlns:p="http://schemas.openxmlformats.org/presentationml/2006/main">
   <p:cSld>
     <p:spTree>

--- a/HTML5Canvas/HTMLCanvasIntroduction.pptx
+++ b/HTML5Canvas/HTMLCanvasIntroduction.pptx
@@ -5,7 +5,7 @@
     <p:sldMasterId id="2147483648" r:id="rId1"/>
   </p:sldMasterIdLst>
   <p:notesMasterIdLst>
-    <p:notesMasterId r:id="rId30"/>
+    <p:notesMasterId r:id="rId32"/>
   </p:notesMasterIdLst>
   <p:sldIdLst>
     <p:sldId id="256" r:id="rId2"/>
@@ -20,27 +20,29 @@
     <p:sldId id="263" r:id="rId11"/>
     <p:sldId id="291" r:id="rId12"/>
     <p:sldId id="295" r:id="rId13"/>
-    <p:sldId id="293" r:id="rId14"/>
-    <p:sldId id="296" r:id="rId15"/>
-    <p:sldId id="297" r:id="rId16"/>
-    <p:sldId id="264" r:id="rId17"/>
-    <p:sldId id="294" r:id="rId18"/>
-    <p:sldId id="280" r:id="rId19"/>
-    <p:sldId id="286" r:id="rId20"/>
-    <p:sldId id="266" r:id="rId21"/>
-    <p:sldId id="298" r:id="rId22"/>
-    <p:sldId id="299" r:id="rId23"/>
-    <p:sldId id="300" r:id="rId24"/>
-    <p:sldId id="302" r:id="rId25"/>
-    <p:sldId id="303" r:id="rId26"/>
-    <p:sldId id="271" r:id="rId27"/>
-    <p:sldId id="283" r:id="rId28"/>
-    <p:sldId id="275" r:id="rId29"/>
+    <p:sldId id="306" r:id="rId14"/>
+    <p:sldId id="293" r:id="rId15"/>
+    <p:sldId id="296" r:id="rId16"/>
+    <p:sldId id="297" r:id="rId17"/>
+    <p:sldId id="264" r:id="rId18"/>
+    <p:sldId id="304" r:id="rId19"/>
+    <p:sldId id="294" r:id="rId20"/>
+    <p:sldId id="280" r:id="rId21"/>
+    <p:sldId id="286" r:id="rId22"/>
+    <p:sldId id="266" r:id="rId23"/>
+    <p:sldId id="298" r:id="rId24"/>
+    <p:sldId id="299" r:id="rId25"/>
+    <p:sldId id="300" r:id="rId26"/>
+    <p:sldId id="302" r:id="rId27"/>
+    <p:sldId id="303" r:id="rId28"/>
+    <p:sldId id="271" r:id="rId29"/>
+    <p:sldId id="283" r:id="rId30"/>
+    <p:sldId id="275" r:id="rId31"/>
   </p:sldIdLst>
   <p:sldSz cx="12192000" cy="6858000"/>
   <p:notesSz cx="6858000" cy="9144000"/>
   <p:custDataLst>
-    <p:tags r:id="rId31"/>
+    <p:tags r:id="rId33"/>
   </p:custDataLst>
   <p:defaultTextStyle>
     <a:defPPr>
@@ -238,7 +240,7 @@
           <a:p>
             <a:fld id="{FD30E971-D1D3-4B0D-B02A-F36757F13815}" type="datetimeFigureOut">
               <a:rPr lang="zh-TW" altLang="en-US" smtClean="0"/>
-              <a:t>2020/3/6</a:t>
+              <a:t>2020/3/12</a:t>
             </a:fld>
             <a:endParaRPr lang="zh-TW" altLang="en-US"/>
           </a:p>
@@ -722,7 +724,7 @@
             <a:fld id="{BB12B589-21DE-46A2-AF91-CC043ECE94FC}" type="datetimeFigureOut">
               <a:rPr lang="zh-CN" altLang="en-US" smtClean="0"/>
               <a:pPr/>
-              <a:t>2020/3/6</a:t>
+              <a:t>2020/3/12</a:t>
             </a:fld>
             <a:endParaRPr lang="zh-CN" altLang="en-US"/>
           </a:p>
@@ -901,7 +903,7 @@
             <a:fld id="{BB12B589-21DE-46A2-AF91-CC043ECE94FC}" type="datetimeFigureOut">
               <a:rPr lang="zh-CN" altLang="en-US" smtClean="0"/>
               <a:pPr/>
-              <a:t>2020/3/6</a:t>
+              <a:t>2020/3/12</a:t>
             </a:fld>
             <a:endParaRPr lang="zh-CN" altLang="en-US"/>
           </a:p>
@@ -1083,7 +1085,7 @@
             <a:fld id="{BB12B589-21DE-46A2-AF91-CC043ECE94FC}" type="datetimeFigureOut">
               <a:rPr lang="zh-CN" altLang="en-US" smtClean="0"/>
               <a:pPr/>
-              <a:t>2020/3/6</a:t>
+              <a:t>2020/3/12</a:t>
             </a:fld>
             <a:endParaRPr lang="zh-CN" altLang="en-US"/>
           </a:p>
@@ -1216,7 +1218,7 @@
             <a:fld id="{E61A0F7F-C0E3-49E4-A36F-F4FD91E90B80}" type="datetimeFigureOut">
               <a:rPr lang="en-US" smtClean="0"/>
               <a:pPr/>
-              <a:t>3/6/2020</a:t>
+              <a:t>3/12/2020</a:t>
             </a:fld>
             <a:endParaRPr lang="en-US"/>
           </a:p>
@@ -1508,7 +1510,7 @@
             <a:fld id="{BB12B589-21DE-46A2-AF91-CC043ECE94FC}" type="datetimeFigureOut">
               <a:rPr lang="zh-CN" altLang="en-US" smtClean="0"/>
               <a:pPr/>
-              <a:t>2020/3/6</a:t>
+              <a:t>2020/3/12</a:t>
             </a:fld>
             <a:endParaRPr lang="zh-CN" altLang="en-US"/>
           </a:p>
@@ -1763,7 +1765,7 @@
             <a:fld id="{BB12B589-21DE-46A2-AF91-CC043ECE94FC}" type="datetimeFigureOut">
               <a:rPr lang="zh-CN" altLang="en-US" smtClean="0"/>
               <a:pPr/>
-              <a:t>2020/3/6</a:t>
+              <a:t>2020/3/12</a:t>
             </a:fld>
             <a:endParaRPr lang="zh-CN" altLang="en-US"/>
           </a:p>
@@ -1997,7 +1999,7 @@
             <a:fld id="{BB12B589-21DE-46A2-AF91-CC043ECE94FC}" type="datetimeFigureOut">
               <a:rPr lang="zh-CN" altLang="en-US" smtClean="0"/>
               <a:pPr/>
-              <a:t>2020/3/6</a:t>
+              <a:t>2020/3/12</a:t>
             </a:fld>
             <a:endParaRPr lang="zh-CN" altLang="en-US"/>
           </a:p>
@@ -2366,7 +2368,7 @@
             <a:fld id="{BB12B589-21DE-46A2-AF91-CC043ECE94FC}" type="datetimeFigureOut">
               <a:rPr lang="zh-CN" altLang="en-US" smtClean="0"/>
               <a:pPr/>
-              <a:t>2020/3/6</a:t>
+              <a:t>2020/3/12</a:t>
             </a:fld>
             <a:endParaRPr lang="zh-CN" altLang="en-US"/>
           </a:p>
@@ -2486,7 +2488,7 @@
             <a:fld id="{BB12B589-21DE-46A2-AF91-CC043ECE94FC}" type="datetimeFigureOut">
               <a:rPr lang="zh-CN" altLang="en-US" smtClean="0"/>
               <a:pPr/>
-              <a:t>2020/3/6</a:t>
+              <a:t>2020/3/12</a:t>
             </a:fld>
             <a:endParaRPr lang="zh-CN" altLang="en-US"/>
           </a:p>
@@ -2583,7 +2585,7 @@
             <a:fld id="{BB12B589-21DE-46A2-AF91-CC043ECE94FC}" type="datetimeFigureOut">
               <a:rPr lang="zh-CN" altLang="en-US" smtClean="0"/>
               <a:pPr/>
-              <a:t>2020/3/6</a:t>
+              <a:t>2020/3/12</a:t>
             </a:fld>
             <a:endParaRPr lang="zh-CN" altLang="en-US"/>
           </a:p>
@@ -2862,7 +2864,7 @@
             <a:fld id="{BB12B589-21DE-46A2-AF91-CC043ECE94FC}" type="datetimeFigureOut">
               <a:rPr lang="zh-CN" altLang="en-US" smtClean="0"/>
               <a:pPr/>
-              <a:t>2020/3/6</a:t>
+              <a:t>2020/3/12</a:t>
             </a:fld>
             <a:endParaRPr lang="zh-CN" altLang="en-US"/>
           </a:p>
@@ -3117,7 +3119,7 @@
             <a:fld id="{BB12B589-21DE-46A2-AF91-CC043ECE94FC}" type="datetimeFigureOut">
               <a:rPr lang="zh-CN" altLang="en-US" smtClean="0"/>
               <a:pPr/>
-              <a:t>2020/3/6</a:t>
+              <a:t>2020/3/12</a:t>
             </a:fld>
             <a:endParaRPr lang="zh-CN" altLang="en-US"/>
           </a:p>
@@ -3341,7 +3343,7 @@
             <a:fld id="{BB12B589-21DE-46A2-AF91-CC043ECE94FC}" type="datetimeFigureOut">
               <a:rPr lang="zh-CN" altLang="en-US" smtClean="0"/>
               <a:pPr/>
-              <a:t>2020/3/6</a:t>
+              <a:t>2020/3/12</a:t>
             </a:fld>
             <a:endParaRPr lang="zh-CN" altLang="en-US"/>
           </a:p>
@@ -7993,6 +7995,630 @@
         </p:nvSpPr>
         <p:spPr>
           <a:xfrm>
+            <a:off x="4010685" y="624649"/>
+            <a:ext cx="5260064" cy="584775"/>
+          </a:xfrm>
+          <a:prstGeom prst="rect">
+            <a:avLst/>
+          </a:prstGeom>
+          <a:noFill/>
+        </p:spPr>
+        <p:txBody>
+          <a:bodyPr wrap="square" rtlCol="0">
+            <a:spAutoFit/>
+          </a:bodyPr>
+          <a:lstStyle/>
+          <a:p>
+            <a:r>
+              <a:rPr lang="zh-TW" altLang="en-US" sz="3200" dirty="0" smtClean="0">
+                <a:solidFill>
+                  <a:schemeClr val="bg1"/>
+                </a:solidFill>
+              </a:rPr>
+              <a:t>設定填補</a:t>
+            </a:r>
+            <a:r>
+              <a:rPr lang="zh-TW" altLang="en-US" sz="3200" dirty="0" smtClean="0">
+                <a:solidFill>
+                  <a:schemeClr val="bg1"/>
+                </a:solidFill>
+              </a:rPr>
+              <a:t>顏色</a:t>
+            </a:r>
+            <a:endParaRPr lang="zh-CN" altLang="en-US" sz="3200" dirty="0">
+              <a:solidFill>
+                <a:schemeClr val="bg1"/>
+              </a:solidFill>
+            </a:endParaRPr>
+          </a:p>
+        </p:txBody>
+      </p:sp>
+      <p:sp>
+        <p:nvSpPr>
+          <p:cNvPr id="2" name="文字方塊 1"/>
+          <p:cNvSpPr txBox="1"/>
+          <p:nvPr/>
+        </p:nvSpPr>
+        <p:spPr>
+          <a:xfrm>
+            <a:off x="2563595" y="2378239"/>
+            <a:ext cx="9122221" cy="1938992"/>
+          </a:xfrm>
+          <a:prstGeom prst="rect">
+            <a:avLst/>
+          </a:prstGeom>
+          <a:noFill/>
+        </p:spPr>
+        <p:txBody>
+          <a:bodyPr wrap="square" rtlCol="0">
+            <a:spAutoFit/>
+          </a:bodyPr>
+          <a:lstStyle/>
+          <a:p>
+            <a:pPr marL="342900" indent="-342900">
+              <a:buFont typeface="Arial" panose="020B0604020202020204" pitchFamily="34" charset="0"/>
+              <a:buChar char="•"/>
+            </a:pPr>
+            <a:endParaRPr lang="en-US" altLang="zh-TW" sz="2400" dirty="0" smtClean="0">
+              <a:solidFill>
+                <a:schemeClr val="bg1"/>
+              </a:solidFill>
+            </a:endParaRPr>
+          </a:p>
+          <a:p>
+            <a:pPr marL="342900" indent="-342900">
+              <a:buFont typeface="Arial" panose="020B0604020202020204" pitchFamily="34" charset="0"/>
+              <a:buChar char="•"/>
+            </a:pPr>
+            <a:r>
+              <a:rPr lang="en-US" altLang="zh-TW" sz="2400" dirty="0" err="1" smtClean="0">
+                <a:solidFill>
+                  <a:schemeClr val="bg1"/>
+                </a:solidFill>
+              </a:rPr>
+              <a:t>fillStyle</a:t>
+            </a:r>
+            <a:r>
+              <a:rPr lang="en-US" altLang="zh-TW" sz="2400" dirty="0" smtClean="0">
+                <a:solidFill>
+                  <a:schemeClr val="bg1"/>
+                </a:solidFill>
+              </a:rPr>
+              <a:t>:</a:t>
+            </a:r>
+            <a:r>
+              <a:rPr lang="zh-TW" altLang="en-US" sz="2400" dirty="0" smtClean="0">
+                <a:solidFill>
+                  <a:schemeClr val="bg1"/>
+                </a:solidFill>
+              </a:rPr>
+              <a:t> 設定圖形區域填補顏色</a:t>
+            </a:r>
+          </a:p>
+          <a:p>
+            <a:pPr marL="342900" indent="-342900">
+              <a:buFont typeface="Arial" panose="020B0604020202020204" pitchFamily="34" charset="0"/>
+              <a:buChar char="•"/>
+            </a:pPr>
+            <a:endParaRPr lang="en-US" altLang="zh-TW" sz="2400" dirty="0" smtClean="0">
+              <a:solidFill>
+                <a:schemeClr val="bg1"/>
+              </a:solidFill>
+            </a:endParaRPr>
+          </a:p>
+          <a:p>
+            <a:pPr marL="342900" indent="-342900">
+              <a:buFont typeface="Arial" panose="020B0604020202020204" pitchFamily="34" charset="0"/>
+              <a:buChar char="•"/>
+            </a:pPr>
+            <a:r>
+              <a:rPr lang="zh-TW" altLang="en-US" sz="2400" dirty="0" smtClean="0">
+                <a:solidFill>
+                  <a:schemeClr val="bg1"/>
+                </a:solidFill>
+              </a:rPr>
+              <a:t>參考</a:t>
+            </a:r>
+            <a:r>
+              <a:rPr lang="en-US" altLang="zh-TW" sz="2400" dirty="0" smtClean="0">
+                <a:solidFill>
+                  <a:schemeClr val="bg1"/>
+                </a:solidFill>
+              </a:rPr>
+              <a:t>:</a:t>
+            </a:r>
+          </a:p>
+          <a:p>
+            <a:pPr marL="800100" lvl="1" indent="-342900">
+              <a:buFont typeface="Arial" panose="020B0604020202020204" pitchFamily="34" charset="0"/>
+              <a:buChar char="•"/>
+            </a:pPr>
+            <a:r>
+              <a:rPr lang="en-US" altLang="zh-TW" sz="2400" dirty="0" smtClean="0">
+                <a:solidFill>
+                  <a:schemeClr val="bg1"/>
+                </a:solidFill>
+              </a:rPr>
+              <a:t>https://www.w3schools.com/tags/canvas_fillstyle.asp</a:t>
+            </a:r>
+            <a:endParaRPr lang="en-US" altLang="zh-TW" sz="2400" dirty="0" smtClean="0">
+              <a:solidFill>
+                <a:schemeClr val="bg1"/>
+              </a:solidFill>
+            </a:endParaRPr>
+          </a:p>
+        </p:txBody>
+      </p:sp>
+    </p:spTree>
+    <p:extLst>
+      <p:ext uri="{BB962C8B-B14F-4D97-AF65-F5344CB8AC3E}">
+        <p14:creationId xmlns:p14="http://schemas.microsoft.com/office/powerpoint/2010/main" val="803128953"/>
+      </p:ext>
+    </p:extLst>
+  </p:cSld>
+  <p:clrMapOvr>
+    <a:masterClrMapping/>
+  </p:clrMapOvr>
+  <p:timing>
+    <p:tnLst>
+      <p:par>
+        <p:cTn id="1" dur="indefinite" restart="never" nodeType="tmRoot">
+          <p:childTnLst>
+            <p:seq concurrent="1" nextAc="seek">
+              <p:cTn id="2" dur="indefinite" nodeType="mainSeq">
+                <p:childTnLst>
+                  <p:par>
+                    <p:cTn id="3" fill="hold">
+                      <p:stCondLst>
+                        <p:cond delay="indefinite"/>
+                      </p:stCondLst>
+                      <p:childTnLst>
+                        <p:par>
+                          <p:cTn id="4" fill="hold">
+                            <p:stCondLst>
+                              <p:cond delay="0"/>
+                            </p:stCondLst>
+                            <p:childTnLst>
+                              <p:par>
+                                <p:cTn id="5" presetID="10" presetClass="entr" presetSubtype="0" fill="hold" grpId="0" nodeType="clickEffect">
+                                  <p:stCondLst>
+                                    <p:cond delay="0"/>
+                                  </p:stCondLst>
+                                  <p:childTnLst>
+                                    <p:set>
+                                      <p:cBhvr>
+                                        <p:cTn id="6" dur="1" fill="hold">
+                                          <p:stCondLst>
+                                            <p:cond delay="0"/>
+                                          </p:stCondLst>
+                                        </p:cTn>
+                                        <p:tgtEl>
+                                          <p:spTgt spid="2"/>
+                                        </p:tgtEl>
+                                        <p:attrNameLst>
+                                          <p:attrName>style.visibility</p:attrName>
+                                        </p:attrNameLst>
+                                      </p:cBhvr>
+                                      <p:to>
+                                        <p:strVal val="visible"/>
+                                      </p:to>
+                                    </p:set>
+                                    <p:animEffect transition="in" filter="fade">
+                                      <p:cBhvr>
+                                        <p:cTn id="7" dur="500"/>
+                                        <p:tgtEl>
+                                          <p:spTgt spid="2"/>
+                                        </p:tgtEl>
+                                      </p:cBhvr>
+                                    </p:animEffect>
+                                  </p:childTnLst>
+                                </p:cTn>
+                              </p:par>
+                            </p:childTnLst>
+                          </p:cTn>
+                        </p:par>
+                      </p:childTnLst>
+                    </p:cTn>
+                  </p:par>
+                </p:childTnLst>
+              </p:cTn>
+              <p:prevCondLst>
+                <p:cond evt="onPrev" delay="0">
+                  <p:tgtEl>
+                    <p:sldTgt/>
+                  </p:tgtEl>
+                </p:cond>
+              </p:prevCondLst>
+              <p:nextCondLst>
+                <p:cond evt="onNext" delay="0">
+                  <p:tgtEl>
+                    <p:sldTgt/>
+                  </p:tgtEl>
+                </p:cond>
+              </p:nextCondLst>
+            </p:seq>
+          </p:childTnLst>
+        </p:cTn>
+      </p:par>
+    </p:tnLst>
+    <p:bldLst>
+      <p:bldP spid="2" grpId="0"/>
+    </p:bldLst>
+  </p:timing>
+</p:sld>
+</file>
+
+<file path=ppt/slides/slide14.xml><?xml version="1.0" encoding="utf-8"?>
+<p:sld xmlns:a="http://schemas.openxmlformats.org/drawingml/2006/main" xmlns:r="http://schemas.openxmlformats.org/officeDocument/2006/relationships" xmlns:p="http://schemas.openxmlformats.org/presentationml/2006/main">
+  <p:cSld>
+    <p:spTree>
+      <p:nvGrpSpPr>
+        <p:cNvPr id="1" name=""/>
+        <p:cNvGrpSpPr/>
+        <p:nvPr/>
+      </p:nvGrpSpPr>
+      <p:grpSpPr>
+        <a:xfrm>
+          <a:off x="0" y="0"/>
+          <a:ext cx="0" cy="0"/>
+          <a:chOff x="0" y="0"/>
+          <a:chExt cx="0" cy="0"/>
+        </a:xfrm>
+      </p:grpSpPr>
+      <p:sp>
+        <p:nvSpPr>
+          <p:cNvPr id="8" name="菱形 7"/>
+          <p:cNvSpPr/>
+          <p:nvPr/>
+        </p:nvSpPr>
+        <p:spPr>
+          <a:xfrm>
+            <a:off x="1200806" y="1516391"/>
+            <a:ext cx="1035269" cy="1035269"/>
+          </a:xfrm>
+          <a:prstGeom prst="diamond">
+            <a:avLst/>
+          </a:prstGeom>
+          <a:noFill/>
+          <a:ln w="19050">
+            <a:solidFill>
+              <a:schemeClr val="bg1"/>
+            </a:solidFill>
+          </a:ln>
+        </p:spPr>
+        <p:style>
+          <a:lnRef idx="2">
+            <a:schemeClr val="accent1">
+              <a:shade val="50000"/>
+            </a:schemeClr>
+          </a:lnRef>
+          <a:fillRef idx="1">
+            <a:schemeClr val="accent1"/>
+          </a:fillRef>
+          <a:effectRef idx="0">
+            <a:schemeClr val="accent1"/>
+          </a:effectRef>
+          <a:fontRef idx="minor">
+            <a:schemeClr val="lt1"/>
+          </a:fontRef>
+        </p:style>
+        <p:txBody>
+          <a:bodyPr rtlCol="0" anchor="ctr"/>
+          <a:lstStyle/>
+          <a:p>
+            <a:pPr algn="ctr"/>
+            <a:endParaRPr lang="zh-CN" altLang="en-US"/>
+          </a:p>
+        </p:txBody>
+      </p:sp>
+      <p:sp>
+        <p:nvSpPr>
+          <p:cNvPr id="9" name="菱形 8"/>
+          <p:cNvSpPr/>
+          <p:nvPr/>
+        </p:nvSpPr>
+        <p:spPr>
+          <a:xfrm>
+            <a:off x="572813" y="1516391"/>
+            <a:ext cx="861848" cy="861848"/>
+          </a:xfrm>
+          <a:prstGeom prst="diamond">
+            <a:avLst/>
+          </a:prstGeom>
+          <a:noFill/>
+          <a:ln w="19050">
+            <a:solidFill>
+              <a:schemeClr val="bg1"/>
+            </a:solidFill>
+          </a:ln>
+        </p:spPr>
+        <p:style>
+          <a:lnRef idx="2">
+            <a:schemeClr val="accent1">
+              <a:shade val="50000"/>
+            </a:schemeClr>
+          </a:lnRef>
+          <a:fillRef idx="1">
+            <a:schemeClr val="accent1"/>
+          </a:fillRef>
+          <a:effectRef idx="0">
+            <a:schemeClr val="accent1"/>
+          </a:effectRef>
+          <a:fontRef idx="minor">
+            <a:schemeClr val="lt1"/>
+          </a:fontRef>
+        </p:style>
+        <p:txBody>
+          <a:bodyPr rtlCol="0" anchor="ctr"/>
+          <a:lstStyle/>
+          <a:p>
+            <a:pPr algn="ctr"/>
+            <a:endParaRPr lang="zh-CN" altLang="en-US"/>
+          </a:p>
+        </p:txBody>
+      </p:sp>
+      <p:sp>
+        <p:nvSpPr>
+          <p:cNvPr id="10" name="菱形 9"/>
+          <p:cNvSpPr/>
+          <p:nvPr/>
+        </p:nvSpPr>
+        <p:spPr>
+          <a:xfrm>
+            <a:off x="-253699" y="551793"/>
+            <a:ext cx="507398" cy="507398"/>
+          </a:xfrm>
+          <a:prstGeom prst="diamond">
+            <a:avLst/>
+          </a:prstGeom>
+          <a:noFill/>
+          <a:ln w="19050">
+            <a:solidFill>
+              <a:schemeClr val="bg1"/>
+            </a:solidFill>
+          </a:ln>
+        </p:spPr>
+        <p:style>
+          <a:lnRef idx="2">
+            <a:schemeClr val="accent1">
+              <a:shade val="50000"/>
+            </a:schemeClr>
+          </a:lnRef>
+          <a:fillRef idx="1">
+            <a:schemeClr val="accent1"/>
+          </a:fillRef>
+          <a:effectRef idx="0">
+            <a:schemeClr val="accent1"/>
+          </a:effectRef>
+          <a:fontRef idx="minor">
+            <a:schemeClr val="lt1"/>
+          </a:fontRef>
+        </p:style>
+        <p:txBody>
+          <a:bodyPr rtlCol="0" anchor="ctr"/>
+          <a:lstStyle/>
+          <a:p>
+            <a:pPr algn="ctr"/>
+            <a:endParaRPr lang="zh-CN" altLang="en-US"/>
+          </a:p>
+        </p:txBody>
+      </p:sp>
+      <p:sp>
+        <p:nvSpPr>
+          <p:cNvPr id="11" name="菱形 10"/>
+          <p:cNvSpPr/>
+          <p:nvPr/>
+        </p:nvSpPr>
+        <p:spPr>
+          <a:xfrm>
+            <a:off x="750038" y="805492"/>
+            <a:ext cx="507398" cy="507398"/>
+          </a:xfrm>
+          <a:prstGeom prst="diamond">
+            <a:avLst/>
+          </a:prstGeom>
+          <a:noFill/>
+          <a:ln w="19050">
+            <a:solidFill>
+              <a:schemeClr val="bg1"/>
+            </a:solidFill>
+          </a:ln>
+        </p:spPr>
+        <p:style>
+          <a:lnRef idx="2">
+            <a:schemeClr val="accent1">
+              <a:shade val="50000"/>
+            </a:schemeClr>
+          </a:lnRef>
+          <a:fillRef idx="1">
+            <a:schemeClr val="accent1"/>
+          </a:fillRef>
+          <a:effectRef idx="0">
+            <a:schemeClr val="accent1"/>
+          </a:effectRef>
+          <a:fontRef idx="minor">
+            <a:schemeClr val="lt1"/>
+          </a:fontRef>
+        </p:style>
+        <p:txBody>
+          <a:bodyPr rtlCol="0" anchor="ctr"/>
+          <a:lstStyle/>
+          <a:p>
+            <a:pPr algn="ctr"/>
+            <a:endParaRPr lang="zh-CN" altLang="en-US"/>
+          </a:p>
+        </p:txBody>
+      </p:sp>
+      <p:sp>
+        <p:nvSpPr>
+          <p:cNvPr id="19" name="菱形 18"/>
+          <p:cNvSpPr/>
+          <p:nvPr/>
+        </p:nvSpPr>
+        <p:spPr>
+          <a:xfrm>
+            <a:off x="11438956" y="4385825"/>
+            <a:ext cx="682521" cy="682521"/>
+          </a:xfrm>
+          <a:prstGeom prst="diamond">
+            <a:avLst/>
+          </a:prstGeom>
+          <a:noFill/>
+          <a:ln w="19050">
+            <a:solidFill>
+              <a:schemeClr val="bg1"/>
+            </a:solidFill>
+          </a:ln>
+        </p:spPr>
+        <p:style>
+          <a:lnRef idx="2">
+            <a:schemeClr val="accent1">
+              <a:shade val="50000"/>
+            </a:schemeClr>
+          </a:lnRef>
+          <a:fillRef idx="1">
+            <a:schemeClr val="accent1"/>
+          </a:fillRef>
+          <a:effectRef idx="0">
+            <a:schemeClr val="accent1"/>
+          </a:effectRef>
+          <a:fontRef idx="minor">
+            <a:schemeClr val="lt1"/>
+          </a:fontRef>
+        </p:style>
+        <p:txBody>
+          <a:bodyPr rtlCol="0" anchor="ctr"/>
+          <a:lstStyle/>
+          <a:p>
+            <a:pPr algn="ctr"/>
+            <a:endParaRPr lang="zh-CN" altLang="en-US"/>
+          </a:p>
+        </p:txBody>
+      </p:sp>
+      <p:sp>
+        <p:nvSpPr>
+          <p:cNvPr id="20" name="菱形 19"/>
+          <p:cNvSpPr/>
+          <p:nvPr/>
+        </p:nvSpPr>
+        <p:spPr>
+          <a:xfrm>
+            <a:off x="12004569" y="5292241"/>
+            <a:ext cx="507398" cy="507398"/>
+          </a:xfrm>
+          <a:prstGeom prst="diamond">
+            <a:avLst/>
+          </a:prstGeom>
+          <a:noFill/>
+          <a:ln w="19050">
+            <a:solidFill>
+              <a:schemeClr val="bg1"/>
+            </a:solidFill>
+          </a:ln>
+        </p:spPr>
+        <p:style>
+          <a:lnRef idx="2">
+            <a:schemeClr val="accent1">
+              <a:shade val="50000"/>
+            </a:schemeClr>
+          </a:lnRef>
+          <a:fillRef idx="1">
+            <a:schemeClr val="accent1"/>
+          </a:fillRef>
+          <a:effectRef idx="0">
+            <a:schemeClr val="accent1"/>
+          </a:effectRef>
+          <a:fontRef idx="minor">
+            <a:schemeClr val="lt1"/>
+          </a:fontRef>
+        </p:style>
+        <p:txBody>
+          <a:bodyPr rtlCol="0" anchor="ctr"/>
+          <a:lstStyle/>
+          <a:p>
+            <a:pPr algn="ctr"/>
+            <a:endParaRPr lang="zh-CN" altLang="en-US"/>
+          </a:p>
+        </p:txBody>
+      </p:sp>
+      <p:cxnSp>
+        <p:nvCxnSpPr>
+          <p:cNvPr id="25" name="直接连接符 24"/>
+          <p:cNvCxnSpPr/>
+          <p:nvPr/>
+        </p:nvCxnSpPr>
+        <p:spPr>
+          <a:xfrm>
+            <a:off x="4723154" y="551793"/>
+            <a:ext cx="3089274" cy="0"/>
+          </a:xfrm>
+          <a:prstGeom prst="line">
+            <a:avLst/>
+          </a:prstGeom>
+          <a:ln>
+            <a:solidFill>
+              <a:schemeClr val="bg1"/>
+            </a:solidFill>
+          </a:ln>
+        </p:spPr>
+        <p:style>
+          <a:lnRef idx="1">
+            <a:schemeClr val="accent1"/>
+          </a:lnRef>
+          <a:fillRef idx="0">
+            <a:schemeClr val="accent1"/>
+          </a:fillRef>
+          <a:effectRef idx="0">
+            <a:schemeClr val="accent1"/>
+          </a:effectRef>
+          <a:fontRef idx="minor">
+            <a:schemeClr val="tx1"/>
+          </a:fontRef>
+        </p:style>
+      </p:cxnSp>
+      <p:cxnSp>
+        <p:nvCxnSpPr>
+          <p:cNvPr id="26" name="直接连接符 25"/>
+          <p:cNvCxnSpPr/>
+          <p:nvPr/>
+        </p:nvCxnSpPr>
+        <p:spPr>
+          <a:xfrm>
+            <a:off x="4723154" y="1191873"/>
+            <a:ext cx="3089274" cy="0"/>
+          </a:xfrm>
+          <a:prstGeom prst="line">
+            <a:avLst/>
+          </a:prstGeom>
+          <a:ln>
+            <a:solidFill>
+              <a:schemeClr val="bg1"/>
+            </a:solidFill>
+          </a:ln>
+        </p:spPr>
+        <p:style>
+          <a:lnRef idx="1">
+            <a:schemeClr val="accent1"/>
+          </a:lnRef>
+          <a:fillRef idx="0">
+            <a:schemeClr val="accent1"/>
+          </a:fillRef>
+          <a:effectRef idx="0">
+            <a:schemeClr val="accent1"/>
+          </a:effectRef>
+          <a:fontRef idx="minor">
+            <a:schemeClr val="tx1"/>
+          </a:fontRef>
+        </p:style>
+      </p:cxnSp>
+      <p:sp>
+        <p:nvSpPr>
+          <p:cNvPr id="27" name="文本框 26"/>
+          <p:cNvSpPr txBox="1"/>
+          <p:nvPr/>
+        </p:nvSpPr>
+        <p:spPr>
+          <a:xfrm>
             <a:off x="5825372" y="579446"/>
             <a:ext cx="2598669" cy="584775"/>
           </a:xfrm>
@@ -8797,7 +9423,7 @@
 </p:sld>
 </file>
 
-<file path=ppt/slides/slide14.xml><?xml version="1.0" encoding="utf-8"?>
+<file path=ppt/slides/slide15.xml><?xml version="1.0" encoding="utf-8"?>
 <p:sld xmlns:a="http://schemas.openxmlformats.org/drawingml/2006/main" xmlns:r="http://schemas.openxmlformats.org/officeDocument/2006/relationships" xmlns:p="http://schemas.openxmlformats.org/presentationml/2006/main">
   <p:cSld>
     <p:spTree>
@@ -8977,7 +9603,7 @@
 </p:sld>
 </file>
 
-<file path=ppt/slides/slide15.xml><?xml version="1.0" encoding="utf-8"?>
+<file path=ppt/slides/slide16.xml><?xml version="1.0" encoding="utf-8"?>
 <p:sld xmlns:a="http://schemas.openxmlformats.org/drawingml/2006/main" xmlns:r="http://schemas.openxmlformats.org/officeDocument/2006/relationships" xmlns:p="http://schemas.openxmlformats.org/presentationml/2006/main">
   <p:cSld>
     <p:spTree>
@@ -9126,1087 +9752,6 @@
   <p:clrMapOvr>
     <a:masterClrMapping/>
   </p:clrMapOvr>
-</p:sld>
-</file>
-
-<file path=ppt/slides/slide16.xml><?xml version="1.0" encoding="utf-8"?>
-<p:sld xmlns:a="http://schemas.openxmlformats.org/drawingml/2006/main" xmlns:r="http://schemas.openxmlformats.org/officeDocument/2006/relationships" xmlns:p="http://schemas.openxmlformats.org/presentationml/2006/main">
-  <p:cSld>
-    <p:spTree>
-      <p:nvGrpSpPr>
-        <p:cNvPr id="1" name=""/>
-        <p:cNvGrpSpPr/>
-        <p:nvPr/>
-      </p:nvGrpSpPr>
-      <p:grpSpPr>
-        <a:xfrm>
-          <a:off x="0" y="0"/>
-          <a:ext cx="0" cy="0"/>
-          <a:chOff x="0" y="0"/>
-          <a:chExt cx="0" cy="0"/>
-        </a:xfrm>
-      </p:grpSpPr>
-      <p:sp>
-        <p:nvSpPr>
-          <p:cNvPr id="8" name="菱形 7"/>
-          <p:cNvSpPr/>
-          <p:nvPr/>
-        </p:nvSpPr>
-        <p:spPr>
-          <a:xfrm>
-            <a:off x="1200806" y="1516391"/>
-            <a:ext cx="1035269" cy="1035269"/>
-          </a:xfrm>
-          <a:prstGeom prst="diamond">
-            <a:avLst/>
-          </a:prstGeom>
-          <a:noFill/>
-          <a:ln w="19050">
-            <a:solidFill>
-              <a:schemeClr val="bg1"/>
-            </a:solidFill>
-          </a:ln>
-        </p:spPr>
-        <p:style>
-          <a:lnRef idx="2">
-            <a:schemeClr val="accent1">
-              <a:shade val="50000"/>
-            </a:schemeClr>
-          </a:lnRef>
-          <a:fillRef idx="1">
-            <a:schemeClr val="accent1"/>
-          </a:fillRef>
-          <a:effectRef idx="0">
-            <a:schemeClr val="accent1"/>
-          </a:effectRef>
-          <a:fontRef idx="minor">
-            <a:schemeClr val="lt1"/>
-          </a:fontRef>
-        </p:style>
-        <p:txBody>
-          <a:bodyPr rtlCol="0" anchor="ctr"/>
-          <a:lstStyle/>
-          <a:p>
-            <a:pPr algn="ctr"/>
-            <a:endParaRPr lang="zh-CN" altLang="en-US"/>
-          </a:p>
-        </p:txBody>
-      </p:sp>
-      <p:sp>
-        <p:nvSpPr>
-          <p:cNvPr id="9" name="菱形 8"/>
-          <p:cNvSpPr/>
-          <p:nvPr/>
-        </p:nvSpPr>
-        <p:spPr>
-          <a:xfrm>
-            <a:off x="572813" y="1516391"/>
-            <a:ext cx="861848" cy="861848"/>
-          </a:xfrm>
-          <a:prstGeom prst="diamond">
-            <a:avLst/>
-          </a:prstGeom>
-          <a:noFill/>
-          <a:ln w="19050">
-            <a:solidFill>
-              <a:schemeClr val="bg1"/>
-            </a:solidFill>
-          </a:ln>
-        </p:spPr>
-        <p:style>
-          <a:lnRef idx="2">
-            <a:schemeClr val="accent1">
-              <a:shade val="50000"/>
-            </a:schemeClr>
-          </a:lnRef>
-          <a:fillRef idx="1">
-            <a:schemeClr val="accent1"/>
-          </a:fillRef>
-          <a:effectRef idx="0">
-            <a:schemeClr val="accent1"/>
-          </a:effectRef>
-          <a:fontRef idx="minor">
-            <a:schemeClr val="lt1"/>
-          </a:fontRef>
-        </p:style>
-        <p:txBody>
-          <a:bodyPr rtlCol="0" anchor="ctr"/>
-          <a:lstStyle/>
-          <a:p>
-            <a:pPr algn="ctr"/>
-            <a:endParaRPr lang="zh-CN" altLang="en-US"/>
-          </a:p>
-        </p:txBody>
-      </p:sp>
-      <p:sp>
-        <p:nvSpPr>
-          <p:cNvPr id="10" name="菱形 9"/>
-          <p:cNvSpPr/>
-          <p:nvPr/>
-        </p:nvSpPr>
-        <p:spPr>
-          <a:xfrm>
-            <a:off x="-253699" y="551793"/>
-            <a:ext cx="507398" cy="507398"/>
-          </a:xfrm>
-          <a:prstGeom prst="diamond">
-            <a:avLst/>
-          </a:prstGeom>
-          <a:noFill/>
-          <a:ln w="19050">
-            <a:solidFill>
-              <a:schemeClr val="bg1"/>
-            </a:solidFill>
-          </a:ln>
-        </p:spPr>
-        <p:style>
-          <a:lnRef idx="2">
-            <a:schemeClr val="accent1">
-              <a:shade val="50000"/>
-            </a:schemeClr>
-          </a:lnRef>
-          <a:fillRef idx="1">
-            <a:schemeClr val="accent1"/>
-          </a:fillRef>
-          <a:effectRef idx="0">
-            <a:schemeClr val="accent1"/>
-          </a:effectRef>
-          <a:fontRef idx="minor">
-            <a:schemeClr val="lt1"/>
-          </a:fontRef>
-        </p:style>
-        <p:txBody>
-          <a:bodyPr rtlCol="0" anchor="ctr"/>
-          <a:lstStyle/>
-          <a:p>
-            <a:pPr algn="ctr"/>
-            <a:endParaRPr lang="zh-CN" altLang="en-US"/>
-          </a:p>
-        </p:txBody>
-      </p:sp>
-      <p:sp>
-        <p:nvSpPr>
-          <p:cNvPr id="11" name="菱形 10"/>
-          <p:cNvSpPr/>
-          <p:nvPr/>
-        </p:nvSpPr>
-        <p:spPr>
-          <a:xfrm>
-            <a:off x="750038" y="805492"/>
-            <a:ext cx="507398" cy="507398"/>
-          </a:xfrm>
-          <a:prstGeom prst="diamond">
-            <a:avLst/>
-          </a:prstGeom>
-          <a:noFill/>
-          <a:ln w="19050">
-            <a:solidFill>
-              <a:schemeClr val="bg1"/>
-            </a:solidFill>
-          </a:ln>
-        </p:spPr>
-        <p:style>
-          <a:lnRef idx="2">
-            <a:schemeClr val="accent1">
-              <a:shade val="50000"/>
-            </a:schemeClr>
-          </a:lnRef>
-          <a:fillRef idx="1">
-            <a:schemeClr val="accent1"/>
-          </a:fillRef>
-          <a:effectRef idx="0">
-            <a:schemeClr val="accent1"/>
-          </a:effectRef>
-          <a:fontRef idx="minor">
-            <a:schemeClr val="lt1"/>
-          </a:fontRef>
-        </p:style>
-        <p:txBody>
-          <a:bodyPr rtlCol="0" anchor="ctr"/>
-          <a:lstStyle/>
-          <a:p>
-            <a:pPr algn="ctr"/>
-            <a:endParaRPr lang="zh-CN" altLang="en-US"/>
-          </a:p>
-        </p:txBody>
-      </p:sp>
-      <p:sp>
-        <p:nvSpPr>
-          <p:cNvPr id="19" name="菱形 18"/>
-          <p:cNvSpPr/>
-          <p:nvPr/>
-        </p:nvSpPr>
-        <p:spPr>
-          <a:xfrm>
-            <a:off x="11438956" y="4385825"/>
-            <a:ext cx="682521" cy="682521"/>
-          </a:xfrm>
-          <a:prstGeom prst="diamond">
-            <a:avLst/>
-          </a:prstGeom>
-          <a:noFill/>
-          <a:ln w="19050">
-            <a:solidFill>
-              <a:schemeClr val="bg1"/>
-            </a:solidFill>
-          </a:ln>
-        </p:spPr>
-        <p:style>
-          <a:lnRef idx="2">
-            <a:schemeClr val="accent1">
-              <a:shade val="50000"/>
-            </a:schemeClr>
-          </a:lnRef>
-          <a:fillRef idx="1">
-            <a:schemeClr val="accent1"/>
-          </a:fillRef>
-          <a:effectRef idx="0">
-            <a:schemeClr val="accent1"/>
-          </a:effectRef>
-          <a:fontRef idx="minor">
-            <a:schemeClr val="lt1"/>
-          </a:fontRef>
-        </p:style>
-        <p:txBody>
-          <a:bodyPr rtlCol="0" anchor="ctr"/>
-          <a:lstStyle/>
-          <a:p>
-            <a:pPr algn="ctr"/>
-            <a:endParaRPr lang="zh-CN" altLang="en-US"/>
-          </a:p>
-        </p:txBody>
-      </p:sp>
-      <p:sp>
-        <p:nvSpPr>
-          <p:cNvPr id="20" name="菱形 19"/>
-          <p:cNvSpPr/>
-          <p:nvPr/>
-        </p:nvSpPr>
-        <p:spPr>
-          <a:xfrm>
-            <a:off x="12004569" y="5292241"/>
-            <a:ext cx="507398" cy="507398"/>
-          </a:xfrm>
-          <a:prstGeom prst="diamond">
-            <a:avLst/>
-          </a:prstGeom>
-          <a:noFill/>
-          <a:ln w="19050">
-            <a:solidFill>
-              <a:schemeClr val="bg1"/>
-            </a:solidFill>
-          </a:ln>
-        </p:spPr>
-        <p:style>
-          <a:lnRef idx="2">
-            <a:schemeClr val="accent1">
-              <a:shade val="50000"/>
-            </a:schemeClr>
-          </a:lnRef>
-          <a:fillRef idx="1">
-            <a:schemeClr val="accent1"/>
-          </a:fillRef>
-          <a:effectRef idx="0">
-            <a:schemeClr val="accent1"/>
-          </a:effectRef>
-          <a:fontRef idx="minor">
-            <a:schemeClr val="lt1"/>
-          </a:fontRef>
-        </p:style>
-        <p:txBody>
-          <a:bodyPr rtlCol="0" anchor="ctr"/>
-          <a:lstStyle/>
-          <a:p>
-            <a:pPr algn="ctr"/>
-            <a:endParaRPr lang="zh-CN" altLang="en-US"/>
-          </a:p>
-        </p:txBody>
-      </p:sp>
-      <p:cxnSp>
-        <p:nvCxnSpPr>
-          <p:cNvPr id="25" name="直接连接符 24"/>
-          <p:cNvCxnSpPr/>
-          <p:nvPr/>
-        </p:nvCxnSpPr>
-        <p:spPr>
-          <a:xfrm>
-            <a:off x="4723154" y="551793"/>
-            <a:ext cx="3089274" cy="0"/>
-          </a:xfrm>
-          <a:prstGeom prst="line">
-            <a:avLst/>
-          </a:prstGeom>
-          <a:ln>
-            <a:solidFill>
-              <a:schemeClr val="bg1"/>
-            </a:solidFill>
-          </a:ln>
-        </p:spPr>
-        <p:style>
-          <a:lnRef idx="1">
-            <a:schemeClr val="accent1"/>
-          </a:lnRef>
-          <a:fillRef idx="0">
-            <a:schemeClr val="accent1"/>
-          </a:fillRef>
-          <a:effectRef idx="0">
-            <a:schemeClr val="accent1"/>
-          </a:effectRef>
-          <a:fontRef idx="minor">
-            <a:schemeClr val="tx1"/>
-          </a:fontRef>
-        </p:style>
-      </p:cxnSp>
-      <p:cxnSp>
-        <p:nvCxnSpPr>
-          <p:cNvPr id="26" name="直接连接符 25"/>
-          <p:cNvCxnSpPr/>
-          <p:nvPr/>
-        </p:nvCxnSpPr>
-        <p:spPr>
-          <a:xfrm>
-            <a:off x="4723154" y="1191873"/>
-            <a:ext cx="3089274" cy="0"/>
-          </a:xfrm>
-          <a:prstGeom prst="line">
-            <a:avLst/>
-          </a:prstGeom>
-          <a:ln>
-            <a:solidFill>
-              <a:schemeClr val="bg1"/>
-            </a:solidFill>
-          </a:ln>
-        </p:spPr>
-        <p:style>
-          <a:lnRef idx="1">
-            <a:schemeClr val="accent1"/>
-          </a:lnRef>
-          <a:fillRef idx="0">
-            <a:schemeClr val="accent1"/>
-          </a:fillRef>
-          <a:effectRef idx="0">
-            <a:schemeClr val="accent1"/>
-          </a:effectRef>
-          <a:fontRef idx="minor">
-            <a:schemeClr val="tx1"/>
-          </a:fontRef>
-        </p:style>
-      </p:cxnSp>
-      <p:sp>
-        <p:nvSpPr>
-          <p:cNvPr id="27" name="文本框 26"/>
-          <p:cNvSpPr txBox="1"/>
-          <p:nvPr/>
-        </p:nvSpPr>
-        <p:spPr>
-          <a:xfrm>
-            <a:off x="5825372" y="579446"/>
-            <a:ext cx="2598669" cy="584775"/>
-          </a:xfrm>
-          <a:prstGeom prst="rect">
-            <a:avLst/>
-          </a:prstGeom>
-          <a:noFill/>
-        </p:spPr>
-        <p:txBody>
-          <a:bodyPr wrap="square" rtlCol="0">
-            <a:spAutoFit/>
-          </a:bodyPr>
-          <a:lstStyle/>
-          <a:p>
-            <a:r>
-              <a:rPr lang="zh-TW" altLang="en-US" sz="3200" b="1" dirty="0">
-                <a:solidFill>
-                  <a:schemeClr val="bg1"/>
-                </a:solidFill>
-              </a:rPr>
-              <a:t>線條</a:t>
-            </a:r>
-            <a:endParaRPr lang="zh-CN" altLang="en-US" sz="3200" dirty="0">
-              <a:solidFill>
-                <a:schemeClr val="bg1"/>
-              </a:solidFill>
-            </a:endParaRPr>
-          </a:p>
-        </p:txBody>
-      </p:sp>
-      <p:pic>
-        <p:nvPicPr>
-          <p:cNvPr id="24" name="圖片 23"/>
-          <p:cNvPicPr>
-            <a:picLocks noChangeAspect="1"/>
-          </p:cNvPicPr>
-          <p:nvPr/>
-        </p:nvPicPr>
-        <p:blipFill>
-          <a:blip r:embed="rId2"/>
-          <a:stretch>
-            <a:fillRect/>
-          </a:stretch>
-        </p:blipFill>
-        <p:spPr>
-          <a:xfrm>
-            <a:off x="8777737" y="480940"/>
-            <a:ext cx="2692734" cy="1337921"/>
-          </a:xfrm>
-          <a:prstGeom prst="rect">
-            <a:avLst/>
-          </a:prstGeom>
-        </p:spPr>
-      </p:pic>
-      <p:sp>
-        <p:nvSpPr>
-          <p:cNvPr id="2" name="文字方塊 1"/>
-          <p:cNvSpPr txBox="1"/>
-          <p:nvPr/>
-        </p:nvSpPr>
-        <p:spPr>
-          <a:xfrm>
-            <a:off x="2563595" y="2378239"/>
-            <a:ext cx="9122221" cy="3046988"/>
-          </a:xfrm>
-          <a:prstGeom prst="rect">
-            <a:avLst/>
-          </a:prstGeom>
-          <a:noFill/>
-        </p:spPr>
-        <p:txBody>
-          <a:bodyPr wrap="square" rtlCol="0">
-            <a:spAutoFit/>
-          </a:bodyPr>
-          <a:lstStyle/>
-          <a:p>
-            <a:r>
-              <a:rPr lang="en-US" altLang="zh-TW" sz="2400" dirty="0">
-                <a:solidFill>
-                  <a:schemeClr val="bg1"/>
-                </a:solidFill>
-              </a:rPr>
-              <a:t>&lt;script type="text/</a:t>
-            </a:r>
-            <a:r>
-              <a:rPr lang="en-US" altLang="zh-TW" sz="2400" dirty="0" err="1">
-                <a:solidFill>
-                  <a:schemeClr val="bg1"/>
-                </a:solidFill>
-              </a:rPr>
-              <a:t>javascript</a:t>
-            </a:r>
-            <a:r>
-              <a:rPr lang="en-US" altLang="zh-TW" sz="2400" dirty="0">
-                <a:solidFill>
-                  <a:schemeClr val="bg1"/>
-                </a:solidFill>
-              </a:rPr>
-              <a:t>"&gt; </a:t>
-            </a:r>
-          </a:p>
-          <a:p>
-            <a:r>
-              <a:rPr lang="en-US" altLang="zh-TW" sz="2400" dirty="0" err="1">
-                <a:solidFill>
-                  <a:schemeClr val="bg1"/>
-                </a:solidFill>
-              </a:rPr>
-              <a:t>var</a:t>
-            </a:r>
-            <a:r>
-              <a:rPr lang="zh-TW" altLang="en-US" sz="2400" dirty="0">
-                <a:solidFill>
-                  <a:schemeClr val="bg1"/>
-                </a:solidFill>
-              </a:rPr>
-              <a:t> </a:t>
-            </a:r>
-            <a:r>
-              <a:rPr lang="en-US" altLang="zh-TW" sz="2400" dirty="0">
-                <a:solidFill>
-                  <a:schemeClr val="bg1"/>
-                </a:solidFill>
-              </a:rPr>
-              <a:t>c=</a:t>
-            </a:r>
-            <a:r>
-              <a:rPr lang="en-US" altLang="zh-TW" sz="2400" dirty="0" err="1">
-                <a:solidFill>
-                  <a:schemeClr val="bg1"/>
-                </a:solidFill>
-              </a:rPr>
-              <a:t>document.getElementById</a:t>
-            </a:r>
-            <a:r>
-              <a:rPr lang="en-US" altLang="zh-TW" sz="2400" dirty="0">
-                <a:solidFill>
-                  <a:schemeClr val="bg1"/>
-                </a:solidFill>
-              </a:rPr>
-              <a:t>("</a:t>
-            </a:r>
-            <a:r>
-              <a:rPr lang="en-US" altLang="zh-TW" sz="2400" dirty="0" err="1">
-                <a:solidFill>
-                  <a:schemeClr val="bg1"/>
-                </a:solidFill>
-              </a:rPr>
-              <a:t>myCanvas</a:t>
-            </a:r>
-            <a:r>
-              <a:rPr lang="en-US" altLang="zh-TW" sz="2400" dirty="0">
-                <a:solidFill>
-                  <a:schemeClr val="bg1"/>
-                </a:solidFill>
-              </a:rPr>
-              <a:t>"); </a:t>
-            </a:r>
-          </a:p>
-          <a:p>
-            <a:r>
-              <a:rPr lang="en-US" altLang="zh-TW" sz="2400" dirty="0" err="1">
-                <a:solidFill>
-                  <a:schemeClr val="bg1"/>
-                </a:solidFill>
-              </a:rPr>
-              <a:t>var</a:t>
-            </a:r>
-            <a:r>
-              <a:rPr lang="en-US" altLang="zh-TW" sz="2400" dirty="0">
-                <a:solidFill>
-                  <a:schemeClr val="bg1"/>
-                </a:solidFill>
-              </a:rPr>
-              <a:t> </a:t>
-            </a:r>
-            <a:r>
-              <a:rPr lang="en-US" altLang="zh-TW" sz="2400" dirty="0" err="1">
-                <a:solidFill>
-                  <a:schemeClr val="bg1"/>
-                </a:solidFill>
-              </a:rPr>
-              <a:t>cxt</a:t>
-            </a:r>
-            <a:r>
-              <a:rPr lang="en-US" altLang="zh-TW" sz="2400" dirty="0">
-                <a:solidFill>
-                  <a:schemeClr val="bg1"/>
-                </a:solidFill>
-              </a:rPr>
-              <a:t>=</a:t>
-            </a:r>
-            <a:r>
-              <a:rPr lang="en-US" altLang="zh-TW" sz="2400" dirty="0" err="1">
-                <a:solidFill>
-                  <a:schemeClr val="bg1"/>
-                </a:solidFill>
-              </a:rPr>
-              <a:t>c.getContext</a:t>
-            </a:r>
-            <a:r>
-              <a:rPr lang="en-US" altLang="zh-TW" sz="2400" dirty="0">
-                <a:solidFill>
-                  <a:schemeClr val="bg1"/>
-                </a:solidFill>
-              </a:rPr>
-              <a:t>("2d"); </a:t>
-            </a:r>
-          </a:p>
-          <a:p>
-            <a:r>
-              <a:rPr lang="en-US" altLang="zh-TW" sz="2400" dirty="0" err="1" smtClean="0">
-                <a:solidFill>
-                  <a:schemeClr val="bg1"/>
-                </a:solidFill>
-              </a:rPr>
-              <a:t>ctx.moveTo</a:t>
-            </a:r>
-            <a:r>
-              <a:rPr lang="en-US" altLang="zh-TW" sz="2400" dirty="0" smtClean="0">
-                <a:solidFill>
-                  <a:schemeClr val="bg1"/>
-                </a:solidFill>
-              </a:rPr>
-              <a:t>(10,10</a:t>
-            </a:r>
-            <a:r>
-              <a:rPr lang="en-US" altLang="zh-TW" sz="2400" dirty="0">
-                <a:solidFill>
-                  <a:schemeClr val="bg1"/>
-                </a:solidFill>
-              </a:rPr>
-              <a:t>); </a:t>
-            </a:r>
-            <a:r>
-              <a:rPr lang="en-US" altLang="zh-TW" sz="2000" dirty="0">
-                <a:solidFill>
-                  <a:schemeClr val="accent6">
-                    <a:lumMod val="60000"/>
-                    <a:lumOff val="40000"/>
-                  </a:schemeClr>
-                </a:solidFill>
-              </a:rPr>
-              <a:t>// </a:t>
-            </a:r>
-            <a:r>
-              <a:rPr lang="en-US" altLang="zh-TW" sz="2000" dirty="0" err="1">
-                <a:solidFill>
-                  <a:schemeClr val="accent6">
-                    <a:lumMod val="60000"/>
-                    <a:lumOff val="40000"/>
-                  </a:schemeClr>
-                </a:solidFill>
-              </a:rPr>
-              <a:t>moveTo</a:t>
-            </a:r>
-            <a:r>
-              <a:rPr lang="en-US" altLang="zh-TW" sz="2000" dirty="0">
-                <a:solidFill>
-                  <a:schemeClr val="accent6">
-                    <a:lumMod val="60000"/>
-                    <a:lumOff val="40000"/>
-                  </a:schemeClr>
-                </a:solidFill>
-              </a:rPr>
-              <a:t> </a:t>
-            </a:r>
-            <a:r>
-              <a:rPr lang="zh-TW" altLang="en-US" sz="2000" dirty="0">
-                <a:solidFill>
-                  <a:schemeClr val="accent6">
-                    <a:lumMod val="60000"/>
-                    <a:lumOff val="40000"/>
-                  </a:schemeClr>
-                </a:solidFill>
-              </a:rPr>
-              <a:t>方法將移至所指定的座標</a:t>
-            </a:r>
-            <a:endParaRPr lang="en-US" altLang="zh-TW" sz="2000" dirty="0">
-              <a:solidFill>
-                <a:schemeClr val="accent6">
-                  <a:lumMod val="60000"/>
-                  <a:lumOff val="40000"/>
-                </a:schemeClr>
-              </a:solidFill>
-            </a:endParaRPr>
-          </a:p>
-          <a:p>
-            <a:r>
-              <a:rPr lang="en-US" altLang="zh-TW" sz="2400" dirty="0" err="1" smtClean="0">
-                <a:solidFill>
-                  <a:schemeClr val="bg1"/>
-                </a:solidFill>
-              </a:rPr>
-              <a:t>ctx.lineTo</a:t>
-            </a:r>
-            <a:r>
-              <a:rPr lang="en-US" altLang="zh-TW" sz="2400" dirty="0" smtClean="0">
-                <a:solidFill>
-                  <a:schemeClr val="bg1"/>
-                </a:solidFill>
-              </a:rPr>
-              <a:t>(150,50</a:t>
-            </a:r>
-            <a:r>
-              <a:rPr lang="en-US" altLang="zh-TW" sz="2400" dirty="0">
-                <a:solidFill>
-                  <a:schemeClr val="bg1"/>
-                </a:solidFill>
-              </a:rPr>
-              <a:t>); </a:t>
-            </a:r>
-            <a:r>
-              <a:rPr lang="en-US" altLang="zh-TW" sz="2000" dirty="0">
-                <a:solidFill>
-                  <a:schemeClr val="accent6">
-                    <a:lumMod val="60000"/>
-                    <a:lumOff val="40000"/>
-                  </a:schemeClr>
-                </a:solidFill>
-              </a:rPr>
-              <a:t>//</a:t>
-            </a:r>
-            <a:r>
-              <a:rPr lang="zh-TW" altLang="en-US" sz="2000" dirty="0">
-                <a:solidFill>
-                  <a:schemeClr val="accent6">
-                    <a:lumMod val="60000"/>
-                    <a:lumOff val="40000"/>
-                  </a:schemeClr>
-                </a:solidFill>
-              </a:rPr>
-              <a:t> </a:t>
-            </a:r>
-            <a:r>
-              <a:rPr lang="en-US" altLang="zh-TW" sz="2000" dirty="0" err="1">
-                <a:solidFill>
-                  <a:schemeClr val="accent6">
-                    <a:lumMod val="60000"/>
-                    <a:lumOff val="40000"/>
-                  </a:schemeClr>
-                </a:solidFill>
-              </a:rPr>
-              <a:t>lineTo</a:t>
-            </a:r>
-            <a:r>
-              <a:rPr lang="en-US" altLang="zh-TW" sz="2000" dirty="0">
-                <a:solidFill>
-                  <a:schemeClr val="accent6">
-                    <a:lumMod val="60000"/>
-                    <a:lumOff val="40000"/>
-                  </a:schemeClr>
-                </a:solidFill>
-              </a:rPr>
-              <a:t> </a:t>
-            </a:r>
-            <a:r>
-              <a:rPr lang="zh-TW" altLang="en-US" sz="2000" dirty="0">
-                <a:solidFill>
-                  <a:schemeClr val="accent6">
-                    <a:lumMod val="60000"/>
-                    <a:lumOff val="40000"/>
-                  </a:schemeClr>
-                </a:solidFill>
-              </a:rPr>
-              <a:t>將在當前座標與您指定的座標之間描摹一條直線</a:t>
-            </a:r>
-            <a:endParaRPr lang="en-US" altLang="zh-TW" sz="2000" dirty="0">
-              <a:solidFill>
-                <a:schemeClr val="accent6">
-                  <a:lumMod val="60000"/>
-                  <a:lumOff val="40000"/>
-                </a:schemeClr>
-              </a:solidFill>
-            </a:endParaRPr>
-          </a:p>
-          <a:p>
-            <a:r>
-              <a:rPr lang="en-US" altLang="zh-TW" sz="2400" dirty="0" err="1" smtClean="0">
-                <a:solidFill>
-                  <a:schemeClr val="bg1"/>
-                </a:solidFill>
-              </a:rPr>
-              <a:t>ctx.lineTo</a:t>
-            </a:r>
-            <a:r>
-              <a:rPr lang="en-US" altLang="zh-TW" sz="2400" dirty="0" smtClean="0">
-                <a:solidFill>
-                  <a:schemeClr val="bg1"/>
-                </a:solidFill>
-              </a:rPr>
-              <a:t>(10,50</a:t>
-            </a:r>
-            <a:r>
-              <a:rPr lang="en-US" altLang="zh-TW" sz="2400" dirty="0">
-                <a:solidFill>
-                  <a:schemeClr val="bg1"/>
-                </a:solidFill>
-              </a:rPr>
-              <a:t>); </a:t>
-            </a:r>
-          </a:p>
-          <a:p>
-            <a:r>
-              <a:rPr lang="en-US" altLang="zh-TW" sz="2400" dirty="0" err="1" smtClean="0">
-                <a:solidFill>
-                  <a:schemeClr val="bg1"/>
-                </a:solidFill>
-              </a:rPr>
-              <a:t>ctx.stroke</a:t>
-            </a:r>
-            <a:r>
-              <a:rPr lang="en-US" altLang="zh-TW" sz="2400" dirty="0">
-                <a:solidFill>
-                  <a:schemeClr val="bg1"/>
-                </a:solidFill>
-              </a:rPr>
-              <a:t>(); </a:t>
-            </a:r>
-            <a:r>
-              <a:rPr lang="en-US" altLang="zh-TW" sz="2000" dirty="0">
-                <a:solidFill>
-                  <a:schemeClr val="accent6">
-                    <a:lumMod val="60000"/>
-                    <a:lumOff val="40000"/>
-                  </a:schemeClr>
-                </a:solidFill>
-              </a:rPr>
-              <a:t>//</a:t>
-            </a:r>
-            <a:r>
-              <a:rPr lang="zh-TW" altLang="en-US" sz="2000" dirty="0">
-                <a:solidFill>
-                  <a:schemeClr val="accent6">
-                    <a:lumMod val="60000"/>
-                    <a:lumOff val="40000"/>
-                  </a:schemeClr>
-                </a:solidFill>
-              </a:rPr>
-              <a:t> </a:t>
-            </a:r>
-            <a:r>
-              <a:rPr lang="en-US" altLang="zh-TW" sz="2000" dirty="0">
-                <a:solidFill>
-                  <a:schemeClr val="accent6">
-                    <a:lumMod val="60000"/>
-                    <a:lumOff val="40000"/>
-                  </a:schemeClr>
-                </a:solidFill>
-              </a:rPr>
-              <a:t>stroke </a:t>
-            </a:r>
-            <a:r>
-              <a:rPr lang="zh-TW" altLang="en-US" sz="2000" dirty="0">
-                <a:solidFill>
-                  <a:schemeClr val="accent6">
-                    <a:lumMod val="60000"/>
-                    <a:lumOff val="40000"/>
-                  </a:schemeClr>
-                </a:solidFill>
-              </a:rPr>
-              <a:t>方法</a:t>
-            </a:r>
-            <a:r>
-              <a:rPr lang="zh-TW" altLang="en-US" sz="2000" dirty="0" smtClean="0">
-                <a:solidFill>
-                  <a:schemeClr val="accent6">
-                    <a:lumMod val="60000"/>
-                    <a:lumOff val="40000"/>
-                  </a:schemeClr>
-                </a:solidFill>
-              </a:rPr>
-              <a:t>，顯示 </a:t>
-            </a:r>
-            <a:r>
-              <a:rPr lang="en-US" altLang="zh-TW" sz="2000" dirty="0" err="1" smtClean="0">
-                <a:solidFill>
-                  <a:schemeClr val="accent6">
-                    <a:lumMod val="60000"/>
-                    <a:lumOff val="40000"/>
-                  </a:schemeClr>
-                </a:solidFill>
-              </a:rPr>
-              <a:t>moveTo</a:t>
-            </a:r>
-            <a:r>
-              <a:rPr lang="en-US" altLang="zh-TW" sz="2000" dirty="0" smtClean="0">
-                <a:solidFill>
-                  <a:schemeClr val="accent6">
-                    <a:lumMod val="60000"/>
-                    <a:lumOff val="40000"/>
-                  </a:schemeClr>
-                </a:solidFill>
-              </a:rPr>
-              <a:t>, </a:t>
-            </a:r>
-            <a:r>
-              <a:rPr lang="en-US" altLang="zh-TW" sz="2000" dirty="0" err="1" smtClean="0">
-                <a:solidFill>
-                  <a:schemeClr val="accent6">
-                    <a:lumMod val="60000"/>
-                    <a:lumOff val="40000"/>
-                  </a:schemeClr>
-                </a:solidFill>
-              </a:rPr>
-              <a:t>lineTo</a:t>
-            </a:r>
-            <a:r>
-              <a:rPr lang="en-US" altLang="zh-TW" sz="2000" dirty="0" smtClean="0">
-                <a:solidFill>
-                  <a:schemeClr val="accent6">
-                    <a:lumMod val="60000"/>
-                    <a:lumOff val="40000"/>
-                  </a:schemeClr>
-                </a:solidFill>
-              </a:rPr>
-              <a:t> </a:t>
-            </a:r>
-            <a:r>
-              <a:rPr lang="zh-TW" altLang="en-US" sz="2000" dirty="0" smtClean="0">
-                <a:solidFill>
-                  <a:schemeClr val="accent6">
-                    <a:lumMod val="60000"/>
-                    <a:lumOff val="40000"/>
-                  </a:schemeClr>
-                </a:solidFill>
-              </a:rPr>
-              <a:t>軌跡之線條</a:t>
-            </a:r>
-            <a:endParaRPr lang="en-US" altLang="zh-TW" sz="2000" dirty="0">
-              <a:solidFill>
-                <a:schemeClr val="accent6">
-                  <a:lumMod val="60000"/>
-                  <a:lumOff val="40000"/>
-                </a:schemeClr>
-              </a:solidFill>
-            </a:endParaRPr>
-          </a:p>
-          <a:p>
-            <a:r>
-              <a:rPr lang="en-US" altLang="zh-TW" sz="2400" dirty="0">
-                <a:solidFill>
-                  <a:schemeClr val="bg1"/>
-                </a:solidFill>
-              </a:rPr>
-              <a:t>&lt;/script</a:t>
-            </a:r>
-            <a:r>
-              <a:rPr lang="en-US" altLang="zh-TW" sz="2400" dirty="0" smtClean="0">
-                <a:solidFill>
-                  <a:schemeClr val="bg1"/>
-                </a:solidFill>
-              </a:rPr>
-              <a:t>&gt;</a:t>
-            </a:r>
-          </a:p>
-        </p:txBody>
-      </p:sp>
-    </p:spTree>
-    <p:extLst>
-      <p:ext uri="{BB962C8B-B14F-4D97-AF65-F5344CB8AC3E}">
-        <p14:creationId xmlns:p14="http://schemas.microsoft.com/office/powerpoint/2010/main" val="692517719"/>
-      </p:ext>
-    </p:extLst>
-  </p:cSld>
-  <p:clrMapOvr>
-    <a:masterClrMapping/>
-  </p:clrMapOvr>
-  <p:timing>
-    <p:tnLst>
-      <p:par>
-        <p:cTn id="1" dur="indefinite" restart="never" nodeType="tmRoot">
-          <p:childTnLst>
-            <p:seq concurrent="1" nextAc="seek">
-              <p:cTn id="2" dur="indefinite" nodeType="mainSeq">
-                <p:childTnLst>
-                  <p:par>
-                    <p:cTn id="3" fill="hold">
-                      <p:stCondLst>
-                        <p:cond delay="indefinite"/>
-                      </p:stCondLst>
-                      <p:childTnLst>
-                        <p:par>
-                          <p:cTn id="4" fill="hold">
-                            <p:stCondLst>
-                              <p:cond delay="0"/>
-                            </p:stCondLst>
-                            <p:childTnLst>
-                              <p:par>
-                                <p:cTn id="5" presetID="10" presetClass="entr" presetSubtype="0" fill="hold" nodeType="clickEffect">
-                                  <p:stCondLst>
-                                    <p:cond delay="0"/>
-                                  </p:stCondLst>
-                                  <p:childTnLst>
-                                    <p:set>
-                                      <p:cBhvr>
-                                        <p:cTn id="6" dur="1" fill="hold">
-                                          <p:stCondLst>
-                                            <p:cond delay="0"/>
-                                          </p:stCondLst>
-                                        </p:cTn>
-                                        <p:tgtEl>
-                                          <p:spTgt spid="24"/>
-                                        </p:tgtEl>
-                                        <p:attrNameLst>
-                                          <p:attrName>style.visibility</p:attrName>
-                                        </p:attrNameLst>
-                                      </p:cBhvr>
-                                      <p:to>
-                                        <p:strVal val="visible"/>
-                                      </p:to>
-                                    </p:set>
-                                    <p:animEffect transition="in" filter="fade">
-                                      <p:cBhvr>
-                                        <p:cTn id="7" dur="500"/>
-                                        <p:tgtEl>
-                                          <p:spTgt spid="24"/>
-                                        </p:tgtEl>
-                                      </p:cBhvr>
-                                    </p:animEffect>
-                                  </p:childTnLst>
-                                </p:cTn>
-                              </p:par>
-                            </p:childTnLst>
-                          </p:cTn>
-                        </p:par>
-                      </p:childTnLst>
-                    </p:cTn>
-                  </p:par>
-                  <p:par>
-                    <p:cTn id="8" fill="hold">
-                      <p:stCondLst>
-                        <p:cond delay="indefinite"/>
-                      </p:stCondLst>
-                      <p:childTnLst>
-                        <p:par>
-                          <p:cTn id="9" fill="hold">
-                            <p:stCondLst>
-                              <p:cond delay="0"/>
-                            </p:stCondLst>
-                            <p:childTnLst>
-                              <p:par>
-                                <p:cTn id="10" presetID="10" presetClass="entr" presetSubtype="0" fill="hold" grpId="0" nodeType="clickEffect">
-                                  <p:stCondLst>
-                                    <p:cond delay="0"/>
-                                  </p:stCondLst>
-                                  <p:childTnLst>
-                                    <p:set>
-                                      <p:cBhvr>
-                                        <p:cTn id="11" dur="1" fill="hold">
-                                          <p:stCondLst>
-                                            <p:cond delay="0"/>
-                                          </p:stCondLst>
-                                        </p:cTn>
-                                        <p:tgtEl>
-                                          <p:spTgt spid="2"/>
-                                        </p:tgtEl>
-                                        <p:attrNameLst>
-                                          <p:attrName>style.visibility</p:attrName>
-                                        </p:attrNameLst>
-                                      </p:cBhvr>
-                                      <p:to>
-                                        <p:strVal val="visible"/>
-                                      </p:to>
-                                    </p:set>
-                                    <p:animEffect transition="in" filter="fade">
-                                      <p:cBhvr>
-                                        <p:cTn id="12" dur="500"/>
-                                        <p:tgtEl>
-                                          <p:spTgt spid="2"/>
-                                        </p:tgtEl>
-                                      </p:cBhvr>
-                                    </p:animEffect>
-                                  </p:childTnLst>
-                                </p:cTn>
-                              </p:par>
-                            </p:childTnLst>
-                          </p:cTn>
-                        </p:par>
-                      </p:childTnLst>
-                    </p:cTn>
-                  </p:par>
-                </p:childTnLst>
-              </p:cTn>
-              <p:prevCondLst>
-                <p:cond evt="onPrev" delay="0">
-                  <p:tgtEl>
-                    <p:sldTgt/>
-                  </p:tgtEl>
-                </p:cond>
-              </p:prevCondLst>
-              <p:nextCondLst>
-                <p:cond evt="onNext" delay="0">
-                  <p:tgtEl>
-                    <p:sldTgt/>
-                  </p:tgtEl>
-                </p:cond>
-              </p:nextCondLst>
-            </p:seq>
-          </p:childTnLst>
-        </p:cTn>
-      </p:par>
-    </p:tnLst>
-    <p:bldLst>
-      <p:bldP spid="2" grpId="0"/>
-    </p:bldLst>
-  </p:timing>
 </p:sld>
 </file>
 
@@ -10581,8 +10126,8 @@
         </p:nvSpPr>
         <p:spPr>
           <a:xfrm>
-            <a:off x="4010685" y="624649"/>
-            <a:ext cx="5260064" cy="584775"/>
+            <a:off x="5825372" y="579446"/>
+            <a:ext cx="2598669" cy="584775"/>
           </a:xfrm>
           <a:prstGeom prst="rect">
             <a:avLst/>
@@ -10596,12 +10141,12 @@
           <a:lstStyle/>
           <a:p>
             <a:r>
-              <a:rPr lang="zh-TW" altLang="en-US" sz="3200" dirty="0" smtClean="0">
-                <a:solidFill>
-                  <a:schemeClr val="bg1"/>
-                </a:solidFill>
-              </a:rPr>
-              <a:t>設定線條格式及填補顏色</a:t>
+              <a:rPr lang="zh-TW" altLang="en-US" sz="3200" b="1" dirty="0">
+                <a:solidFill>
+                  <a:schemeClr val="bg1"/>
+                </a:solidFill>
+              </a:rPr>
+              <a:t>線條</a:t>
             </a:r>
             <a:endParaRPr lang="zh-CN" altLang="en-US" sz="3200" dirty="0">
               <a:solidFill>
@@ -10611,6 +10156,30 @@
           </a:p>
         </p:txBody>
       </p:sp>
+      <p:pic>
+        <p:nvPicPr>
+          <p:cNvPr id="24" name="圖片 23"/>
+          <p:cNvPicPr>
+            <a:picLocks noChangeAspect="1"/>
+          </p:cNvPicPr>
+          <p:nvPr/>
+        </p:nvPicPr>
+        <p:blipFill>
+          <a:blip r:embed="rId2"/>
+          <a:stretch>
+            <a:fillRect/>
+          </a:stretch>
+        </p:blipFill>
+        <p:spPr>
+          <a:xfrm>
+            <a:off x="8777737" y="480940"/>
+            <a:ext cx="2692734" cy="1337921"/>
+          </a:xfrm>
+          <a:prstGeom prst="rect">
+            <a:avLst/>
+          </a:prstGeom>
+        </p:spPr>
+      </p:pic>
       <p:sp>
         <p:nvSpPr>
           <p:cNvPr id="2" name="文字方塊 1"/>
@@ -10620,7 +10189,7 @@
         <p:spPr>
           <a:xfrm>
             <a:off x="2563595" y="2378239"/>
-            <a:ext cx="9122221" cy="2677656"/>
+            <a:ext cx="9122221" cy="3046988"/>
           </a:xfrm>
           <a:prstGeom prst="rect">
             <a:avLst/>
@@ -10633,203 +10202,516 @@
           </a:bodyPr>
           <a:lstStyle/>
           <a:p>
-            <a:pPr marL="342900" indent="-342900">
-              <a:buFont typeface="Arial" panose="020B0604020202020204" pitchFamily="34" charset="0"/>
-              <a:buChar char="•"/>
-            </a:pPr>
+            <a:r>
+              <a:rPr lang="en-US" altLang="zh-TW" sz="2400" dirty="0">
+                <a:solidFill>
+                  <a:schemeClr val="bg1"/>
+                </a:solidFill>
+              </a:rPr>
+              <a:t>&lt;script type="text/</a:t>
+            </a:r>
+            <a:r>
+              <a:rPr lang="en-US" altLang="zh-TW" sz="2400" dirty="0" err="1">
+                <a:solidFill>
+                  <a:schemeClr val="bg1"/>
+                </a:solidFill>
+              </a:rPr>
+              <a:t>javascript</a:t>
+            </a:r>
+            <a:r>
+              <a:rPr lang="en-US" altLang="zh-TW" sz="2400" dirty="0">
+                <a:solidFill>
+                  <a:schemeClr val="bg1"/>
+                </a:solidFill>
+              </a:rPr>
+              <a:t>"&gt; </a:t>
+            </a:r>
+          </a:p>
+          <a:p>
+            <a:r>
+              <a:rPr lang="en-US" altLang="zh-TW" sz="2400" dirty="0" err="1">
+                <a:solidFill>
+                  <a:schemeClr val="bg1"/>
+                </a:solidFill>
+              </a:rPr>
+              <a:t>var</a:t>
+            </a:r>
+            <a:r>
+              <a:rPr lang="zh-TW" altLang="en-US" sz="2400" dirty="0">
+                <a:solidFill>
+                  <a:schemeClr val="bg1"/>
+                </a:solidFill>
+              </a:rPr>
+              <a:t> </a:t>
+            </a:r>
+            <a:r>
+              <a:rPr lang="en-US" altLang="zh-TW" sz="2400" dirty="0">
+                <a:solidFill>
+                  <a:schemeClr val="bg1"/>
+                </a:solidFill>
+              </a:rPr>
+              <a:t>c=</a:t>
+            </a:r>
+            <a:r>
+              <a:rPr lang="en-US" altLang="zh-TW" sz="2400" dirty="0" err="1">
+                <a:solidFill>
+                  <a:schemeClr val="bg1"/>
+                </a:solidFill>
+              </a:rPr>
+              <a:t>document.getElementById</a:t>
+            </a:r>
+            <a:r>
+              <a:rPr lang="en-US" altLang="zh-TW" sz="2400" dirty="0">
+                <a:solidFill>
+                  <a:schemeClr val="bg1"/>
+                </a:solidFill>
+              </a:rPr>
+              <a:t>("</a:t>
+            </a:r>
+            <a:r>
+              <a:rPr lang="en-US" altLang="zh-TW" sz="2400" dirty="0" err="1">
+                <a:solidFill>
+                  <a:schemeClr val="bg1"/>
+                </a:solidFill>
+              </a:rPr>
+              <a:t>myCanvas</a:t>
+            </a:r>
+            <a:r>
+              <a:rPr lang="en-US" altLang="zh-TW" sz="2400" dirty="0">
+                <a:solidFill>
+                  <a:schemeClr val="bg1"/>
+                </a:solidFill>
+              </a:rPr>
+              <a:t>"); </a:t>
+            </a:r>
+          </a:p>
+          <a:p>
+            <a:r>
+              <a:rPr lang="en-US" altLang="zh-TW" sz="2400" dirty="0" err="1">
+                <a:solidFill>
+                  <a:schemeClr val="bg1"/>
+                </a:solidFill>
+              </a:rPr>
+              <a:t>var</a:t>
+            </a:r>
+            <a:r>
+              <a:rPr lang="en-US" altLang="zh-TW" sz="2400" dirty="0">
+                <a:solidFill>
+                  <a:schemeClr val="bg1"/>
+                </a:solidFill>
+              </a:rPr>
+              <a:t> </a:t>
+            </a:r>
+            <a:r>
+              <a:rPr lang="en-US" altLang="zh-TW" sz="2400" dirty="0" err="1">
+                <a:solidFill>
+                  <a:schemeClr val="bg1"/>
+                </a:solidFill>
+              </a:rPr>
+              <a:t>cxt</a:t>
+            </a:r>
+            <a:r>
+              <a:rPr lang="en-US" altLang="zh-TW" sz="2400" dirty="0">
+                <a:solidFill>
+                  <a:schemeClr val="bg1"/>
+                </a:solidFill>
+              </a:rPr>
+              <a:t>=</a:t>
+            </a:r>
+            <a:r>
+              <a:rPr lang="en-US" altLang="zh-TW" sz="2400" dirty="0" err="1">
+                <a:solidFill>
+                  <a:schemeClr val="bg1"/>
+                </a:solidFill>
+              </a:rPr>
+              <a:t>c.getContext</a:t>
+            </a:r>
+            <a:r>
+              <a:rPr lang="en-US" altLang="zh-TW" sz="2400" dirty="0">
+                <a:solidFill>
+                  <a:schemeClr val="bg1"/>
+                </a:solidFill>
+              </a:rPr>
+              <a:t>("2d"); </a:t>
+            </a:r>
+          </a:p>
+          <a:p>
+            <a:r>
+              <a:rPr lang="en-US" altLang="zh-TW" sz="2400" dirty="0" err="1" smtClean="0">
+                <a:solidFill>
+                  <a:schemeClr val="bg1"/>
+                </a:solidFill>
+              </a:rPr>
+              <a:t>ctx.moveTo</a:t>
+            </a:r>
             <a:r>
               <a:rPr lang="en-US" altLang="zh-TW" sz="2400" dirty="0" smtClean="0">
                 <a:solidFill>
                   <a:schemeClr val="bg1"/>
                 </a:solidFill>
               </a:rPr>
-              <a:t>stroke:</a:t>
-            </a:r>
-            <a:r>
-              <a:rPr lang="zh-TW" altLang="en-US" sz="2400" dirty="0" smtClean="0">
-                <a:solidFill>
-                  <a:schemeClr val="bg1"/>
-                </a:solidFill>
-              </a:rPr>
-              <a:t> 將 </a:t>
-            </a:r>
-            <a:r>
-              <a:rPr lang="en-US" altLang="zh-TW" sz="2400" dirty="0" err="1" smtClean="0">
-                <a:solidFill>
-                  <a:schemeClr val="bg1"/>
+              <a:t>(</a:t>
+            </a:r>
+            <a:r>
+              <a:rPr lang="en-US" altLang="zh-TW" sz="2400" dirty="0" smtClean="0">
+                <a:solidFill>
+                  <a:srgbClr val="FF0000"/>
+                </a:solidFill>
+              </a:rPr>
+              <a:t>10,10</a:t>
+            </a:r>
+            <a:r>
+              <a:rPr lang="en-US" altLang="zh-TW" sz="2400" dirty="0">
+                <a:solidFill>
+                  <a:schemeClr val="bg1"/>
+                </a:solidFill>
+              </a:rPr>
+              <a:t>); </a:t>
+            </a:r>
+            <a:r>
+              <a:rPr lang="en-US" altLang="zh-TW" sz="2000" dirty="0">
+                <a:solidFill>
+                  <a:schemeClr val="accent6">
+                    <a:lumMod val="60000"/>
+                    <a:lumOff val="40000"/>
+                  </a:schemeClr>
+                </a:solidFill>
+              </a:rPr>
+              <a:t>// </a:t>
+            </a:r>
+            <a:r>
+              <a:rPr lang="en-US" altLang="zh-TW" sz="2000" dirty="0" err="1">
+                <a:solidFill>
+                  <a:schemeClr val="accent6">
+                    <a:lumMod val="60000"/>
+                    <a:lumOff val="40000"/>
+                  </a:schemeClr>
                 </a:solidFill>
               </a:rPr>
               <a:t>moveTo</a:t>
             </a:r>
             <a:r>
-              <a:rPr lang="en-US" altLang="zh-TW" sz="2400" dirty="0">
-                <a:solidFill>
-                  <a:schemeClr val="bg1"/>
-                </a:solidFill>
-              </a:rPr>
-              <a:t>, </a:t>
-            </a:r>
-            <a:r>
-              <a:rPr lang="en-US" altLang="zh-TW" sz="2400" dirty="0" err="1">
-                <a:solidFill>
-                  <a:schemeClr val="bg1"/>
-                </a:solidFill>
-              </a:rPr>
-              <a:t>lineTo</a:t>
-            </a:r>
-            <a:r>
-              <a:rPr lang="en-US" altLang="zh-TW" sz="2400" dirty="0">
-                <a:solidFill>
-                  <a:schemeClr val="bg1"/>
+              <a:rPr lang="en-US" altLang="zh-TW" sz="2000" dirty="0">
+                <a:solidFill>
+                  <a:schemeClr val="accent6">
+                    <a:lumMod val="60000"/>
+                    <a:lumOff val="40000"/>
+                  </a:schemeClr>
                 </a:solidFill>
               </a:rPr>
               <a:t> </a:t>
             </a:r>
             <a:r>
-              <a:rPr lang="zh-TW" altLang="en-US" sz="2400" dirty="0" smtClean="0">
-                <a:solidFill>
-                  <a:schemeClr val="bg1"/>
-                </a:solidFill>
-              </a:rPr>
-              <a:t>軌跡</a:t>
-            </a:r>
-            <a:r>
-              <a:rPr lang="zh-TW" altLang="en-US" sz="2400" dirty="0">
-                <a:solidFill>
-                  <a:schemeClr val="bg1"/>
-                </a:solidFill>
-              </a:rPr>
-              <a:t>定義</a:t>
-            </a:r>
-            <a:r>
-              <a:rPr lang="zh-TW" altLang="en-US" sz="2400" dirty="0" smtClean="0">
-                <a:solidFill>
-                  <a:schemeClr val="bg1"/>
-                </a:solidFill>
-              </a:rPr>
-              <a:t>之線條</a:t>
-            </a:r>
-            <a:r>
-              <a:rPr lang="zh-TW" altLang="en-US" sz="2400" dirty="0">
-                <a:solidFill>
-                  <a:schemeClr val="bg1"/>
-                </a:solidFill>
-              </a:rPr>
-              <a:t>呈現</a:t>
-            </a:r>
-          </a:p>
-          <a:p>
-            <a:pPr marL="342900" indent="-342900">
-              <a:buFont typeface="Arial" panose="020B0604020202020204" pitchFamily="34" charset="0"/>
-              <a:buChar char="•"/>
-            </a:pPr>
-            <a:r>
-              <a:rPr lang="en-US" altLang="zh-TW" sz="2400" dirty="0" err="1" smtClean="0">
-                <a:solidFill>
-                  <a:schemeClr val="bg1"/>
-                </a:solidFill>
-              </a:rPr>
-              <a:t>strokeStyle</a:t>
-            </a:r>
-            <a:r>
-              <a:rPr lang="en-US" altLang="zh-TW" sz="2400" dirty="0" smtClean="0">
-                <a:solidFill>
-                  <a:schemeClr val="bg1"/>
-                </a:solidFill>
-              </a:rPr>
-              <a:t>:</a:t>
-            </a:r>
-            <a:r>
-              <a:rPr lang="zh-TW" altLang="en-US" sz="2400" dirty="0" smtClean="0">
-                <a:solidFill>
-                  <a:schemeClr val="bg1"/>
-                </a:solidFill>
-              </a:rPr>
-              <a:t> 設定線條格式</a:t>
-            </a:r>
-            <a:endParaRPr lang="en-US" altLang="zh-TW" sz="2400" dirty="0" smtClean="0">
+              <a:rPr lang="zh-TW" altLang="en-US" sz="2000" dirty="0" smtClean="0">
+                <a:solidFill>
+                  <a:schemeClr val="accent6">
+                    <a:lumMod val="60000"/>
+                    <a:lumOff val="40000"/>
+                  </a:schemeClr>
+                </a:solidFill>
+              </a:rPr>
+              <a:t>方法設定線條起始點 </a:t>
+            </a:r>
+            <a:r>
+              <a:rPr lang="en-US" altLang="zh-TW" sz="2000" dirty="0" err="1" smtClean="0">
+                <a:solidFill>
+                  <a:srgbClr val="FF0000"/>
+                </a:solidFill>
+              </a:rPr>
+              <a:t>x,y</a:t>
+            </a:r>
+            <a:r>
+              <a:rPr lang="en-US" altLang="zh-TW" sz="2000" dirty="0" smtClean="0">
+                <a:solidFill>
+                  <a:schemeClr val="accent6">
+                    <a:lumMod val="60000"/>
+                    <a:lumOff val="40000"/>
+                  </a:schemeClr>
+                </a:solidFill>
+              </a:rPr>
+              <a:t> </a:t>
+            </a:r>
+            <a:r>
+              <a:rPr lang="zh-TW" altLang="en-US" sz="2000" dirty="0" smtClean="0">
+                <a:solidFill>
+                  <a:schemeClr val="accent6">
+                    <a:lumMod val="60000"/>
+                    <a:lumOff val="40000"/>
+                  </a:schemeClr>
+                </a:solidFill>
+              </a:rPr>
+              <a:t>座標</a:t>
+            </a:r>
+            <a:endParaRPr lang="en-US" altLang="zh-TW" sz="2000" dirty="0">
               <a:solidFill>
-                <a:schemeClr val="bg1"/>
+                <a:schemeClr val="accent6">
+                  <a:lumMod val="60000"/>
+                  <a:lumOff val="40000"/>
+                </a:schemeClr>
               </a:solidFill>
             </a:endParaRPr>
           </a:p>
           <a:p>
-            <a:pPr marL="342900" indent="-342900">
-              <a:buFont typeface="Arial" panose="020B0604020202020204" pitchFamily="34" charset="0"/>
-              <a:buChar char="•"/>
-            </a:pPr>
+            <a:r>
+              <a:rPr lang="en-US" altLang="zh-TW" sz="2400" dirty="0" err="1" smtClean="0">
+                <a:solidFill>
+                  <a:schemeClr val="bg1"/>
+                </a:solidFill>
+              </a:rPr>
+              <a:t>ctx.lineTo</a:t>
+            </a:r>
+            <a:r>
+              <a:rPr lang="en-US" altLang="zh-TW" sz="2400" dirty="0" smtClean="0">
+                <a:solidFill>
+                  <a:schemeClr val="bg1"/>
+                </a:solidFill>
+              </a:rPr>
+              <a:t>(</a:t>
+            </a:r>
+            <a:r>
+              <a:rPr lang="en-US" altLang="zh-TW" sz="2400" dirty="0" smtClean="0">
+                <a:solidFill>
+                  <a:srgbClr val="FFC000"/>
+                </a:solidFill>
+              </a:rPr>
+              <a:t>150,50</a:t>
+            </a:r>
             <a:r>
               <a:rPr lang="en-US" altLang="zh-TW" sz="2400" dirty="0">
                 <a:solidFill>
                   <a:schemeClr val="bg1"/>
                 </a:solidFill>
               </a:rPr>
-              <a:t>https://</a:t>
-            </a:r>
-            <a:r>
-              <a:rPr lang="en-US" altLang="zh-TW" sz="2400" dirty="0" err="1">
-                <a:solidFill>
-                  <a:schemeClr val="bg1"/>
-                </a:solidFill>
-              </a:rPr>
-              <a:t>www.w3schools.com</a:t>
-            </a:r>
-            <a:r>
-              <a:rPr lang="en-US" altLang="zh-TW" sz="2400" dirty="0">
-                <a:solidFill>
-                  <a:schemeClr val="bg1"/>
-                </a:solidFill>
-              </a:rPr>
-              <a:t>/tags/</a:t>
-            </a:r>
-            <a:r>
-              <a:rPr lang="en-US" altLang="zh-TW" sz="2400" dirty="0" err="1">
-                <a:solidFill>
-                  <a:schemeClr val="bg1"/>
-                </a:solidFill>
-              </a:rPr>
-              <a:t>canvas_strokestyle.asp</a:t>
-            </a:r>
-            <a:endParaRPr lang="en-US" altLang="zh-TW" sz="2400" dirty="0">
+              <a:t>); </a:t>
+            </a:r>
+            <a:r>
+              <a:rPr lang="en-US" altLang="zh-TW" sz="2000" dirty="0">
+                <a:solidFill>
+                  <a:schemeClr val="accent6">
+                    <a:lumMod val="60000"/>
+                    <a:lumOff val="40000"/>
+                  </a:schemeClr>
+                </a:solidFill>
+              </a:rPr>
+              <a:t>//</a:t>
+            </a:r>
+            <a:r>
+              <a:rPr lang="zh-TW" altLang="en-US" sz="2000" dirty="0">
+                <a:solidFill>
+                  <a:schemeClr val="accent6">
+                    <a:lumMod val="60000"/>
+                    <a:lumOff val="40000"/>
+                  </a:schemeClr>
+                </a:solidFill>
+              </a:rPr>
+              <a:t> </a:t>
+            </a:r>
+            <a:r>
+              <a:rPr lang="en-US" altLang="zh-TW" sz="2000" dirty="0" err="1" smtClean="0">
+                <a:solidFill>
+                  <a:schemeClr val="accent6">
+                    <a:lumMod val="60000"/>
+                    <a:lumOff val="40000"/>
+                  </a:schemeClr>
+                </a:solidFill>
+              </a:rPr>
+              <a:t>lineTo</a:t>
+            </a:r>
+            <a:r>
+              <a:rPr lang="zh-TW" altLang="en-US" sz="2000" dirty="0" smtClean="0">
+                <a:solidFill>
+                  <a:schemeClr val="accent6">
+                    <a:lumMod val="60000"/>
+                    <a:lumOff val="40000"/>
+                  </a:schemeClr>
+                </a:solidFill>
+              </a:rPr>
+              <a:t> 畫一直線連結</a:t>
+            </a:r>
+            <a:r>
+              <a:rPr lang="zh-TW" altLang="en-US" sz="2000" dirty="0" smtClean="0">
+                <a:solidFill>
+                  <a:srgbClr val="FF0000"/>
+                </a:solidFill>
+              </a:rPr>
+              <a:t>當前</a:t>
+            </a:r>
+            <a:r>
+              <a:rPr lang="zh-TW" altLang="en-US" sz="2000" dirty="0">
+                <a:solidFill>
+                  <a:srgbClr val="FF0000"/>
+                </a:solidFill>
+              </a:rPr>
+              <a:t>座標</a:t>
+            </a:r>
+            <a:r>
+              <a:rPr lang="zh-TW" altLang="en-US" sz="2000" dirty="0" smtClean="0">
+                <a:solidFill>
+                  <a:schemeClr val="accent6">
+                    <a:lumMod val="60000"/>
+                    <a:lumOff val="40000"/>
+                  </a:schemeClr>
+                </a:solidFill>
+              </a:rPr>
+              <a:t>與</a:t>
+            </a:r>
+            <a:r>
+              <a:rPr lang="zh-TW" altLang="en-US" sz="2000" dirty="0" smtClean="0">
+                <a:solidFill>
+                  <a:srgbClr val="FFC000"/>
+                </a:solidFill>
+              </a:rPr>
+              <a:t>指定</a:t>
+            </a:r>
+            <a:r>
+              <a:rPr lang="zh-TW" altLang="en-US" sz="2000" dirty="0">
+                <a:solidFill>
+                  <a:srgbClr val="FFC000"/>
+                </a:solidFill>
+              </a:rPr>
+              <a:t>的</a:t>
+            </a:r>
+            <a:r>
+              <a:rPr lang="zh-TW" altLang="en-US" sz="2000" dirty="0" smtClean="0">
+                <a:solidFill>
+                  <a:srgbClr val="FFC000"/>
+                </a:solidFill>
+              </a:rPr>
+              <a:t>座標</a:t>
+            </a:r>
+            <a:endParaRPr lang="en-US" altLang="zh-TW" sz="2000" dirty="0">
               <a:solidFill>
-                <a:schemeClr val="bg1"/>
+                <a:schemeClr val="accent6">
+                  <a:lumMod val="60000"/>
+                  <a:lumOff val="40000"/>
+                </a:schemeClr>
               </a:solidFill>
             </a:endParaRPr>
           </a:p>
           <a:p>
-            <a:pPr marL="342900" indent="-342900">
-              <a:buFont typeface="Arial" panose="020B0604020202020204" pitchFamily="34" charset="0"/>
-              <a:buChar char="•"/>
-            </a:pPr>
-            <a:endParaRPr lang="en-US" altLang="zh-TW" sz="2400" dirty="0" smtClean="0">
+            <a:r>
+              <a:rPr lang="en-US" altLang="zh-TW" sz="2400" dirty="0" err="1" smtClean="0">
+                <a:solidFill>
+                  <a:schemeClr val="bg1"/>
+                </a:solidFill>
+              </a:rPr>
+              <a:t>ctx.lineTo</a:t>
+            </a:r>
+            <a:r>
+              <a:rPr lang="en-US" altLang="zh-TW" sz="2400" dirty="0" smtClean="0">
+                <a:solidFill>
+                  <a:schemeClr val="bg1"/>
+                </a:solidFill>
+              </a:rPr>
+              <a:t>(10,50</a:t>
+            </a:r>
+            <a:r>
+              <a:rPr lang="en-US" altLang="zh-TW" sz="2400" dirty="0">
+                <a:solidFill>
+                  <a:schemeClr val="bg1"/>
+                </a:solidFill>
+              </a:rPr>
+              <a:t>); </a:t>
+            </a:r>
+            <a:r>
+              <a:rPr lang="en-US" altLang="zh-TW" sz="2000" dirty="0">
+                <a:solidFill>
+                  <a:srgbClr val="92D050"/>
+                </a:solidFill>
+              </a:rPr>
+              <a:t>//</a:t>
+            </a:r>
+            <a:r>
+              <a:rPr lang="zh-TW" altLang="en-US" sz="2000" dirty="0">
+                <a:solidFill>
+                  <a:srgbClr val="92D050"/>
+                </a:solidFill>
+              </a:rPr>
+              <a:t> </a:t>
+            </a:r>
+            <a:r>
+              <a:rPr lang="zh-TW" altLang="en-US" sz="2000" dirty="0" smtClean="0">
+                <a:solidFill>
+                  <a:srgbClr val="92D050"/>
+                </a:solidFill>
+              </a:rPr>
+              <a:t>指定</a:t>
+            </a:r>
+            <a:r>
+              <a:rPr lang="zh-TW" altLang="en-US" sz="2000" dirty="0">
+                <a:solidFill>
+                  <a:srgbClr val="92D050"/>
+                </a:solidFill>
+              </a:rPr>
+              <a:t>終點座標，再次畫線</a:t>
+            </a:r>
+            <a:endParaRPr lang="en-US" altLang="zh-TW" sz="2000" dirty="0">
               <a:solidFill>
-                <a:schemeClr val="bg1"/>
+                <a:srgbClr val="92D050"/>
               </a:solidFill>
             </a:endParaRPr>
           </a:p>
           <a:p>
-            <a:pPr marL="342900" indent="-342900">
-              <a:buFont typeface="Arial" panose="020B0604020202020204" pitchFamily="34" charset="0"/>
-              <a:buChar char="•"/>
-            </a:pPr>
-            <a:endParaRPr lang="en-US" altLang="zh-TW" sz="2400" dirty="0">
+            <a:r>
+              <a:rPr lang="en-US" altLang="zh-TW" sz="2400" dirty="0" err="1" smtClean="0">
+                <a:solidFill>
+                  <a:schemeClr val="bg1"/>
+                </a:solidFill>
+              </a:rPr>
+              <a:t>ctx.stroke</a:t>
+            </a:r>
+            <a:r>
+              <a:rPr lang="en-US" altLang="zh-TW" sz="2400" dirty="0">
+                <a:solidFill>
+                  <a:schemeClr val="bg1"/>
+                </a:solidFill>
+              </a:rPr>
+              <a:t>(); </a:t>
+            </a:r>
+            <a:r>
+              <a:rPr lang="en-US" altLang="zh-TW" sz="2000" dirty="0" smtClean="0">
+                <a:solidFill>
+                  <a:schemeClr val="accent6">
+                    <a:lumMod val="60000"/>
+                    <a:lumOff val="40000"/>
+                  </a:schemeClr>
+                </a:solidFill>
+              </a:rPr>
+              <a:t>//</a:t>
+            </a:r>
+            <a:r>
+              <a:rPr lang="zh-TW" altLang="en-US" sz="2000" dirty="0" smtClean="0">
+                <a:solidFill>
+                  <a:schemeClr val="accent6">
+                    <a:lumMod val="60000"/>
+                    <a:lumOff val="40000"/>
+                  </a:schemeClr>
+                </a:solidFill>
+              </a:rPr>
+              <a:t>顯示線條。</a:t>
+            </a:r>
+            <a:r>
+              <a:rPr lang="zh-TW" altLang="en-US" sz="2000" dirty="0" smtClean="0">
+                <a:solidFill>
+                  <a:srgbClr val="FF0000"/>
+                </a:solidFill>
+              </a:rPr>
+              <a:t>一定要有此指令，不然看不到線</a:t>
+            </a:r>
+            <a:endParaRPr lang="en-US" altLang="zh-TW" sz="2000" dirty="0">
               <a:solidFill>
-                <a:schemeClr val="bg1"/>
+                <a:srgbClr val="FF0000"/>
               </a:solidFill>
             </a:endParaRPr>
           </a:p>
           <a:p>
-            <a:pPr marL="342900" indent="-342900">
-              <a:buFont typeface="Arial" panose="020B0604020202020204" pitchFamily="34" charset="0"/>
-              <a:buChar char="•"/>
-            </a:pPr>
-            <a:r>
-              <a:rPr lang="en-US" altLang="zh-TW" sz="2400" dirty="0" err="1" smtClean="0">
-                <a:solidFill>
-                  <a:schemeClr val="bg1"/>
-                </a:solidFill>
-              </a:rPr>
-              <a:t>fillStyle</a:t>
+            <a:r>
+              <a:rPr lang="en-US" altLang="zh-TW" sz="2400" dirty="0">
+                <a:solidFill>
+                  <a:schemeClr val="bg1"/>
+                </a:solidFill>
+              </a:rPr>
+              <a:t>&lt;/script</a:t>
             </a:r>
             <a:r>
               <a:rPr lang="en-US" altLang="zh-TW" sz="2400" dirty="0" smtClean="0">
@@ -10837,87 +10719,15 @@
                   <a:schemeClr val="bg1"/>
                 </a:solidFill>
               </a:rPr>
-              <a:t>:</a:t>
-            </a:r>
-            <a:r>
-              <a:rPr lang="zh-TW" altLang="en-US" sz="2400" dirty="0" smtClean="0">
-                <a:solidFill>
-                  <a:schemeClr val="bg1"/>
-                </a:solidFill>
-              </a:rPr>
-              <a:t> 設定圖形區域填補</a:t>
-            </a:r>
-            <a:r>
-              <a:rPr lang="zh-TW" altLang="en-US" sz="2400" dirty="0">
-                <a:solidFill>
-                  <a:schemeClr val="bg1"/>
-                </a:solidFill>
-              </a:rPr>
-              <a:t>顏色</a:t>
-            </a:r>
-            <a:r>
-              <a:rPr lang="zh-TW" altLang="en-US" sz="2400" dirty="0" smtClean="0">
-                <a:solidFill>
-                  <a:schemeClr val="bg1"/>
-                </a:solidFill>
-              </a:rPr>
-              <a:t>及格式</a:t>
-            </a:r>
-            <a:endParaRPr lang="zh-TW" altLang="en-US" sz="2400" dirty="0">
-              <a:solidFill>
-                <a:schemeClr val="bg1"/>
-              </a:solidFill>
-            </a:endParaRPr>
-          </a:p>
-          <a:p>
-            <a:pPr marL="342900" indent="-342900">
-              <a:buFont typeface="Arial" panose="020B0604020202020204" pitchFamily="34" charset="0"/>
-              <a:buChar char="•"/>
-            </a:pPr>
-            <a:r>
-              <a:rPr lang="en-US" altLang="zh-TW" sz="2400" dirty="0">
-                <a:solidFill>
-                  <a:schemeClr val="bg1"/>
-                </a:solidFill>
-              </a:rPr>
-              <a:t>https://</a:t>
-            </a:r>
-            <a:r>
-              <a:rPr lang="en-US" altLang="zh-TW" sz="2400" dirty="0" err="1" smtClean="0">
-                <a:solidFill>
-                  <a:schemeClr val="bg1"/>
-                </a:solidFill>
-              </a:rPr>
-              <a:t>www.w3schools.com</a:t>
-            </a:r>
-            <a:r>
-              <a:rPr lang="en-US" altLang="zh-TW" sz="2400" dirty="0" smtClean="0">
-                <a:solidFill>
-                  <a:schemeClr val="bg1"/>
-                </a:solidFill>
-              </a:rPr>
-              <a:t>/tags/</a:t>
-            </a:r>
-            <a:r>
-              <a:rPr lang="en-US" altLang="zh-TW" sz="2400" dirty="0" err="1" smtClean="0">
-                <a:solidFill>
-                  <a:schemeClr val="bg1"/>
-                </a:solidFill>
-              </a:rPr>
-              <a:t>canvas_fillstyle.asp</a:t>
-            </a:r>
-            <a:endParaRPr lang="en-US" altLang="zh-TW" sz="2400" dirty="0" smtClean="0">
-              <a:solidFill>
-                <a:schemeClr val="bg1"/>
-              </a:solidFill>
-            </a:endParaRPr>
+              <a:t>&gt;</a:t>
+            </a:r>
           </a:p>
         </p:txBody>
       </p:sp>
     </p:spTree>
     <p:extLst>
       <p:ext uri="{BB962C8B-B14F-4D97-AF65-F5344CB8AC3E}">
-        <p14:creationId xmlns:p14="http://schemas.microsoft.com/office/powerpoint/2010/main" val="2440855540"/>
+        <p14:creationId xmlns:p14="http://schemas.microsoft.com/office/powerpoint/2010/main" val="692517719"/>
       </p:ext>
     </p:extLst>
   </p:cSld>
@@ -10945,7 +10755,7 @@
                             </p:stCondLst>
                             <p:childTnLst>
                               <p:par>
-                                <p:cTn id="5" presetID="10" presetClass="entr" presetSubtype="0" fill="hold" grpId="0" nodeType="clickEffect">
+                                <p:cTn id="5" presetID="10" presetClass="entr" presetSubtype="0" fill="hold" nodeType="clickEffect">
                                   <p:stCondLst>
                                     <p:cond delay="0"/>
                                   </p:stCondLst>
@@ -10958,7 +10768,7 @@
                                           </p:stCondLst>
                                         </p:cTn>
                                         <p:tgtEl>
-                                          <p:spTgt spid="2"/>
+                                          <p:spTgt spid="24"/>
                                         </p:tgtEl>
                                         <p:attrNameLst>
                                           <p:attrName>style.visibility</p:attrName>
@@ -10971,6 +10781,59 @@
                                     <p:animEffect transition="in" filter="fade">
                                       <p:cBhvr>
                                         <p:cTn id="7" dur="500"/>
+                                        <p:tgtEl>
+                                          <p:spTgt spid="24"/>
+                                        </p:tgtEl>
+                                      </p:cBhvr>
+                                    </p:animEffect>
+                                  </p:childTnLst>
+                                </p:cTn>
+                              </p:par>
+                            </p:childTnLst>
+                          </p:cTn>
+                        </p:par>
+                      </p:childTnLst>
+                    </p:cTn>
+                  </p:par>
+                  <p:par>
+                    <p:cTn id="8" fill="hold">
+                      <p:stCondLst>
+                        <p:cond delay="indefinite"/>
+                      </p:stCondLst>
+                      <p:childTnLst>
+                        <p:par>
+                          <p:cTn id="9" fill="hold">
+                            <p:stCondLst>
+                              <p:cond delay="0"/>
+                            </p:stCondLst>
+                            <p:childTnLst>
+                              <p:par>
+                                <p:cTn id="10" presetID="10" presetClass="entr" presetSubtype="0" fill="hold" grpId="0" nodeType="clickEffect">
+                                  <p:stCondLst>
+                                    <p:cond delay="0"/>
+                                  </p:stCondLst>
+                                  <p:childTnLst>
+                                    <p:set>
+                                      <p:cBhvr>
+                                        <p:cTn id="11" dur="1" fill="hold">
+                                          <p:stCondLst>
+                                            <p:cond delay="0"/>
+                                          </p:stCondLst>
+                                        </p:cTn>
+                                        <p:tgtEl>
+                                          <p:spTgt spid="2"/>
+                                        </p:tgtEl>
+                                        <p:attrNameLst>
+                                          <p:attrName>style.visibility</p:attrName>
+                                        </p:attrNameLst>
+                                      </p:cBhvr>
+                                      <p:to>
+                                        <p:strVal val="visible"/>
+                                      </p:to>
+                                    </p:set>
+                                    <p:animEffect transition="in" filter="fade">
+                                      <p:cBhvr>
+                                        <p:cTn id="12" dur="500"/>
                                         <p:tgtEl>
                                           <p:spTgt spid="2"/>
                                         </p:tgtEl>
@@ -11384,6 +11247,3926 @@
         </p:nvSpPr>
         <p:spPr>
           <a:xfrm>
+            <a:off x="4333461" y="567031"/>
+            <a:ext cx="5044737" cy="584775"/>
+          </a:xfrm>
+          <a:prstGeom prst="rect">
+            <a:avLst/>
+          </a:prstGeom>
+          <a:noFill/>
+        </p:spPr>
+        <p:txBody>
+          <a:bodyPr wrap="square" rtlCol="0">
+            <a:spAutoFit/>
+          </a:bodyPr>
+          <a:lstStyle/>
+          <a:p>
+            <a:r>
+              <a:rPr lang="zh-TW" altLang="en-US" sz="3200" b="1" dirty="0" smtClean="0">
+                <a:solidFill>
+                  <a:schemeClr val="bg1"/>
+                </a:solidFill>
+              </a:rPr>
+              <a:t>畫出一條紅色水平線</a:t>
+            </a:r>
+            <a:endParaRPr lang="zh-CN" altLang="en-US" sz="3200" dirty="0">
+              <a:solidFill>
+                <a:schemeClr val="bg1"/>
+              </a:solidFill>
+            </a:endParaRPr>
+          </a:p>
+        </p:txBody>
+      </p:sp>
+      <p:sp>
+        <p:nvSpPr>
+          <p:cNvPr id="2" name="文字方塊 1"/>
+          <p:cNvSpPr txBox="1"/>
+          <p:nvPr/>
+        </p:nvSpPr>
+        <p:spPr>
+          <a:xfrm>
+            <a:off x="380302" y="2067524"/>
+            <a:ext cx="9122221" cy="4524315"/>
+          </a:xfrm>
+          <a:prstGeom prst="rect">
+            <a:avLst/>
+          </a:prstGeom>
+          <a:noFill/>
+        </p:spPr>
+        <p:txBody>
+          <a:bodyPr wrap="square" rtlCol="0">
+            <a:spAutoFit/>
+          </a:bodyPr>
+          <a:lstStyle/>
+          <a:p>
+            <a:r>
+              <a:rPr lang="en-US" altLang="zh-TW" sz="2400" dirty="0">
+                <a:solidFill>
+                  <a:schemeClr val="bg1"/>
+                </a:solidFill>
+              </a:rPr>
+              <a:t>&lt;script type="text/</a:t>
+            </a:r>
+            <a:r>
+              <a:rPr lang="en-US" altLang="zh-TW" sz="2400" dirty="0" err="1">
+                <a:solidFill>
+                  <a:schemeClr val="bg1"/>
+                </a:solidFill>
+              </a:rPr>
+              <a:t>javascript</a:t>
+            </a:r>
+            <a:r>
+              <a:rPr lang="en-US" altLang="zh-TW" sz="2400" dirty="0">
+                <a:solidFill>
+                  <a:schemeClr val="bg1"/>
+                </a:solidFill>
+              </a:rPr>
+              <a:t>"&gt; </a:t>
+            </a:r>
+          </a:p>
+          <a:p>
+            <a:r>
+              <a:rPr lang="en-US" altLang="zh-TW" sz="2400" dirty="0" err="1">
+                <a:solidFill>
+                  <a:schemeClr val="bg1"/>
+                </a:solidFill>
+              </a:rPr>
+              <a:t>var</a:t>
+            </a:r>
+            <a:r>
+              <a:rPr lang="zh-TW" altLang="en-US" sz="2400" dirty="0">
+                <a:solidFill>
+                  <a:schemeClr val="bg1"/>
+                </a:solidFill>
+              </a:rPr>
+              <a:t> </a:t>
+            </a:r>
+            <a:r>
+              <a:rPr lang="en-US" altLang="zh-TW" sz="2400" dirty="0">
+                <a:solidFill>
+                  <a:schemeClr val="bg1"/>
+                </a:solidFill>
+              </a:rPr>
+              <a:t>c=</a:t>
+            </a:r>
+            <a:r>
+              <a:rPr lang="en-US" altLang="zh-TW" sz="2400" dirty="0" err="1">
+                <a:solidFill>
+                  <a:schemeClr val="bg1"/>
+                </a:solidFill>
+              </a:rPr>
+              <a:t>document.getElementById</a:t>
+            </a:r>
+            <a:r>
+              <a:rPr lang="en-US" altLang="zh-TW" sz="2400" dirty="0">
+                <a:solidFill>
+                  <a:schemeClr val="bg1"/>
+                </a:solidFill>
+              </a:rPr>
+              <a:t>("</a:t>
+            </a:r>
+            <a:r>
+              <a:rPr lang="en-US" altLang="zh-TW" sz="2400" dirty="0" err="1">
+                <a:solidFill>
+                  <a:schemeClr val="bg1"/>
+                </a:solidFill>
+              </a:rPr>
+              <a:t>myCanvas</a:t>
+            </a:r>
+            <a:r>
+              <a:rPr lang="en-US" altLang="zh-TW" sz="2400" dirty="0">
+                <a:solidFill>
+                  <a:schemeClr val="bg1"/>
+                </a:solidFill>
+              </a:rPr>
+              <a:t>"); </a:t>
+            </a:r>
+          </a:p>
+          <a:p>
+            <a:r>
+              <a:rPr lang="en-US" altLang="zh-TW" sz="2400" dirty="0" err="1">
+                <a:solidFill>
+                  <a:schemeClr val="bg1"/>
+                </a:solidFill>
+              </a:rPr>
+              <a:t>var</a:t>
+            </a:r>
+            <a:r>
+              <a:rPr lang="en-US" altLang="zh-TW" sz="2400" dirty="0">
+                <a:solidFill>
+                  <a:schemeClr val="bg1"/>
+                </a:solidFill>
+              </a:rPr>
+              <a:t> </a:t>
+            </a:r>
+            <a:r>
+              <a:rPr lang="en-US" altLang="zh-TW" sz="2400" dirty="0" err="1">
+                <a:solidFill>
+                  <a:schemeClr val="bg1"/>
+                </a:solidFill>
+              </a:rPr>
+              <a:t>cxt</a:t>
+            </a:r>
+            <a:r>
+              <a:rPr lang="en-US" altLang="zh-TW" sz="2400" dirty="0">
+                <a:solidFill>
+                  <a:schemeClr val="bg1"/>
+                </a:solidFill>
+              </a:rPr>
+              <a:t>=</a:t>
+            </a:r>
+            <a:r>
+              <a:rPr lang="en-US" altLang="zh-TW" sz="2400" dirty="0" err="1">
+                <a:solidFill>
+                  <a:schemeClr val="bg1"/>
+                </a:solidFill>
+              </a:rPr>
+              <a:t>c.getContext</a:t>
+            </a:r>
+            <a:r>
+              <a:rPr lang="en-US" altLang="zh-TW" sz="2400" dirty="0">
+                <a:solidFill>
+                  <a:schemeClr val="bg1"/>
+                </a:solidFill>
+              </a:rPr>
+              <a:t>("2d"); </a:t>
+            </a:r>
+          </a:p>
+          <a:p>
+            <a:endParaRPr lang="en-US" altLang="zh-TW" sz="2400" dirty="0" smtClean="0">
+              <a:solidFill>
+                <a:schemeClr val="bg1"/>
+              </a:solidFill>
+            </a:endParaRPr>
+          </a:p>
+          <a:p>
+            <a:r>
+              <a:rPr lang="en-US" altLang="zh-TW" sz="2400" dirty="0" err="1" smtClean="0">
+                <a:solidFill>
+                  <a:schemeClr val="bg1"/>
+                </a:solidFill>
+              </a:rPr>
+              <a:t>ctx.beginPath</a:t>
+            </a:r>
+            <a:r>
+              <a:rPr lang="en-US" altLang="zh-TW" sz="2400" dirty="0">
+                <a:solidFill>
+                  <a:schemeClr val="bg1"/>
+                </a:solidFill>
+              </a:rPr>
+              <a:t>();</a:t>
+            </a:r>
+          </a:p>
+          <a:p>
+            <a:r>
+              <a:rPr lang="en-US" altLang="zh-TW" sz="2400" dirty="0" err="1">
+                <a:solidFill>
+                  <a:schemeClr val="bg1"/>
+                </a:solidFill>
+              </a:rPr>
+              <a:t>ctx.lineWidth</a:t>
+            </a:r>
+            <a:r>
+              <a:rPr lang="en-US" altLang="zh-TW" sz="2400" dirty="0">
+                <a:solidFill>
+                  <a:schemeClr val="bg1"/>
+                </a:solidFill>
+              </a:rPr>
+              <a:t> = 2;</a:t>
+            </a:r>
+          </a:p>
+          <a:p>
+            <a:r>
+              <a:rPr lang="en-US" altLang="zh-TW" sz="2400" dirty="0" err="1">
+                <a:solidFill>
+                  <a:schemeClr val="bg1"/>
+                </a:solidFill>
+              </a:rPr>
+              <a:t>ctx.strokeStyle</a:t>
+            </a:r>
+            <a:r>
+              <a:rPr lang="en-US" altLang="zh-TW" sz="2400" dirty="0">
+                <a:solidFill>
+                  <a:schemeClr val="bg1"/>
+                </a:solidFill>
+              </a:rPr>
+              <a:t> ="#FF0000"; // red;</a:t>
+            </a:r>
+          </a:p>
+          <a:p>
+            <a:r>
+              <a:rPr lang="en-US" altLang="zh-TW" sz="2400" dirty="0" err="1">
+                <a:solidFill>
+                  <a:schemeClr val="bg1"/>
+                </a:solidFill>
+              </a:rPr>
+              <a:t>ctx.moveTo</a:t>
+            </a:r>
+            <a:r>
+              <a:rPr lang="en-US" altLang="zh-TW" sz="2400" dirty="0">
+                <a:solidFill>
+                  <a:schemeClr val="bg1"/>
+                </a:solidFill>
+              </a:rPr>
+              <a:t>(0, 300);</a:t>
+            </a:r>
+          </a:p>
+          <a:p>
+            <a:r>
+              <a:rPr lang="en-US" altLang="zh-TW" sz="2400" dirty="0" err="1">
+                <a:solidFill>
+                  <a:schemeClr val="bg1"/>
+                </a:solidFill>
+              </a:rPr>
+              <a:t>ctx.lineTo</a:t>
+            </a:r>
+            <a:r>
+              <a:rPr lang="en-US" altLang="zh-TW" sz="2400" dirty="0">
+                <a:solidFill>
+                  <a:schemeClr val="bg1"/>
+                </a:solidFill>
+              </a:rPr>
+              <a:t>(800, 300);</a:t>
+            </a:r>
+          </a:p>
+          <a:p>
+            <a:r>
+              <a:rPr lang="en-US" altLang="zh-TW" sz="2400" dirty="0" err="1">
+                <a:solidFill>
+                  <a:schemeClr val="bg1"/>
+                </a:solidFill>
+              </a:rPr>
+              <a:t>ctx.stroke</a:t>
+            </a:r>
+            <a:r>
+              <a:rPr lang="en-US" altLang="zh-TW" sz="2400" dirty="0">
+                <a:solidFill>
+                  <a:schemeClr val="bg1"/>
+                </a:solidFill>
+              </a:rPr>
+              <a:t>();</a:t>
+            </a:r>
+          </a:p>
+          <a:p>
+            <a:endParaRPr lang="en-US" altLang="zh-TW" sz="2400" dirty="0" smtClean="0">
+              <a:solidFill>
+                <a:schemeClr val="bg1"/>
+              </a:solidFill>
+            </a:endParaRPr>
+          </a:p>
+          <a:p>
+            <a:r>
+              <a:rPr lang="en-US" altLang="zh-TW" sz="2400" dirty="0" smtClean="0">
+                <a:solidFill>
+                  <a:schemeClr val="bg1"/>
+                </a:solidFill>
+              </a:rPr>
+              <a:t>&lt;/</a:t>
+            </a:r>
+            <a:r>
+              <a:rPr lang="en-US" altLang="zh-TW" sz="2400" dirty="0">
+                <a:solidFill>
+                  <a:schemeClr val="bg1"/>
+                </a:solidFill>
+              </a:rPr>
+              <a:t>script</a:t>
+            </a:r>
+            <a:r>
+              <a:rPr lang="en-US" altLang="zh-TW" sz="2400" dirty="0" smtClean="0">
+                <a:solidFill>
+                  <a:schemeClr val="bg1"/>
+                </a:solidFill>
+              </a:rPr>
+              <a:t>&gt;</a:t>
+            </a:r>
+          </a:p>
+        </p:txBody>
+      </p:sp>
+      <p:pic>
+        <p:nvPicPr>
+          <p:cNvPr id="3" name="圖片 2"/>
+          <p:cNvPicPr>
+            <a:picLocks noChangeAspect="1"/>
+          </p:cNvPicPr>
+          <p:nvPr/>
+        </p:nvPicPr>
+        <p:blipFill>
+          <a:blip r:embed="rId2"/>
+          <a:stretch>
+            <a:fillRect/>
+          </a:stretch>
+        </p:blipFill>
+        <p:spPr>
+          <a:xfrm>
+            <a:off x="6442466" y="1272007"/>
+            <a:ext cx="5562103" cy="4711349"/>
+          </a:xfrm>
+          <a:prstGeom prst="rect">
+            <a:avLst/>
+          </a:prstGeom>
+        </p:spPr>
+      </p:pic>
+    </p:spTree>
+    <p:extLst>
+      <p:ext uri="{BB962C8B-B14F-4D97-AF65-F5344CB8AC3E}">
+        <p14:creationId xmlns:p14="http://schemas.microsoft.com/office/powerpoint/2010/main" val="2593442007"/>
+      </p:ext>
+    </p:extLst>
+  </p:cSld>
+  <p:clrMapOvr>
+    <a:masterClrMapping/>
+  </p:clrMapOvr>
+  <p:timing>
+    <p:tnLst>
+      <p:par>
+        <p:cTn id="1" dur="indefinite" restart="never" nodeType="tmRoot">
+          <p:childTnLst>
+            <p:seq concurrent="1" nextAc="seek">
+              <p:cTn id="2" dur="indefinite" nodeType="mainSeq">
+                <p:childTnLst>
+                  <p:par>
+                    <p:cTn id="3" fill="hold">
+                      <p:stCondLst>
+                        <p:cond delay="indefinite"/>
+                      </p:stCondLst>
+                      <p:childTnLst>
+                        <p:par>
+                          <p:cTn id="4" fill="hold">
+                            <p:stCondLst>
+                              <p:cond delay="0"/>
+                            </p:stCondLst>
+                            <p:childTnLst>
+                              <p:par>
+                                <p:cTn id="5" presetID="10" presetClass="entr" presetSubtype="0" fill="hold" grpId="0" nodeType="clickEffect">
+                                  <p:stCondLst>
+                                    <p:cond delay="0"/>
+                                  </p:stCondLst>
+                                  <p:childTnLst>
+                                    <p:set>
+                                      <p:cBhvr>
+                                        <p:cTn id="6" dur="1" fill="hold">
+                                          <p:stCondLst>
+                                            <p:cond delay="0"/>
+                                          </p:stCondLst>
+                                        </p:cTn>
+                                        <p:tgtEl>
+                                          <p:spTgt spid="2"/>
+                                        </p:tgtEl>
+                                        <p:attrNameLst>
+                                          <p:attrName>style.visibility</p:attrName>
+                                        </p:attrNameLst>
+                                      </p:cBhvr>
+                                      <p:to>
+                                        <p:strVal val="visible"/>
+                                      </p:to>
+                                    </p:set>
+                                    <p:animEffect transition="in" filter="fade">
+                                      <p:cBhvr>
+                                        <p:cTn id="7" dur="500"/>
+                                        <p:tgtEl>
+                                          <p:spTgt spid="2"/>
+                                        </p:tgtEl>
+                                      </p:cBhvr>
+                                    </p:animEffect>
+                                  </p:childTnLst>
+                                </p:cTn>
+                              </p:par>
+                            </p:childTnLst>
+                          </p:cTn>
+                        </p:par>
+                      </p:childTnLst>
+                    </p:cTn>
+                  </p:par>
+                </p:childTnLst>
+              </p:cTn>
+              <p:prevCondLst>
+                <p:cond evt="onPrev" delay="0">
+                  <p:tgtEl>
+                    <p:sldTgt/>
+                  </p:tgtEl>
+                </p:cond>
+              </p:prevCondLst>
+              <p:nextCondLst>
+                <p:cond evt="onNext" delay="0">
+                  <p:tgtEl>
+                    <p:sldTgt/>
+                  </p:tgtEl>
+                </p:cond>
+              </p:nextCondLst>
+            </p:seq>
+          </p:childTnLst>
+        </p:cTn>
+      </p:par>
+    </p:tnLst>
+    <p:bldLst>
+      <p:bldP spid="2" grpId="0"/>
+    </p:bldLst>
+  </p:timing>
+</p:sld>
+</file>
+
+<file path=ppt/slides/slide19.xml><?xml version="1.0" encoding="utf-8"?>
+<p:sld xmlns:a="http://schemas.openxmlformats.org/drawingml/2006/main" xmlns:r="http://schemas.openxmlformats.org/officeDocument/2006/relationships" xmlns:p="http://schemas.openxmlformats.org/presentationml/2006/main">
+  <p:cSld>
+    <p:spTree>
+      <p:nvGrpSpPr>
+        <p:cNvPr id="1" name=""/>
+        <p:cNvGrpSpPr/>
+        <p:nvPr/>
+      </p:nvGrpSpPr>
+      <p:grpSpPr>
+        <a:xfrm>
+          <a:off x="0" y="0"/>
+          <a:ext cx="0" cy="0"/>
+          <a:chOff x="0" y="0"/>
+          <a:chExt cx="0" cy="0"/>
+        </a:xfrm>
+      </p:grpSpPr>
+      <p:sp>
+        <p:nvSpPr>
+          <p:cNvPr id="8" name="菱形 7"/>
+          <p:cNvSpPr/>
+          <p:nvPr/>
+        </p:nvSpPr>
+        <p:spPr>
+          <a:xfrm>
+            <a:off x="1200806" y="1516391"/>
+            <a:ext cx="1035269" cy="1035269"/>
+          </a:xfrm>
+          <a:prstGeom prst="diamond">
+            <a:avLst/>
+          </a:prstGeom>
+          <a:noFill/>
+          <a:ln w="19050">
+            <a:solidFill>
+              <a:schemeClr val="bg1"/>
+            </a:solidFill>
+          </a:ln>
+        </p:spPr>
+        <p:style>
+          <a:lnRef idx="2">
+            <a:schemeClr val="accent1">
+              <a:shade val="50000"/>
+            </a:schemeClr>
+          </a:lnRef>
+          <a:fillRef idx="1">
+            <a:schemeClr val="accent1"/>
+          </a:fillRef>
+          <a:effectRef idx="0">
+            <a:schemeClr val="accent1"/>
+          </a:effectRef>
+          <a:fontRef idx="minor">
+            <a:schemeClr val="lt1"/>
+          </a:fontRef>
+        </p:style>
+        <p:txBody>
+          <a:bodyPr rtlCol="0" anchor="ctr"/>
+          <a:lstStyle/>
+          <a:p>
+            <a:pPr algn="ctr"/>
+            <a:endParaRPr lang="zh-CN" altLang="en-US"/>
+          </a:p>
+        </p:txBody>
+      </p:sp>
+      <p:sp>
+        <p:nvSpPr>
+          <p:cNvPr id="9" name="菱形 8"/>
+          <p:cNvSpPr/>
+          <p:nvPr/>
+        </p:nvSpPr>
+        <p:spPr>
+          <a:xfrm>
+            <a:off x="572813" y="1516391"/>
+            <a:ext cx="861848" cy="861848"/>
+          </a:xfrm>
+          <a:prstGeom prst="diamond">
+            <a:avLst/>
+          </a:prstGeom>
+          <a:noFill/>
+          <a:ln w="19050">
+            <a:solidFill>
+              <a:schemeClr val="bg1"/>
+            </a:solidFill>
+          </a:ln>
+        </p:spPr>
+        <p:style>
+          <a:lnRef idx="2">
+            <a:schemeClr val="accent1">
+              <a:shade val="50000"/>
+            </a:schemeClr>
+          </a:lnRef>
+          <a:fillRef idx="1">
+            <a:schemeClr val="accent1"/>
+          </a:fillRef>
+          <a:effectRef idx="0">
+            <a:schemeClr val="accent1"/>
+          </a:effectRef>
+          <a:fontRef idx="minor">
+            <a:schemeClr val="lt1"/>
+          </a:fontRef>
+        </p:style>
+        <p:txBody>
+          <a:bodyPr rtlCol="0" anchor="ctr"/>
+          <a:lstStyle/>
+          <a:p>
+            <a:pPr algn="ctr"/>
+            <a:endParaRPr lang="zh-CN" altLang="en-US"/>
+          </a:p>
+        </p:txBody>
+      </p:sp>
+      <p:sp>
+        <p:nvSpPr>
+          <p:cNvPr id="10" name="菱形 9"/>
+          <p:cNvSpPr/>
+          <p:nvPr/>
+        </p:nvSpPr>
+        <p:spPr>
+          <a:xfrm>
+            <a:off x="-253699" y="551793"/>
+            <a:ext cx="507398" cy="507398"/>
+          </a:xfrm>
+          <a:prstGeom prst="diamond">
+            <a:avLst/>
+          </a:prstGeom>
+          <a:noFill/>
+          <a:ln w="19050">
+            <a:solidFill>
+              <a:schemeClr val="bg1"/>
+            </a:solidFill>
+          </a:ln>
+        </p:spPr>
+        <p:style>
+          <a:lnRef idx="2">
+            <a:schemeClr val="accent1">
+              <a:shade val="50000"/>
+            </a:schemeClr>
+          </a:lnRef>
+          <a:fillRef idx="1">
+            <a:schemeClr val="accent1"/>
+          </a:fillRef>
+          <a:effectRef idx="0">
+            <a:schemeClr val="accent1"/>
+          </a:effectRef>
+          <a:fontRef idx="minor">
+            <a:schemeClr val="lt1"/>
+          </a:fontRef>
+        </p:style>
+        <p:txBody>
+          <a:bodyPr rtlCol="0" anchor="ctr"/>
+          <a:lstStyle/>
+          <a:p>
+            <a:pPr algn="ctr"/>
+            <a:endParaRPr lang="zh-CN" altLang="en-US"/>
+          </a:p>
+        </p:txBody>
+      </p:sp>
+      <p:sp>
+        <p:nvSpPr>
+          <p:cNvPr id="11" name="菱形 10"/>
+          <p:cNvSpPr/>
+          <p:nvPr/>
+        </p:nvSpPr>
+        <p:spPr>
+          <a:xfrm>
+            <a:off x="750038" y="805492"/>
+            <a:ext cx="507398" cy="507398"/>
+          </a:xfrm>
+          <a:prstGeom prst="diamond">
+            <a:avLst/>
+          </a:prstGeom>
+          <a:noFill/>
+          <a:ln w="19050">
+            <a:solidFill>
+              <a:schemeClr val="bg1"/>
+            </a:solidFill>
+          </a:ln>
+        </p:spPr>
+        <p:style>
+          <a:lnRef idx="2">
+            <a:schemeClr val="accent1">
+              <a:shade val="50000"/>
+            </a:schemeClr>
+          </a:lnRef>
+          <a:fillRef idx="1">
+            <a:schemeClr val="accent1"/>
+          </a:fillRef>
+          <a:effectRef idx="0">
+            <a:schemeClr val="accent1"/>
+          </a:effectRef>
+          <a:fontRef idx="minor">
+            <a:schemeClr val="lt1"/>
+          </a:fontRef>
+        </p:style>
+        <p:txBody>
+          <a:bodyPr rtlCol="0" anchor="ctr"/>
+          <a:lstStyle/>
+          <a:p>
+            <a:pPr algn="ctr"/>
+            <a:endParaRPr lang="zh-CN" altLang="en-US"/>
+          </a:p>
+        </p:txBody>
+      </p:sp>
+      <p:sp>
+        <p:nvSpPr>
+          <p:cNvPr id="19" name="菱形 18"/>
+          <p:cNvSpPr/>
+          <p:nvPr/>
+        </p:nvSpPr>
+        <p:spPr>
+          <a:xfrm>
+            <a:off x="11438956" y="4385825"/>
+            <a:ext cx="682521" cy="682521"/>
+          </a:xfrm>
+          <a:prstGeom prst="diamond">
+            <a:avLst/>
+          </a:prstGeom>
+          <a:noFill/>
+          <a:ln w="19050">
+            <a:solidFill>
+              <a:schemeClr val="bg1"/>
+            </a:solidFill>
+          </a:ln>
+        </p:spPr>
+        <p:style>
+          <a:lnRef idx="2">
+            <a:schemeClr val="accent1">
+              <a:shade val="50000"/>
+            </a:schemeClr>
+          </a:lnRef>
+          <a:fillRef idx="1">
+            <a:schemeClr val="accent1"/>
+          </a:fillRef>
+          <a:effectRef idx="0">
+            <a:schemeClr val="accent1"/>
+          </a:effectRef>
+          <a:fontRef idx="minor">
+            <a:schemeClr val="lt1"/>
+          </a:fontRef>
+        </p:style>
+        <p:txBody>
+          <a:bodyPr rtlCol="0" anchor="ctr"/>
+          <a:lstStyle/>
+          <a:p>
+            <a:pPr algn="ctr"/>
+            <a:endParaRPr lang="zh-CN" altLang="en-US"/>
+          </a:p>
+        </p:txBody>
+      </p:sp>
+      <p:sp>
+        <p:nvSpPr>
+          <p:cNvPr id="20" name="菱形 19"/>
+          <p:cNvSpPr/>
+          <p:nvPr/>
+        </p:nvSpPr>
+        <p:spPr>
+          <a:xfrm>
+            <a:off x="12004569" y="5292241"/>
+            <a:ext cx="507398" cy="507398"/>
+          </a:xfrm>
+          <a:prstGeom prst="diamond">
+            <a:avLst/>
+          </a:prstGeom>
+          <a:noFill/>
+          <a:ln w="19050">
+            <a:solidFill>
+              <a:schemeClr val="bg1"/>
+            </a:solidFill>
+          </a:ln>
+        </p:spPr>
+        <p:style>
+          <a:lnRef idx="2">
+            <a:schemeClr val="accent1">
+              <a:shade val="50000"/>
+            </a:schemeClr>
+          </a:lnRef>
+          <a:fillRef idx="1">
+            <a:schemeClr val="accent1"/>
+          </a:fillRef>
+          <a:effectRef idx="0">
+            <a:schemeClr val="accent1"/>
+          </a:effectRef>
+          <a:fontRef idx="minor">
+            <a:schemeClr val="lt1"/>
+          </a:fontRef>
+        </p:style>
+        <p:txBody>
+          <a:bodyPr rtlCol="0" anchor="ctr"/>
+          <a:lstStyle/>
+          <a:p>
+            <a:pPr algn="ctr"/>
+            <a:endParaRPr lang="zh-CN" altLang="en-US"/>
+          </a:p>
+        </p:txBody>
+      </p:sp>
+      <p:cxnSp>
+        <p:nvCxnSpPr>
+          <p:cNvPr id="25" name="直接连接符 24"/>
+          <p:cNvCxnSpPr/>
+          <p:nvPr/>
+        </p:nvCxnSpPr>
+        <p:spPr>
+          <a:xfrm>
+            <a:off x="4723154" y="551793"/>
+            <a:ext cx="3089274" cy="0"/>
+          </a:xfrm>
+          <a:prstGeom prst="line">
+            <a:avLst/>
+          </a:prstGeom>
+          <a:ln>
+            <a:solidFill>
+              <a:schemeClr val="bg1"/>
+            </a:solidFill>
+          </a:ln>
+        </p:spPr>
+        <p:style>
+          <a:lnRef idx="1">
+            <a:schemeClr val="accent1"/>
+          </a:lnRef>
+          <a:fillRef idx="0">
+            <a:schemeClr val="accent1"/>
+          </a:fillRef>
+          <a:effectRef idx="0">
+            <a:schemeClr val="accent1"/>
+          </a:effectRef>
+          <a:fontRef idx="minor">
+            <a:schemeClr val="tx1"/>
+          </a:fontRef>
+        </p:style>
+      </p:cxnSp>
+      <p:cxnSp>
+        <p:nvCxnSpPr>
+          <p:cNvPr id="26" name="直接连接符 25"/>
+          <p:cNvCxnSpPr/>
+          <p:nvPr/>
+        </p:nvCxnSpPr>
+        <p:spPr>
+          <a:xfrm>
+            <a:off x="4723154" y="1191873"/>
+            <a:ext cx="3089274" cy="0"/>
+          </a:xfrm>
+          <a:prstGeom prst="line">
+            <a:avLst/>
+          </a:prstGeom>
+          <a:ln>
+            <a:solidFill>
+              <a:schemeClr val="bg1"/>
+            </a:solidFill>
+          </a:ln>
+        </p:spPr>
+        <p:style>
+          <a:lnRef idx="1">
+            <a:schemeClr val="accent1"/>
+          </a:lnRef>
+          <a:fillRef idx="0">
+            <a:schemeClr val="accent1"/>
+          </a:fillRef>
+          <a:effectRef idx="0">
+            <a:schemeClr val="accent1"/>
+          </a:effectRef>
+          <a:fontRef idx="minor">
+            <a:schemeClr val="tx1"/>
+          </a:fontRef>
+        </p:style>
+      </p:cxnSp>
+      <p:sp>
+        <p:nvSpPr>
+          <p:cNvPr id="27" name="文本框 26"/>
+          <p:cNvSpPr txBox="1"/>
+          <p:nvPr/>
+        </p:nvSpPr>
+        <p:spPr>
+          <a:xfrm>
+            <a:off x="4010685" y="624649"/>
+            <a:ext cx="5260064" cy="584775"/>
+          </a:xfrm>
+          <a:prstGeom prst="rect">
+            <a:avLst/>
+          </a:prstGeom>
+          <a:noFill/>
+        </p:spPr>
+        <p:txBody>
+          <a:bodyPr wrap="square" rtlCol="0">
+            <a:spAutoFit/>
+          </a:bodyPr>
+          <a:lstStyle/>
+          <a:p>
+            <a:r>
+              <a:rPr lang="zh-TW" altLang="en-US" sz="3200" dirty="0" smtClean="0">
+                <a:solidFill>
+                  <a:schemeClr val="bg1"/>
+                </a:solidFill>
+              </a:rPr>
+              <a:t>設定線條格式及填補顏色</a:t>
+            </a:r>
+            <a:endParaRPr lang="zh-CN" altLang="en-US" sz="3200" dirty="0">
+              <a:solidFill>
+                <a:schemeClr val="bg1"/>
+              </a:solidFill>
+            </a:endParaRPr>
+          </a:p>
+        </p:txBody>
+      </p:sp>
+      <p:sp>
+        <p:nvSpPr>
+          <p:cNvPr id="2" name="文字方塊 1"/>
+          <p:cNvSpPr txBox="1"/>
+          <p:nvPr/>
+        </p:nvSpPr>
+        <p:spPr>
+          <a:xfrm>
+            <a:off x="2563595" y="2378239"/>
+            <a:ext cx="9122221" cy="3046988"/>
+          </a:xfrm>
+          <a:prstGeom prst="rect">
+            <a:avLst/>
+          </a:prstGeom>
+          <a:noFill/>
+        </p:spPr>
+        <p:txBody>
+          <a:bodyPr wrap="square" rtlCol="0">
+            <a:spAutoFit/>
+          </a:bodyPr>
+          <a:lstStyle/>
+          <a:p>
+            <a:pPr marL="342900" indent="-342900">
+              <a:buFont typeface="Arial" panose="020B0604020202020204" pitchFamily="34" charset="0"/>
+              <a:buChar char="•"/>
+            </a:pPr>
+            <a:endParaRPr lang="en-US" altLang="zh-TW" sz="2400" dirty="0">
+              <a:solidFill>
+                <a:schemeClr val="bg1"/>
+              </a:solidFill>
+            </a:endParaRPr>
+          </a:p>
+          <a:p>
+            <a:pPr marL="342900" indent="-342900">
+              <a:buFont typeface="Arial" panose="020B0604020202020204" pitchFamily="34" charset="0"/>
+              <a:buChar char="•"/>
+            </a:pPr>
+            <a:r>
+              <a:rPr lang="en-US" altLang="zh-TW" sz="2400" dirty="0" err="1" smtClean="0">
+                <a:solidFill>
+                  <a:schemeClr val="bg1"/>
+                </a:solidFill>
+              </a:rPr>
+              <a:t>beginPath</a:t>
+            </a:r>
+            <a:r>
+              <a:rPr lang="en-US" altLang="zh-TW" sz="2400" dirty="0" smtClean="0">
+                <a:solidFill>
+                  <a:schemeClr val="bg1"/>
+                </a:solidFill>
+              </a:rPr>
+              <a:t>()</a:t>
+            </a:r>
+            <a:r>
+              <a:rPr lang="zh-TW" altLang="en-US" sz="2400" dirty="0">
+                <a:solidFill>
+                  <a:schemeClr val="bg1"/>
+                </a:solidFill>
+              </a:rPr>
+              <a:t> </a:t>
+            </a:r>
+            <a:r>
+              <a:rPr lang="en-US" altLang="zh-TW" sz="2400" dirty="0" smtClean="0">
+                <a:solidFill>
+                  <a:schemeClr val="bg1"/>
+                </a:solidFill>
+              </a:rPr>
+              <a:t>:</a:t>
+            </a:r>
+            <a:r>
+              <a:rPr lang="zh-TW" altLang="en-US" sz="2400" dirty="0" smtClean="0">
+                <a:solidFill>
+                  <a:schemeClr val="bg1"/>
+                </a:solidFill>
+              </a:rPr>
+              <a:t> 重新定義線條屬性</a:t>
+            </a:r>
+            <a:endParaRPr lang="en-US" altLang="zh-TW" sz="2400" dirty="0" smtClean="0">
+              <a:solidFill>
+                <a:schemeClr val="bg1"/>
+              </a:solidFill>
+            </a:endParaRPr>
+          </a:p>
+          <a:p>
+            <a:pPr marL="342900" indent="-342900">
+              <a:buFont typeface="Arial" panose="020B0604020202020204" pitchFamily="34" charset="0"/>
+              <a:buChar char="•"/>
+            </a:pPr>
+            <a:r>
+              <a:rPr lang="en-US" altLang="zh-TW" sz="2400" dirty="0" err="1" smtClean="0">
+                <a:solidFill>
+                  <a:schemeClr val="bg1"/>
+                </a:solidFill>
+              </a:rPr>
+              <a:t>lineWidth</a:t>
+            </a:r>
+            <a:r>
+              <a:rPr lang="zh-TW" altLang="en-US" sz="2400" dirty="0" smtClean="0">
+                <a:solidFill>
+                  <a:schemeClr val="bg1"/>
+                </a:solidFill>
+              </a:rPr>
+              <a:t> </a:t>
+            </a:r>
+            <a:r>
+              <a:rPr lang="en-US" altLang="zh-TW" sz="2400" dirty="0" smtClean="0">
+                <a:solidFill>
+                  <a:schemeClr val="bg1"/>
+                </a:solidFill>
+              </a:rPr>
+              <a:t>:</a:t>
+            </a:r>
+            <a:r>
+              <a:rPr lang="zh-TW" altLang="en-US" sz="2400" dirty="0" smtClean="0">
+                <a:solidFill>
+                  <a:schemeClr val="bg1"/>
+                </a:solidFill>
+              </a:rPr>
+              <a:t> 設定線條寬度</a:t>
+            </a:r>
+            <a:endParaRPr lang="en-US" altLang="zh-TW" sz="2400" dirty="0">
+              <a:solidFill>
+                <a:schemeClr val="bg1"/>
+              </a:solidFill>
+            </a:endParaRPr>
+          </a:p>
+          <a:p>
+            <a:pPr marL="342900" indent="-342900">
+              <a:buFont typeface="Arial" panose="020B0604020202020204" pitchFamily="34" charset="0"/>
+              <a:buChar char="•"/>
+            </a:pPr>
+            <a:r>
+              <a:rPr lang="en-US" altLang="zh-TW" sz="2400" dirty="0" err="1" smtClean="0">
+                <a:solidFill>
+                  <a:schemeClr val="bg1"/>
+                </a:solidFill>
+              </a:rPr>
+              <a:t>strokeStyle</a:t>
+            </a:r>
+            <a:r>
+              <a:rPr lang="en-US" altLang="zh-TW" sz="2400" dirty="0" smtClean="0">
+                <a:solidFill>
+                  <a:schemeClr val="bg1"/>
+                </a:solidFill>
+              </a:rPr>
+              <a:t> </a:t>
+            </a:r>
+            <a:r>
+              <a:rPr lang="en-US" altLang="zh-TW" sz="2400" dirty="0">
+                <a:solidFill>
+                  <a:schemeClr val="bg1"/>
+                </a:solidFill>
+              </a:rPr>
+              <a:t>="#FF0000"; </a:t>
+            </a:r>
+            <a:r>
+              <a:rPr lang="en-US" altLang="zh-TW" sz="2400" dirty="0" smtClean="0">
+                <a:solidFill>
+                  <a:schemeClr val="bg1"/>
+                </a:solidFill>
+              </a:rPr>
+              <a:t>//</a:t>
+            </a:r>
+            <a:r>
+              <a:rPr lang="zh-TW" altLang="en-US" sz="2400" dirty="0" smtClean="0">
+                <a:solidFill>
+                  <a:schemeClr val="bg1"/>
+                </a:solidFill>
+              </a:rPr>
+              <a:t>線條顏色</a:t>
+            </a:r>
+            <a:r>
+              <a:rPr lang="en-US" altLang="zh-TW" sz="2400" dirty="0" smtClean="0">
+                <a:solidFill>
+                  <a:schemeClr val="bg1"/>
+                </a:solidFill>
+              </a:rPr>
+              <a:t>;</a:t>
+            </a:r>
+          </a:p>
+          <a:p>
+            <a:pPr marL="342900" indent="-342900">
+              <a:buFont typeface="Arial" panose="020B0604020202020204" pitchFamily="34" charset="0"/>
+              <a:buChar char="•"/>
+            </a:pPr>
+            <a:endParaRPr lang="en-US" altLang="zh-TW" sz="2400" dirty="0">
+              <a:solidFill>
+                <a:schemeClr val="bg1"/>
+              </a:solidFill>
+            </a:endParaRPr>
+          </a:p>
+          <a:p>
+            <a:pPr marL="342900" indent="-342900">
+              <a:buFont typeface="Arial" panose="020B0604020202020204" pitchFamily="34" charset="0"/>
+              <a:buChar char="•"/>
+            </a:pPr>
+            <a:r>
+              <a:rPr lang="zh-TW" altLang="en-US" sz="2400" dirty="0" smtClean="0">
+                <a:solidFill>
+                  <a:schemeClr val="bg1"/>
+                </a:solidFill>
+              </a:rPr>
+              <a:t>參考</a:t>
+            </a:r>
+            <a:endParaRPr lang="en-US" altLang="zh-TW" sz="2400" dirty="0">
+              <a:solidFill>
+                <a:schemeClr val="bg1"/>
+              </a:solidFill>
+            </a:endParaRPr>
+          </a:p>
+          <a:p>
+            <a:pPr marL="800100" lvl="1" indent="-342900">
+              <a:buFont typeface="Arial" panose="020B0604020202020204" pitchFamily="34" charset="0"/>
+              <a:buChar char="•"/>
+            </a:pPr>
+            <a:r>
+              <a:rPr lang="en-US" altLang="zh-TW" sz="2400" dirty="0" smtClean="0">
+                <a:solidFill>
+                  <a:schemeClr val="bg1"/>
+                </a:solidFill>
+              </a:rPr>
+              <a:t>https</a:t>
+            </a:r>
+            <a:r>
+              <a:rPr lang="en-US" altLang="zh-TW" sz="2400" dirty="0">
+                <a:solidFill>
+                  <a:schemeClr val="bg1"/>
+                </a:solidFill>
+              </a:rPr>
+              <a:t>://www.w3schools.com/tags/canvas_strokestyle.asp</a:t>
+            </a:r>
+          </a:p>
+          <a:p>
+            <a:pPr marL="342900" indent="-342900">
+              <a:buFont typeface="Arial" panose="020B0604020202020204" pitchFamily="34" charset="0"/>
+              <a:buChar char="•"/>
+            </a:pPr>
+            <a:endParaRPr lang="en-US" altLang="zh-TW" sz="2400" dirty="0" smtClean="0">
+              <a:solidFill>
+                <a:schemeClr val="bg1"/>
+              </a:solidFill>
+            </a:endParaRPr>
+          </a:p>
+        </p:txBody>
+      </p:sp>
+    </p:spTree>
+    <p:extLst>
+      <p:ext uri="{BB962C8B-B14F-4D97-AF65-F5344CB8AC3E}">
+        <p14:creationId xmlns:p14="http://schemas.microsoft.com/office/powerpoint/2010/main" val="2440855540"/>
+      </p:ext>
+    </p:extLst>
+  </p:cSld>
+  <p:clrMapOvr>
+    <a:masterClrMapping/>
+  </p:clrMapOvr>
+  <p:timing>
+    <p:tnLst>
+      <p:par>
+        <p:cTn id="1" dur="indefinite" restart="never" nodeType="tmRoot">
+          <p:childTnLst>
+            <p:seq concurrent="1" nextAc="seek">
+              <p:cTn id="2" dur="indefinite" nodeType="mainSeq">
+                <p:childTnLst>
+                  <p:par>
+                    <p:cTn id="3" fill="hold">
+                      <p:stCondLst>
+                        <p:cond delay="indefinite"/>
+                      </p:stCondLst>
+                      <p:childTnLst>
+                        <p:par>
+                          <p:cTn id="4" fill="hold">
+                            <p:stCondLst>
+                              <p:cond delay="0"/>
+                            </p:stCondLst>
+                            <p:childTnLst>
+                              <p:par>
+                                <p:cTn id="5" presetID="10" presetClass="entr" presetSubtype="0" fill="hold" grpId="0" nodeType="clickEffect">
+                                  <p:stCondLst>
+                                    <p:cond delay="0"/>
+                                  </p:stCondLst>
+                                  <p:childTnLst>
+                                    <p:set>
+                                      <p:cBhvr>
+                                        <p:cTn id="6" dur="1" fill="hold">
+                                          <p:stCondLst>
+                                            <p:cond delay="0"/>
+                                          </p:stCondLst>
+                                        </p:cTn>
+                                        <p:tgtEl>
+                                          <p:spTgt spid="2"/>
+                                        </p:tgtEl>
+                                        <p:attrNameLst>
+                                          <p:attrName>style.visibility</p:attrName>
+                                        </p:attrNameLst>
+                                      </p:cBhvr>
+                                      <p:to>
+                                        <p:strVal val="visible"/>
+                                      </p:to>
+                                    </p:set>
+                                    <p:animEffect transition="in" filter="fade">
+                                      <p:cBhvr>
+                                        <p:cTn id="7" dur="500"/>
+                                        <p:tgtEl>
+                                          <p:spTgt spid="2"/>
+                                        </p:tgtEl>
+                                      </p:cBhvr>
+                                    </p:animEffect>
+                                  </p:childTnLst>
+                                </p:cTn>
+                              </p:par>
+                            </p:childTnLst>
+                          </p:cTn>
+                        </p:par>
+                      </p:childTnLst>
+                    </p:cTn>
+                  </p:par>
+                </p:childTnLst>
+              </p:cTn>
+              <p:prevCondLst>
+                <p:cond evt="onPrev" delay="0">
+                  <p:tgtEl>
+                    <p:sldTgt/>
+                  </p:tgtEl>
+                </p:cond>
+              </p:prevCondLst>
+              <p:nextCondLst>
+                <p:cond evt="onNext" delay="0">
+                  <p:tgtEl>
+                    <p:sldTgt/>
+                  </p:tgtEl>
+                </p:cond>
+              </p:nextCondLst>
+            </p:seq>
+          </p:childTnLst>
+        </p:cTn>
+      </p:par>
+    </p:tnLst>
+    <p:bldLst>
+      <p:bldP spid="2" grpId="0"/>
+    </p:bldLst>
+  </p:timing>
+</p:sld>
+</file>
+
+<file path=ppt/slides/slide2.xml><?xml version="1.0" encoding="utf-8"?>
+<p:sld xmlns:a="http://schemas.openxmlformats.org/drawingml/2006/main" xmlns:r="http://schemas.openxmlformats.org/officeDocument/2006/relationships" xmlns:p="http://schemas.openxmlformats.org/presentationml/2006/main">
+  <p:cSld>
+    <p:spTree>
+      <p:nvGrpSpPr>
+        <p:cNvPr id="1" name=""/>
+        <p:cNvGrpSpPr/>
+        <p:nvPr/>
+      </p:nvGrpSpPr>
+      <p:grpSpPr>
+        <a:xfrm>
+          <a:off x="0" y="0"/>
+          <a:ext cx="0" cy="0"/>
+          <a:chOff x="0" y="0"/>
+          <a:chExt cx="0" cy="0"/>
+        </a:xfrm>
+      </p:grpSpPr>
+      <p:cxnSp>
+        <p:nvCxnSpPr>
+          <p:cNvPr id="5" name="直接连接符 4"/>
+          <p:cNvCxnSpPr/>
+          <p:nvPr/>
+        </p:nvCxnSpPr>
+        <p:spPr>
+          <a:xfrm>
+            <a:off x="7010400" y="905614"/>
+            <a:ext cx="3421117" cy="0"/>
+          </a:xfrm>
+          <a:prstGeom prst="line">
+            <a:avLst/>
+          </a:prstGeom>
+          <a:ln>
+            <a:solidFill>
+              <a:schemeClr val="bg1"/>
+            </a:solidFill>
+          </a:ln>
+        </p:spPr>
+        <p:style>
+          <a:lnRef idx="1">
+            <a:schemeClr val="accent1"/>
+          </a:lnRef>
+          <a:fillRef idx="0">
+            <a:schemeClr val="accent1"/>
+          </a:fillRef>
+          <a:effectRef idx="0">
+            <a:schemeClr val="accent1"/>
+          </a:effectRef>
+          <a:fontRef idx="minor">
+            <a:schemeClr val="tx1"/>
+          </a:fontRef>
+        </p:style>
+      </p:cxnSp>
+      <p:cxnSp>
+        <p:nvCxnSpPr>
+          <p:cNvPr id="6" name="直接连接符 5"/>
+          <p:cNvCxnSpPr/>
+          <p:nvPr/>
+        </p:nvCxnSpPr>
+        <p:spPr>
+          <a:xfrm>
+            <a:off x="7010400" y="1893587"/>
+            <a:ext cx="3421117" cy="0"/>
+          </a:xfrm>
+          <a:prstGeom prst="line">
+            <a:avLst/>
+          </a:prstGeom>
+          <a:ln>
+            <a:solidFill>
+              <a:schemeClr val="bg1"/>
+            </a:solidFill>
+          </a:ln>
+        </p:spPr>
+        <p:style>
+          <a:lnRef idx="1">
+            <a:schemeClr val="accent1"/>
+          </a:lnRef>
+          <a:fillRef idx="0">
+            <a:schemeClr val="accent1"/>
+          </a:fillRef>
+          <a:effectRef idx="0">
+            <a:schemeClr val="accent1"/>
+          </a:effectRef>
+          <a:fontRef idx="minor">
+            <a:schemeClr val="tx1"/>
+          </a:fontRef>
+        </p:style>
+      </p:cxnSp>
+      <p:sp>
+        <p:nvSpPr>
+          <p:cNvPr id="7" name="文本框 6"/>
+          <p:cNvSpPr txBox="1"/>
+          <p:nvPr/>
+        </p:nvSpPr>
+        <p:spPr>
+          <a:xfrm>
+            <a:off x="7010401" y="1068225"/>
+            <a:ext cx="1340070" cy="646331"/>
+          </a:xfrm>
+          <a:prstGeom prst="rect">
+            <a:avLst/>
+          </a:prstGeom>
+          <a:noFill/>
+        </p:spPr>
+        <p:txBody>
+          <a:bodyPr wrap="square" rtlCol="0">
+            <a:spAutoFit/>
+          </a:bodyPr>
+          <a:lstStyle/>
+          <a:p>
+            <a:r>
+              <a:rPr lang="zh-TW" altLang="en-US" sz="3600" dirty="0" smtClean="0">
+                <a:solidFill>
+                  <a:schemeClr val="bg1"/>
+                </a:solidFill>
+              </a:rPr>
+              <a:t>目錄</a:t>
+            </a:r>
+            <a:endParaRPr lang="zh-CN" altLang="en-US" sz="3600" dirty="0">
+              <a:solidFill>
+                <a:schemeClr val="bg1"/>
+              </a:solidFill>
+            </a:endParaRPr>
+          </a:p>
+        </p:txBody>
+      </p:sp>
+      <p:sp>
+        <p:nvSpPr>
+          <p:cNvPr id="8" name="椭圆 7"/>
+          <p:cNvSpPr/>
+          <p:nvPr/>
+        </p:nvSpPr>
+        <p:spPr>
+          <a:xfrm>
+            <a:off x="8350470" y="1318145"/>
+            <a:ext cx="162911" cy="162911"/>
+          </a:xfrm>
+          <a:prstGeom prst="ellipse">
+            <a:avLst/>
+          </a:prstGeom>
+          <a:solidFill>
+            <a:schemeClr val="bg1"/>
+          </a:solidFill>
+          <a:ln>
+            <a:solidFill>
+              <a:schemeClr val="bg1"/>
+            </a:solidFill>
+          </a:ln>
+        </p:spPr>
+        <p:style>
+          <a:lnRef idx="2">
+            <a:schemeClr val="accent1">
+              <a:shade val="50000"/>
+            </a:schemeClr>
+          </a:lnRef>
+          <a:fillRef idx="1">
+            <a:schemeClr val="accent1"/>
+          </a:fillRef>
+          <a:effectRef idx="0">
+            <a:schemeClr val="accent1"/>
+          </a:effectRef>
+          <a:fontRef idx="minor">
+            <a:schemeClr val="lt1"/>
+          </a:fontRef>
+        </p:style>
+        <p:txBody>
+          <a:bodyPr rtlCol="0" anchor="ctr"/>
+          <a:lstStyle/>
+          <a:p>
+            <a:pPr algn="ctr"/>
+            <a:endParaRPr lang="zh-CN" altLang="en-US"/>
+          </a:p>
+        </p:txBody>
+      </p:sp>
+      <p:sp>
+        <p:nvSpPr>
+          <p:cNvPr id="9" name="矩形 8"/>
+          <p:cNvSpPr/>
+          <p:nvPr/>
+        </p:nvSpPr>
+        <p:spPr>
+          <a:xfrm>
+            <a:off x="8720958" y="1259024"/>
+            <a:ext cx="1710559" cy="281151"/>
+          </a:xfrm>
+          <a:prstGeom prst="rect">
+            <a:avLst/>
+          </a:prstGeom>
+          <a:solidFill>
+            <a:schemeClr val="bg1"/>
+          </a:solidFill>
+          <a:ln>
+            <a:solidFill>
+              <a:schemeClr val="bg1"/>
+            </a:solidFill>
+          </a:ln>
+        </p:spPr>
+        <p:style>
+          <a:lnRef idx="2">
+            <a:schemeClr val="accent1">
+              <a:shade val="50000"/>
+            </a:schemeClr>
+          </a:lnRef>
+          <a:fillRef idx="1">
+            <a:schemeClr val="accent1"/>
+          </a:fillRef>
+          <a:effectRef idx="0">
+            <a:schemeClr val="accent1"/>
+          </a:effectRef>
+          <a:fontRef idx="minor">
+            <a:schemeClr val="lt1"/>
+          </a:fontRef>
+        </p:style>
+        <p:txBody>
+          <a:bodyPr rtlCol="0" anchor="ctr"/>
+          <a:lstStyle/>
+          <a:p>
+            <a:pPr algn="ctr"/>
+            <a:endParaRPr lang="zh-CN" altLang="en-US"/>
+          </a:p>
+        </p:txBody>
+      </p:sp>
+      <p:sp>
+        <p:nvSpPr>
+          <p:cNvPr id="10" name="文本框 9"/>
+          <p:cNvSpPr txBox="1"/>
+          <p:nvPr/>
+        </p:nvSpPr>
+        <p:spPr>
+          <a:xfrm>
+            <a:off x="8716388" y="1146627"/>
+            <a:ext cx="1687962" cy="584775"/>
+          </a:xfrm>
+          <a:prstGeom prst="rect">
+            <a:avLst/>
+          </a:prstGeom>
+          <a:noFill/>
+        </p:spPr>
+        <p:txBody>
+          <a:bodyPr wrap="square" rtlCol="0">
+            <a:spAutoFit/>
+          </a:bodyPr>
+          <a:lstStyle/>
+          <a:p>
+            <a:r>
+              <a:rPr lang="en-US" altLang="zh-TW" sz="3200" dirty="0" smtClean="0">
+                <a:latin typeface="Aldhabi" panose="01000000000000000000" pitchFamily="2" charset="-78"/>
+                <a:cs typeface="Aldhabi" panose="01000000000000000000" pitchFamily="2" charset="-78"/>
+              </a:rPr>
+              <a:t>Canvas</a:t>
+            </a:r>
+            <a:endParaRPr lang="zh-CN" altLang="en-US" sz="3200" dirty="0">
+              <a:latin typeface="Aldhabi" panose="01000000000000000000" pitchFamily="2" charset="-78"/>
+              <a:cs typeface="Aldhabi" panose="01000000000000000000" pitchFamily="2" charset="-78"/>
+            </a:endParaRPr>
+          </a:p>
+        </p:txBody>
+      </p:sp>
+      <p:pic>
+        <p:nvPicPr>
+          <p:cNvPr id="13" name="图片 12"/>
+          <p:cNvPicPr>
+            <a:picLocks noChangeAspect="1"/>
+          </p:cNvPicPr>
+          <p:nvPr/>
+        </p:nvPicPr>
+        <p:blipFill rotWithShape="1">
+          <a:blip r:embed="rId2">
+            <a:extLst>
+              <a:ext uri="{28A0092B-C50C-407E-A947-70E740481C1C}">
+                <a14:useLocalDpi xmlns:a14="http://schemas.microsoft.com/office/drawing/2010/main" val="0"/>
+              </a:ext>
+            </a:extLst>
+          </a:blip>
+          <a:srcRect b="31600"/>
+          <a:stretch/>
+        </p:blipFill>
+        <p:spPr>
+          <a:xfrm>
+            <a:off x="0" y="7025641"/>
+            <a:ext cx="12192000" cy="3870960"/>
+          </a:xfrm>
+          <a:prstGeom prst="rect">
+            <a:avLst/>
+          </a:prstGeom>
+        </p:spPr>
+      </p:pic>
+      <p:cxnSp>
+        <p:nvCxnSpPr>
+          <p:cNvPr id="15" name="直接连接符 14"/>
+          <p:cNvCxnSpPr/>
+          <p:nvPr/>
+        </p:nvCxnSpPr>
+        <p:spPr>
+          <a:xfrm>
+            <a:off x="10431517" y="1893587"/>
+            <a:ext cx="0" cy="4065253"/>
+          </a:xfrm>
+          <a:prstGeom prst="line">
+            <a:avLst/>
+          </a:prstGeom>
+          <a:ln>
+            <a:solidFill>
+              <a:schemeClr val="bg1"/>
+            </a:solidFill>
+          </a:ln>
+        </p:spPr>
+        <p:style>
+          <a:lnRef idx="1">
+            <a:schemeClr val="accent1"/>
+          </a:lnRef>
+          <a:fillRef idx="0">
+            <a:schemeClr val="accent1"/>
+          </a:fillRef>
+          <a:effectRef idx="0">
+            <a:schemeClr val="accent1"/>
+          </a:effectRef>
+          <a:fontRef idx="minor">
+            <a:schemeClr val="tx1"/>
+          </a:fontRef>
+        </p:style>
+      </p:cxnSp>
+      <p:cxnSp>
+        <p:nvCxnSpPr>
+          <p:cNvPr id="17" name="直接连接符 16"/>
+          <p:cNvCxnSpPr/>
+          <p:nvPr/>
+        </p:nvCxnSpPr>
+        <p:spPr>
+          <a:xfrm flipH="1">
+            <a:off x="1874521" y="5958840"/>
+            <a:ext cx="8556996" cy="0"/>
+          </a:xfrm>
+          <a:prstGeom prst="line">
+            <a:avLst/>
+          </a:prstGeom>
+          <a:ln>
+            <a:solidFill>
+              <a:schemeClr val="bg1"/>
+            </a:solidFill>
+          </a:ln>
+        </p:spPr>
+        <p:style>
+          <a:lnRef idx="1">
+            <a:schemeClr val="accent1"/>
+          </a:lnRef>
+          <a:fillRef idx="0">
+            <a:schemeClr val="accent1"/>
+          </a:fillRef>
+          <a:effectRef idx="0">
+            <a:schemeClr val="accent1"/>
+          </a:effectRef>
+          <a:fontRef idx="minor">
+            <a:schemeClr val="tx1"/>
+          </a:fontRef>
+        </p:style>
+      </p:cxnSp>
+      <p:cxnSp>
+        <p:nvCxnSpPr>
+          <p:cNvPr id="19" name="直接连接符 18"/>
+          <p:cNvCxnSpPr/>
+          <p:nvPr/>
+        </p:nvCxnSpPr>
+        <p:spPr>
+          <a:xfrm flipV="1">
+            <a:off x="1874520" y="5486400"/>
+            <a:ext cx="0" cy="472440"/>
+          </a:xfrm>
+          <a:prstGeom prst="line">
+            <a:avLst/>
+          </a:prstGeom>
+          <a:ln>
+            <a:solidFill>
+              <a:schemeClr val="bg1"/>
+            </a:solidFill>
+          </a:ln>
+        </p:spPr>
+        <p:style>
+          <a:lnRef idx="1">
+            <a:schemeClr val="accent1"/>
+          </a:lnRef>
+          <a:fillRef idx="0">
+            <a:schemeClr val="accent1"/>
+          </a:fillRef>
+          <a:effectRef idx="0">
+            <a:schemeClr val="accent1"/>
+          </a:effectRef>
+          <a:fontRef idx="minor">
+            <a:schemeClr val="tx1"/>
+          </a:fontRef>
+        </p:style>
+      </p:cxnSp>
+      <p:sp>
+        <p:nvSpPr>
+          <p:cNvPr id="20" name="菱形 19"/>
+          <p:cNvSpPr/>
+          <p:nvPr/>
+        </p:nvSpPr>
+        <p:spPr>
+          <a:xfrm>
+            <a:off x="1558290" y="4918710"/>
+            <a:ext cx="632460" cy="632460"/>
+          </a:xfrm>
+          <a:prstGeom prst="diamond">
+            <a:avLst/>
+          </a:prstGeom>
+          <a:solidFill>
+            <a:schemeClr val="bg1"/>
+          </a:solidFill>
+          <a:ln>
+            <a:noFill/>
+          </a:ln>
+        </p:spPr>
+        <p:style>
+          <a:lnRef idx="2">
+            <a:schemeClr val="accent1">
+              <a:shade val="50000"/>
+            </a:schemeClr>
+          </a:lnRef>
+          <a:fillRef idx="1">
+            <a:schemeClr val="accent1"/>
+          </a:fillRef>
+          <a:effectRef idx="0">
+            <a:schemeClr val="accent1"/>
+          </a:effectRef>
+          <a:fontRef idx="minor">
+            <a:schemeClr val="lt1"/>
+          </a:fontRef>
+        </p:style>
+        <p:txBody>
+          <a:bodyPr rtlCol="0" anchor="ctr"/>
+          <a:lstStyle/>
+          <a:p>
+            <a:pPr algn="ctr"/>
+            <a:endParaRPr lang="zh-CN" altLang="en-US"/>
+          </a:p>
+        </p:txBody>
+      </p:sp>
+      <p:cxnSp>
+        <p:nvCxnSpPr>
+          <p:cNvPr id="25" name="直接连接符 24"/>
+          <p:cNvCxnSpPr/>
+          <p:nvPr/>
+        </p:nvCxnSpPr>
+        <p:spPr>
+          <a:xfrm flipV="1">
+            <a:off x="1874520" y="4446270"/>
+            <a:ext cx="0" cy="472440"/>
+          </a:xfrm>
+          <a:prstGeom prst="line">
+            <a:avLst/>
+          </a:prstGeom>
+          <a:ln>
+            <a:solidFill>
+              <a:schemeClr val="bg1"/>
+            </a:solidFill>
+          </a:ln>
+        </p:spPr>
+        <p:style>
+          <a:lnRef idx="1">
+            <a:schemeClr val="accent1"/>
+          </a:lnRef>
+          <a:fillRef idx="0">
+            <a:schemeClr val="accent1"/>
+          </a:fillRef>
+          <a:effectRef idx="0">
+            <a:schemeClr val="accent1"/>
+          </a:effectRef>
+          <a:fontRef idx="minor">
+            <a:schemeClr val="tx1"/>
+          </a:fontRef>
+        </p:style>
+      </p:cxnSp>
+      <p:sp>
+        <p:nvSpPr>
+          <p:cNvPr id="26" name="菱形 25"/>
+          <p:cNvSpPr/>
+          <p:nvPr/>
+        </p:nvSpPr>
+        <p:spPr>
+          <a:xfrm>
+            <a:off x="1558290" y="3989070"/>
+            <a:ext cx="632460" cy="632460"/>
+          </a:xfrm>
+          <a:prstGeom prst="diamond">
+            <a:avLst/>
+          </a:prstGeom>
+          <a:solidFill>
+            <a:schemeClr val="bg1"/>
+          </a:solidFill>
+          <a:ln>
+            <a:noFill/>
+          </a:ln>
+        </p:spPr>
+        <p:style>
+          <a:lnRef idx="2">
+            <a:schemeClr val="accent1">
+              <a:shade val="50000"/>
+            </a:schemeClr>
+          </a:lnRef>
+          <a:fillRef idx="1">
+            <a:schemeClr val="accent1"/>
+          </a:fillRef>
+          <a:effectRef idx="0">
+            <a:schemeClr val="accent1"/>
+          </a:effectRef>
+          <a:fontRef idx="minor">
+            <a:schemeClr val="lt1"/>
+          </a:fontRef>
+        </p:style>
+        <p:txBody>
+          <a:bodyPr rtlCol="0" anchor="ctr"/>
+          <a:lstStyle/>
+          <a:p>
+            <a:pPr algn="ctr"/>
+            <a:endParaRPr lang="zh-CN" altLang="en-US"/>
+          </a:p>
+        </p:txBody>
+      </p:sp>
+      <p:cxnSp>
+        <p:nvCxnSpPr>
+          <p:cNvPr id="27" name="直接连接符 26"/>
+          <p:cNvCxnSpPr>
+            <a:stCxn id="26" idx="0"/>
+          </p:cNvCxnSpPr>
+          <p:nvPr/>
+        </p:nvCxnSpPr>
+        <p:spPr>
+          <a:xfrm flipV="1">
+            <a:off x="1874520" y="3379470"/>
+            <a:ext cx="0" cy="609600"/>
+          </a:xfrm>
+          <a:prstGeom prst="line">
+            <a:avLst/>
+          </a:prstGeom>
+          <a:ln>
+            <a:solidFill>
+              <a:schemeClr val="bg1"/>
+            </a:solidFill>
+          </a:ln>
+        </p:spPr>
+        <p:style>
+          <a:lnRef idx="1">
+            <a:schemeClr val="accent1"/>
+          </a:lnRef>
+          <a:fillRef idx="0">
+            <a:schemeClr val="accent1"/>
+          </a:fillRef>
+          <a:effectRef idx="0">
+            <a:schemeClr val="accent1"/>
+          </a:effectRef>
+          <a:fontRef idx="minor">
+            <a:schemeClr val="tx1"/>
+          </a:fontRef>
+        </p:style>
+      </p:cxnSp>
+      <p:sp>
+        <p:nvSpPr>
+          <p:cNvPr id="28" name="菱形 27"/>
+          <p:cNvSpPr/>
+          <p:nvPr/>
+        </p:nvSpPr>
+        <p:spPr>
+          <a:xfrm>
+            <a:off x="1558290" y="2946051"/>
+            <a:ext cx="632460" cy="632460"/>
+          </a:xfrm>
+          <a:prstGeom prst="diamond">
+            <a:avLst/>
+          </a:prstGeom>
+          <a:solidFill>
+            <a:schemeClr val="bg1"/>
+          </a:solidFill>
+          <a:ln>
+            <a:noFill/>
+          </a:ln>
+        </p:spPr>
+        <p:style>
+          <a:lnRef idx="2">
+            <a:schemeClr val="accent1">
+              <a:shade val="50000"/>
+            </a:schemeClr>
+          </a:lnRef>
+          <a:fillRef idx="1">
+            <a:schemeClr val="accent1"/>
+          </a:fillRef>
+          <a:effectRef idx="0">
+            <a:schemeClr val="accent1"/>
+          </a:effectRef>
+          <a:fontRef idx="minor">
+            <a:schemeClr val="lt1"/>
+          </a:fontRef>
+        </p:style>
+        <p:txBody>
+          <a:bodyPr rtlCol="0" anchor="ctr"/>
+          <a:lstStyle/>
+          <a:p>
+            <a:pPr algn="ctr"/>
+            <a:endParaRPr lang="zh-CN" altLang="en-US"/>
+          </a:p>
+        </p:txBody>
+      </p:sp>
+      <p:cxnSp>
+        <p:nvCxnSpPr>
+          <p:cNvPr id="29" name="直接连接符 28"/>
+          <p:cNvCxnSpPr/>
+          <p:nvPr/>
+        </p:nvCxnSpPr>
+        <p:spPr>
+          <a:xfrm flipV="1">
+            <a:off x="1874520" y="2488851"/>
+            <a:ext cx="0" cy="472440"/>
+          </a:xfrm>
+          <a:prstGeom prst="line">
+            <a:avLst/>
+          </a:prstGeom>
+          <a:ln>
+            <a:solidFill>
+              <a:schemeClr val="bg1"/>
+            </a:solidFill>
+          </a:ln>
+        </p:spPr>
+        <p:style>
+          <a:lnRef idx="1">
+            <a:schemeClr val="accent1"/>
+          </a:lnRef>
+          <a:fillRef idx="0">
+            <a:schemeClr val="accent1"/>
+          </a:fillRef>
+          <a:effectRef idx="0">
+            <a:schemeClr val="accent1"/>
+          </a:effectRef>
+          <a:fontRef idx="minor">
+            <a:schemeClr val="tx1"/>
+          </a:fontRef>
+        </p:style>
+      </p:cxnSp>
+      <p:sp>
+        <p:nvSpPr>
+          <p:cNvPr id="30" name="菱形 29"/>
+          <p:cNvSpPr/>
+          <p:nvPr/>
+        </p:nvSpPr>
+        <p:spPr>
+          <a:xfrm>
+            <a:off x="1558290" y="1915446"/>
+            <a:ext cx="632460" cy="632460"/>
+          </a:xfrm>
+          <a:prstGeom prst="diamond">
+            <a:avLst/>
+          </a:prstGeom>
+          <a:solidFill>
+            <a:schemeClr val="bg1"/>
+          </a:solidFill>
+          <a:ln>
+            <a:noFill/>
+          </a:ln>
+        </p:spPr>
+        <p:style>
+          <a:lnRef idx="2">
+            <a:schemeClr val="accent1">
+              <a:shade val="50000"/>
+            </a:schemeClr>
+          </a:lnRef>
+          <a:fillRef idx="1">
+            <a:schemeClr val="accent1"/>
+          </a:fillRef>
+          <a:effectRef idx="0">
+            <a:schemeClr val="accent1"/>
+          </a:effectRef>
+          <a:fontRef idx="minor">
+            <a:schemeClr val="lt1"/>
+          </a:fontRef>
+        </p:style>
+        <p:txBody>
+          <a:bodyPr rtlCol="0" anchor="ctr"/>
+          <a:lstStyle/>
+          <a:p>
+            <a:pPr algn="ctr"/>
+            <a:endParaRPr lang="zh-CN" altLang="en-US"/>
+          </a:p>
+        </p:txBody>
+      </p:sp>
+      <p:sp>
+        <p:nvSpPr>
+          <p:cNvPr id="34" name="文本框 33"/>
+          <p:cNvSpPr txBox="1"/>
+          <p:nvPr/>
+        </p:nvSpPr>
+        <p:spPr>
+          <a:xfrm>
+            <a:off x="1691640" y="1936267"/>
+            <a:ext cx="1291459" cy="523220"/>
+          </a:xfrm>
+          <a:prstGeom prst="rect">
+            <a:avLst/>
+          </a:prstGeom>
+          <a:noFill/>
+        </p:spPr>
+        <p:txBody>
+          <a:bodyPr wrap="square" rtlCol="0">
+            <a:spAutoFit/>
+          </a:bodyPr>
+          <a:lstStyle/>
+          <a:p>
+            <a:r>
+              <a:rPr lang="en-US" altLang="zh-CN" sz="2800" dirty="0" smtClean="0"/>
+              <a:t>1</a:t>
+            </a:r>
+            <a:endParaRPr lang="zh-CN" altLang="en-US" sz="2800" dirty="0"/>
+          </a:p>
+        </p:txBody>
+      </p:sp>
+      <p:sp>
+        <p:nvSpPr>
+          <p:cNvPr id="35" name="文本框 34"/>
+          <p:cNvSpPr txBox="1"/>
+          <p:nvPr/>
+        </p:nvSpPr>
+        <p:spPr>
+          <a:xfrm>
+            <a:off x="1691640" y="2977163"/>
+            <a:ext cx="1291459" cy="523220"/>
+          </a:xfrm>
+          <a:prstGeom prst="rect">
+            <a:avLst/>
+          </a:prstGeom>
+          <a:noFill/>
+        </p:spPr>
+        <p:txBody>
+          <a:bodyPr wrap="square" rtlCol="0">
+            <a:spAutoFit/>
+          </a:bodyPr>
+          <a:lstStyle/>
+          <a:p>
+            <a:r>
+              <a:rPr lang="en-US" altLang="zh-CN" sz="2800" dirty="0" smtClean="0"/>
+              <a:t>2</a:t>
+            </a:r>
+            <a:endParaRPr lang="zh-CN" altLang="en-US" sz="2800" dirty="0"/>
+          </a:p>
+        </p:txBody>
+      </p:sp>
+      <p:sp>
+        <p:nvSpPr>
+          <p:cNvPr id="36" name="文本框 35"/>
+          <p:cNvSpPr txBox="1"/>
+          <p:nvPr/>
+        </p:nvSpPr>
+        <p:spPr>
+          <a:xfrm>
+            <a:off x="1691639" y="4027512"/>
+            <a:ext cx="1291459" cy="523220"/>
+          </a:xfrm>
+          <a:prstGeom prst="rect">
+            <a:avLst/>
+          </a:prstGeom>
+          <a:noFill/>
+        </p:spPr>
+        <p:txBody>
+          <a:bodyPr wrap="square" rtlCol="0">
+            <a:spAutoFit/>
+          </a:bodyPr>
+          <a:lstStyle/>
+          <a:p>
+            <a:r>
+              <a:rPr lang="en-US" altLang="zh-CN" sz="2800" dirty="0" smtClean="0"/>
+              <a:t>3</a:t>
+            </a:r>
+            <a:endParaRPr lang="zh-CN" altLang="en-US" sz="2800" dirty="0"/>
+          </a:p>
+        </p:txBody>
+      </p:sp>
+      <p:sp>
+        <p:nvSpPr>
+          <p:cNvPr id="37" name="文本框 36"/>
+          <p:cNvSpPr txBox="1"/>
+          <p:nvPr/>
+        </p:nvSpPr>
+        <p:spPr>
+          <a:xfrm>
+            <a:off x="1691638" y="4987774"/>
+            <a:ext cx="1291459" cy="523220"/>
+          </a:xfrm>
+          <a:prstGeom prst="rect">
+            <a:avLst/>
+          </a:prstGeom>
+          <a:noFill/>
+        </p:spPr>
+        <p:txBody>
+          <a:bodyPr wrap="square" rtlCol="0">
+            <a:spAutoFit/>
+          </a:bodyPr>
+          <a:lstStyle/>
+          <a:p>
+            <a:r>
+              <a:rPr lang="en-US" altLang="zh-CN" sz="2800" dirty="0" smtClean="0"/>
+              <a:t>4</a:t>
+            </a:r>
+            <a:endParaRPr lang="zh-CN" altLang="en-US" sz="2800" dirty="0"/>
+          </a:p>
+        </p:txBody>
+      </p:sp>
+      <p:sp>
+        <p:nvSpPr>
+          <p:cNvPr id="44" name="文本框 43"/>
+          <p:cNvSpPr txBox="1"/>
+          <p:nvPr/>
+        </p:nvSpPr>
+        <p:spPr>
+          <a:xfrm>
+            <a:off x="2573589" y="2055785"/>
+            <a:ext cx="3295518" cy="369332"/>
+          </a:xfrm>
+          <a:prstGeom prst="rect">
+            <a:avLst/>
+          </a:prstGeom>
+          <a:noFill/>
+        </p:spPr>
+        <p:txBody>
+          <a:bodyPr wrap="square" rtlCol="0">
+            <a:spAutoFit/>
+          </a:bodyPr>
+          <a:lstStyle/>
+          <a:p>
+            <a:r>
+              <a:rPr lang="en-US" altLang="zh-TW" b="1" dirty="0" smtClean="0">
+                <a:solidFill>
+                  <a:schemeClr val="bg1"/>
+                </a:solidFill>
+              </a:rPr>
+              <a:t>Canvas</a:t>
+            </a:r>
+            <a:r>
+              <a:rPr lang="zh-TW" altLang="en-US" b="1" dirty="0" smtClean="0">
+                <a:solidFill>
+                  <a:schemeClr val="bg1"/>
+                </a:solidFill>
+              </a:rPr>
+              <a:t>介紹</a:t>
+            </a:r>
+            <a:endParaRPr lang="en-US" altLang="zh-TW" dirty="0">
+              <a:solidFill>
+                <a:schemeClr val="bg1"/>
+              </a:solidFill>
+            </a:endParaRPr>
+          </a:p>
+        </p:txBody>
+      </p:sp>
+      <p:sp>
+        <p:nvSpPr>
+          <p:cNvPr id="46" name="文本框 45"/>
+          <p:cNvSpPr txBox="1"/>
+          <p:nvPr/>
+        </p:nvSpPr>
+        <p:spPr>
+          <a:xfrm>
+            <a:off x="2573589" y="3077013"/>
+            <a:ext cx="3295518" cy="369332"/>
+          </a:xfrm>
+          <a:prstGeom prst="rect">
+            <a:avLst/>
+          </a:prstGeom>
+          <a:noFill/>
+        </p:spPr>
+        <p:txBody>
+          <a:bodyPr wrap="square" rtlCol="0">
+            <a:spAutoFit/>
+          </a:bodyPr>
+          <a:lstStyle/>
+          <a:p>
+            <a:r>
+              <a:rPr lang="en-US" altLang="zh-TW" b="1" dirty="0" err="1" smtClean="0">
+                <a:solidFill>
+                  <a:schemeClr val="bg1"/>
+                </a:solidFill>
+              </a:rPr>
+              <a:t>HTML5</a:t>
+            </a:r>
+            <a:r>
+              <a:rPr lang="en-US" altLang="zh-TW" b="1" dirty="0" smtClean="0">
+                <a:solidFill>
+                  <a:schemeClr val="bg1"/>
+                </a:solidFill>
+              </a:rPr>
+              <a:t> Canvas </a:t>
+            </a:r>
+            <a:r>
+              <a:rPr lang="zh-TW" altLang="en-US" b="1" dirty="0" smtClean="0">
+                <a:solidFill>
+                  <a:schemeClr val="bg1"/>
+                </a:solidFill>
+              </a:rPr>
+              <a:t>常用繪圖指令</a:t>
+            </a:r>
+            <a:endParaRPr lang="en-US" altLang="zh-TW" b="1" dirty="0">
+              <a:solidFill>
+                <a:schemeClr val="bg1"/>
+              </a:solidFill>
+            </a:endParaRPr>
+          </a:p>
+        </p:txBody>
+      </p:sp>
+      <p:sp>
+        <p:nvSpPr>
+          <p:cNvPr id="47" name="文本框 46"/>
+          <p:cNvSpPr txBox="1"/>
+          <p:nvPr/>
+        </p:nvSpPr>
+        <p:spPr>
+          <a:xfrm>
+            <a:off x="2573589" y="4119621"/>
+            <a:ext cx="3295518" cy="369332"/>
+          </a:xfrm>
+          <a:prstGeom prst="rect">
+            <a:avLst/>
+          </a:prstGeom>
+          <a:noFill/>
+        </p:spPr>
+        <p:txBody>
+          <a:bodyPr wrap="square" rtlCol="0">
+            <a:spAutoFit/>
+          </a:bodyPr>
+          <a:lstStyle/>
+          <a:p>
+            <a:r>
+              <a:rPr lang="en-US" altLang="zh-TW" b="1" dirty="0" smtClean="0">
+                <a:solidFill>
+                  <a:schemeClr val="bg1"/>
+                </a:solidFill>
+              </a:rPr>
+              <a:t>Canvas</a:t>
+            </a:r>
+            <a:r>
+              <a:rPr lang="zh-TW" altLang="en-US" b="1" dirty="0" smtClean="0">
+                <a:solidFill>
+                  <a:schemeClr val="bg1"/>
+                </a:solidFill>
+              </a:rPr>
+              <a:t> 應用實例</a:t>
+            </a:r>
+            <a:endParaRPr lang="zh-TW" altLang="en-US" b="1" dirty="0">
+              <a:solidFill>
+                <a:schemeClr val="bg1"/>
+              </a:solidFill>
+            </a:endParaRPr>
+          </a:p>
+        </p:txBody>
+      </p:sp>
+      <p:sp>
+        <p:nvSpPr>
+          <p:cNvPr id="48" name="文本框 47"/>
+          <p:cNvSpPr txBox="1"/>
+          <p:nvPr/>
+        </p:nvSpPr>
+        <p:spPr>
+          <a:xfrm>
+            <a:off x="2573589" y="5017962"/>
+            <a:ext cx="3295518" cy="369332"/>
+          </a:xfrm>
+          <a:prstGeom prst="rect">
+            <a:avLst/>
+          </a:prstGeom>
+          <a:noFill/>
+        </p:spPr>
+        <p:txBody>
+          <a:bodyPr wrap="square" rtlCol="0">
+            <a:spAutoFit/>
+          </a:bodyPr>
+          <a:lstStyle/>
+          <a:p>
+            <a:r>
+              <a:rPr lang="zh-TW" altLang="en-US" b="1" dirty="0">
+                <a:solidFill>
+                  <a:schemeClr val="bg1"/>
+                </a:solidFill>
+              </a:rPr>
+              <a:t>參考文獻</a:t>
+            </a:r>
+            <a:endParaRPr lang="zh-CN" altLang="en-US" b="1" dirty="0">
+              <a:solidFill>
+                <a:schemeClr val="bg1"/>
+              </a:solidFill>
+            </a:endParaRPr>
+          </a:p>
+        </p:txBody>
+      </p:sp>
+    </p:spTree>
+    <p:extLst>
+      <p:ext uri="{BB962C8B-B14F-4D97-AF65-F5344CB8AC3E}">
+        <p14:creationId xmlns:p14="http://schemas.microsoft.com/office/powerpoint/2010/main" val="2509616076"/>
+      </p:ext>
+    </p:extLst>
+  </p:cSld>
+  <p:clrMapOvr>
+    <a:masterClrMapping/>
+  </p:clrMapOvr>
+  <mc:AlternateContent xmlns:mc="http://schemas.openxmlformats.org/markup-compatibility/2006" xmlns:p14="http://schemas.microsoft.com/office/powerpoint/2010/main">
+    <mc:Choice Requires="p14">
+      <p:transition spd="med" p14:dur="700">
+        <p:fade/>
+      </p:transition>
+    </mc:Choice>
+    <mc:Fallback xmlns="">
+      <p:transition spd="med">
+        <p:fade/>
+      </p:transition>
+    </mc:Fallback>
+  </mc:AlternateContent>
+  <p:timing>
+    <p:tnLst>
+      <p:par>
+        <p:cTn id="1" dur="indefinite" restart="never" nodeType="tmRoot">
+          <p:childTnLst>
+            <p:seq concurrent="1" nextAc="seek">
+              <p:cTn id="2" dur="indefinite" nodeType="mainSeq">
+                <p:childTnLst>
+                  <p:par>
+                    <p:cTn id="3" fill="hold">
+                      <p:stCondLst>
+                        <p:cond delay="indefinite"/>
+                      </p:stCondLst>
+                      <p:childTnLst>
+                        <p:par>
+                          <p:cTn id="4" fill="hold">
+                            <p:stCondLst>
+                              <p:cond delay="0"/>
+                            </p:stCondLst>
+                            <p:childTnLst>
+                              <p:par>
+                                <p:cTn id="5" presetID="22" presetClass="entr" presetSubtype="8" fill="hold" nodeType="clickEffect">
+                                  <p:stCondLst>
+                                    <p:cond delay="0"/>
+                                  </p:stCondLst>
+                                  <p:childTnLst>
+                                    <p:set>
+                                      <p:cBhvr>
+                                        <p:cTn id="6" dur="1" fill="hold">
+                                          <p:stCondLst>
+                                            <p:cond delay="0"/>
+                                          </p:stCondLst>
+                                        </p:cTn>
+                                        <p:tgtEl>
+                                          <p:spTgt spid="5"/>
+                                        </p:tgtEl>
+                                        <p:attrNameLst>
+                                          <p:attrName>style.visibility</p:attrName>
+                                        </p:attrNameLst>
+                                      </p:cBhvr>
+                                      <p:to>
+                                        <p:strVal val="visible"/>
+                                      </p:to>
+                                    </p:set>
+                                    <p:animEffect transition="in" filter="wipe(left)">
+                                      <p:cBhvr>
+                                        <p:cTn id="7" dur="500"/>
+                                        <p:tgtEl>
+                                          <p:spTgt spid="5"/>
+                                        </p:tgtEl>
+                                      </p:cBhvr>
+                                    </p:animEffect>
+                                  </p:childTnLst>
+                                </p:cTn>
+                              </p:par>
+                              <p:par>
+                                <p:cTn id="8" presetID="22" presetClass="entr" presetSubtype="8" fill="hold" nodeType="withEffect">
+                                  <p:stCondLst>
+                                    <p:cond delay="0"/>
+                                  </p:stCondLst>
+                                  <p:childTnLst>
+                                    <p:set>
+                                      <p:cBhvr>
+                                        <p:cTn id="9" dur="1" fill="hold">
+                                          <p:stCondLst>
+                                            <p:cond delay="0"/>
+                                          </p:stCondLst>
+                                        </p:cTn>
+                                        <p:tgtEl>
+                                          <p:spTgt spid="6"/>
+                                        </p:tgtEl>
+                                        <p:attrNameLst>
+                                          <p:attrName>style.visibility</p:attrName>
+                                        </p:attrNameLst>
+                                      </p:cBhvr>
+                                      <p:to>
+                                        <p:strVal val="visible"/>
+                                      </p:to>
+                                    </p:set>
+                                    <p:animEffect transition="in" filter="wipe(left)">
+                                      <p:cBhvr>
+                                        <p:cTn id="10" dur="500"/>
+                                        <p:tgtEl>
+                                          <p:spTgt spid="6"/>
+                                        </p:tgtEl>
+                                      </p:cBhvr>
+                                    </p:animEffect>
+                                  </p:childTnLst>
+                                </p:cTn>
+                              </p:par>
+                            </p:childTnLst>
+                          </p:cTn>
+                        </p:par>
+                        <p:par>
+                          <p:cTn id="11" fill="hold">
+                            <p:stCondLst>
+                              <p:cond delay="500"/>
+                            </p:stCondLst>
+                            <p:childTnLst>
+                              <p:par>
+                                <p:cTn id="12" presetID="10" presetClass="entr" presetSubtype="0" fill="hold" grpId="0" nodeType="afterEffect">
+                                  <p:stCondLst>
+                                    <p:cond delay="0"/>
+                                  </p:stCondLst>
+                                  <p:childTnLst>
+                                    <p:set>
+                                      <p:cBhvr>
+                                        <p:cTn id="13" dur="1" fill="hold">
+                                          <p:stCondLst>
+                                            <p:cond delay="0"/>
+                                          </p:stCondLst>
+                                        </p:cTn>
+                                        <p:tgtEl>
+                                          <p:spTgt spid="7"/>
+                                        </p:tgtEl>
+                                        <p:attrNameLst>
+                                          <p:attrName>style.visibility</p:attrName>
+                                        </p:attrNameLst>
+                                      </p:cBhvr>
+                                      <p:to>
+                                        <p:strVal val="visible"/>
+                                      </p:to>
+                                    </p:set>
+                                    <p:animEffect transition="in" filter="fade">
+                                      <p:cBhvr>
+                                        <p:cTn id="14" dur="500"/>
+                                        <p:tgtEl>
+                                          <p:spTgt spid="7"/>
+                                        </p:tgtEl>
+                                      </p:cBhvr>
+                                    </p:animEffect>
+                                  </p:childTnLst>
+                                </p:cTn>
+                              </p:par>
+                            </p:childTnLst>
+                          </p:cTn>
+                        </p:par>
+                        <p:par>
+                          <p:cTn id="15" fill="hold">
+                            <p:stCondLst>
+                              <p:cond delay="1000"/>
+                            </p:stCondLst>
+                            <p:childTnLst>
+                              <p:par>
+                                <p:cTn id="16" presetID="10" presetClass="entr" presetSubtype="0" fill="hold" grpId="0" nodeType="afterEffect">
+                                  <p:stCondLst>
+                                    <p:cond delay="0"/>
+                                  </p:stCondLst>
+                                  <p:childTnLst>
+                                    <p:set>
+                                      <p:cBhvr>
+                                        <p:cTn id="17" dur="1" fill="hold">
+                                          <p:stCondLst>
+                                            <p:cond delay="0"/>
+                                          </p:stCondLst>
+                                        </p:cTn>
+                                        <p:tgtEl>
+                                          <p:spTgt spid="8"/>
+                                        </p:tgtEl>
+                                        <p:attrNameLst>
+                                          <p:attrName>style.visibility</p:attrName>
+                                        </p:attrNameLst>
+                                      </p:cBhvr>
+                                      <p:to>
+                                        <p:strVal val="visible"/>
+                                      </p:to>
+                                    </p:set>
+                                    <p:animEffect transition="in" filter="fade">
+                                      <p:cBhvr>
+                                        <p:cTn id="18" dur="500"/>
+                                        <p:tgtEl>
+                                          <p:spTgt spid="8"/>
+                                        </p:tgtEl>
+                                      </p:cBhvr>
+                                    </p:animEffect>
+                                  </p:childTnLst>
+                                </p:cTn>
+                              </p:par>
+                              <p:par>
+                                <p:cTn id="19" presetID="10" presetClass="entr" presetSubtype="0" fill="hold" grpId="0" nodeType="withEffect">
+                                  <p:stCondLst>
+                                    <p:cond delay="0"/>
+                                  </p:stCondLst>
+                                  <p:childTnLst>
+                                    <p:set>
+                                      <p:cBhvr>
+                                        <p:cTn id="20" dur="1" fill="hold">
+                                          <p:stCondLst>
+                                            <p:cond delay="0"/>
+                                          </p:stCondLst>
+                                        </p:cTn>
+                                        <p:tgtEl>
+                                          <p:spTgt spid="9"/>
+                                        </p:tgtEl>
+                                        <p:attrNameLst>
+                                          <p:attrName>style.visibility</p:attrName>
+                                        </p:attrNameLst>
+                                      </p:cBhvr>
+                                      <p:to>
+                                        <p:strVal val="visible"/>
+                                      </p:to>
+                                    </p:set>
+                                    <p:animEffect transition="in" filter="fade">
+                                      <p:cBhvr>
+                                        <p:cTn id="21" dur="500"/>
+                                        <p:tgtEl>
+                                          <p:spTgt spid="9"/>
+                                        </p:tgtEl>
+                                      </p:cBhvr>
+                                    </p:animEffect>
+                                  </p:childTnLst>
+                                </p:cTn>
+                              </p:par>
+                              <p:par>
+                                <p:cTn id="22" presetID="10" presetClass="entr" presetSubtype="0" fill="hold" grpId="0" nodeType="withEffect">
+                                  <p:stCondLst>
+                                    <p:cond delay="0"/>
+                                  </p:stCondLst>
+                                  <p:childTnLst>
+                                    <p:set>
+                                      <p:cBhvr>
+                                        <p:cTn id="23" dur="1" fill="hold">
+                                          <p:stCondLst>
+                                            <p:cond delay="0"/>
+                                          </p:stCondLst>
+                                        </p:cTn>
+                                        <p:tgtEl>
+                                          <p:spTgt spid="10"/>
+                                        </p:tgtEl>
+                                        <p:attrNameLst>
+                                          <p:attrName>style.visibility</p:attrName>
+                                        </p:attrNameLst>
+                                      </p:cBhvr>
+                                      <p:to>
+                                        <p:strVal val="visible"/>
+                                      </p:to>
+                                    </p:set>
+                                    <p:animEffect transition="in" filter="fade">
+                                      <p:cBhvr>
+                                        <p:cTn id="24" dur="500"/>
+                                        <p:tgtEl>
+                                          <p:spTgt spid="10"/>
+                                        </p:tgtEl>
+                                      </p:cBhvr>
+                                    </p:animEffect>
+                                  </p:childTnLst>
+                                </p:cTn>
+                              </p:par>
+                            </p:childTnLst>
+                          </p:cTn>
+                        </p:par>
+                      </p:childTnLst>
+                    </p:cTn>
+                  </p:par>
+                  <p:par>
+                    <p:cTn id="25" fill="hold">
+                      <p:stCondLst>
+                        <p:cond delay="indefinite"/>
+                      </p:stCondLst>
+                      <p:childTnLst>
+                        <p:par>
+                          <p:cTn id="26" fill="hold">
+                            <p:stCondLst>
+                              <p:cond delay="0"/>
+                            </p:stCondLst>
+                            <p:childTnLst>
+                              <p:par>
+                                <p:cTn id="27" presetID="22" presetClass="entr" presetSubtype="1" fill="hold" nodeType="clickEffect">
+                                  <p:stCondLst>
+                                    <p:cond delay="0"/>
+                                  </p:stCondLst>
+                                  <p:childTnLst>
+                                    <p:set>
+                                      <p:cBhvr>
+                                        <p:cTn id="28" dur="1" fill="hold">
+                                          <p:stCondLst>
+                                            <p:cond delay="0"/>
+                                          </p:stCondLst>
+                                        </p:cTn>
+                                        <p:tgtEl>
+                                          <p:spTgt spid="15"/>
+                                        </p:tgtEl>
+                                        <p:attrNameLst>
+                                          <p:attrName>style.visibility</p:attrName>
+                                        </p:attrNameLst>
+                                      </p:cBhvr>
+                                      <p:to>
+                                        <p:strVal val="visible"/>
+                                      </p:to>
+                                    </p:set>
+                                    <p:animEffect transition="in" filter="wipe(up)">
+                                      <p:cBhvr>
+                                        <p:cTn id="29" dur="500"/>
+                                        <p:tgtEl>
+                                          <p:spTgt spid="15"/>
+                                        </p:tgtEl>
+                                      </p:cBhvr>
+                                    </p:animEffect>
+                                  </p:childTnLst>
+                                </p:cTn>
+                              </p:par>
+                            </p:childTnLst>
+                          </p:cTn>
+                        </p:par>
+                        <p:par>
+                          <p:cTn id="30" fill="hold">
+                            <p:stCondLst>
+                              <p:cond delay="500"/>
+                            </p:stCondLst>
+                            <p:childTnLst>
+                              <p:par>
+                                <p:cTn id="31" presetID="22" presetClass="entr" presetSubtype="2" fill="hold" nodeType="afterEffect">
+                                  <p:stCondLst>
+                                    <p:cond delay="0"/>
+                                  </p:stCondLst>
+                                  <p:childTnLst>
+                                    <p:set>
+                                      <p:cBhvr>
+                                        <p:cTn id="32" dur="1" fill="hold">
+                                          <p:stCondLst>
+                                            <p:cond delay="0"/>
+                                          </p:stCondLst>
+                                        </p:cTn>
+                                        <p:tgtEl>
+                                          <p:spTgt spid="17"/>
+                                        </p:tgtEl>
+                                        <p:attrNameLst>
+                                          <p:attrName>style.visibility</p:attrName>
+                                        </p:attrNameLst>
+                                      </p:cBhvr>
+                                      <p:to>
+                                        <p:strVal val="visible"/>
+                                      </p:to>
+                                    </p:set>
+                                    <p:animEffect transition="in" filter="wipe(right)">
+                                      <p:cBhvr>
+                                        <p:cTn id="33" dur="500"/>
+                                        <p:tgtEl>
+                                          <p:spTgt spid="17"/>
+                                        </p:tgtEl>
+                                      </p:cBhvr>
+                                    </p:animEffect>
+                                  </p:childTnLst>
+                                </p:cTn>
+                              </p:par>
+                            </p:childTnLst>
+                          </p:cTn>
+                        </p:par>
+                        <p:par>
+                          <p:cTn id="34" fill="hold">
+                            <p:stCondLst>
+                              <p:cond delay="1000"/>
+                            </p:stCondLst>
+                            <p:childTnLst>
+                              <p:par>
+                                <p:cTn id="35" presetID="22" presetClass="entr" presetSubtype="4" fill="hold" nodeType="afterEffect">
+                                  <p:stCondLst>
+                                    <p:cond delay="0"/>
+                                  </p:stCondLst>
+                                  <p:childTnLst>
+                                    <p:set>
+                                      <p:cBhvr>
+                                        <p:cTn id="36" dur="1" fill="hold">
+                                          <p:stCondLst>
+                                            <p:cond delay="0"/>
+                                          </p:stCondLst>
+                                        </p:cTn>
+                                        <p:tgtEl>
+                                          <p:spTgt spid="19"/>
+                                        </p:tgtEl>
+                                        <p:attrNameLst>
+                                          <p:attrName>style.visibility</p:attrName>
+                                        </p:attrNameLst>
+                                      </p:cBhvr>
+                                      <p:to>
+                                        <p:strVal val="visible"/>
+                                      </p:to>
+                                    </p:set>
+                                    <p:animEffect transition="in" filter="wipe(down)">
+                                      <p:cBhvr>
+                                        <p:cTn id="37" dur="500"/>
+                                        <p:tgtEl>
+                                          <p:spTgt spid="19"/>
+                                        </p:tgtEl>
+                                      </p:cBhvr>
+                                    </p:animEffect>
+                                  </p:childTnLst>
+                                </p:cTn>
+                              </p:par>
+                              <p:par>
+                                <p:cTn id="38" presetID="49" presetClass="entr" presetSubtype="0" decel="100000" fill="hold" grpId="0" nodeType="withEffect">
+                                  <p:stCondLst>
+                                    <p:cond delay="300"/>
+                                  </p:stCondLst>
+                                  <p:childTnLst>
+                                    <p:set>
+                                      <p:cBhvr>
+                                        <p:cTn id="39" dur="1" fill="hold">
+                                          <p:stCondLst>
+                                            <p:cond delay="0"/>
+                                          </p:stCondLst>
+                                        </p:cTn>
+                                        <p:tgtEl>
+                                          <p:spTgt spid="20"/>
+                                        </p:tgtEl>
+                                        <p:attrNameLst>
+                                          <p:attrName>style.visibility</p:attrName>
+                                        </p:attrNameLst>
+                                      </p:cBhvr>
+                                      <p:to>
+                                        <p:strVal val="visible"/>
+                                      </p:to>
+                                    </p:set>
+                                    <p:anim calcmode="lin" valueType="num">
+                                      <p:cBhvr>
+                                        <p:cTn id="40" dur="500" fill="hold"/>
+                                        <p:tgtEl>
+                                          <p:spTgt spid="20"/>
+                                        </p:tgtEl>
+                                        <p:attrNameLst>
+                                          <p:attrName>ppt_w</p:attrName>
+                                        </p:attrNameLst>
+                                      </p:cBhvr>
+                                      <p:tavLst>
+                                        <p:tav tm="0">
+                                          <p:val>
+                                            <p:fltVal val="0"/>
+                                          </p:val>
+                                        </p:tav>
+                                        <p:tav tm="100000">
+                                          <p:val>
+                                            <p:strVal val="#ppt_w"/>
+                                          </p:val>
+                                        </p:tav>
+                                      </p:tavLst>
+                                    </p:anim>
+                                    <p:anim calcmode="lin" valueType="num">
+                                      <p:cBhvr>
+                                        <p:cTn id="41" dur="500" fill="hold"/>
+                                        <p:tgtEl>
+                                          <p:spTgt spid="20"/>
+                                        </p:tgtEl>
+                                        <p:attrNameLst>
+                                          <p:attrName>ppt_h</p:attrName>
+                                        </p:attrNameLst>
+                                      </p:cBhvr>
+                                      <p:tavLst>
+                                        <p:tav tm="0">
+                                          <p:val>
+                                            <p:fltVal val="0"/>
+                                          </p:val>
+                                        </p:tav>
+                                        <p:tav tm="100000">
+                                          <p:val>
+                                            <p:strVal val="#ppt_h"/>
+                                          </p:val>
+                                        </p:tav>
+                                      </p:tavLst>
+                                    </p:anim>
+                                    <p:anim calcmode="lin" valueType="num">
+                                      <p:cBhvr>
+                                        <p:cTn id="42" dur="500" fill="hold"/>
+                                        <p:tgtEl>
+                                          <p:spTgt spid="20"/>
+                                        </p:tgtEl>
+                                        <p:attrNameLst>
+                                          <p:attrName>style.rotation</p:attrName>
+                                        </p:attrNameLst>
+                                      </p:cBhvr>
+                                      <p:tavLst>
+                                        <p:tav tm="0">
+                                          <p:val>
+                                            <p:fltVal val="360"/>
+                                          </p:val>
+                                        </p:tav>
+                                        <p:tav tm="100000">
+                                          <p:val>
+                                            <p:fltVal val="0"/>
+                                          </p:val>
+                                        </p:tav>
+                                      </p:tavLst>
+                                    </p:anim>
+                                    <p:animEffect transition="in" filter="fade">
+                                      <p:cBhvr>
+                                        <p:cTn id="43" dur="500"/>
+                                        <p:tgtEl>
+                                          <p:spTgt spid="20"/>
+                                        </p:tgtEl>
+                                      </p:cBhvr>
+                                    </p:animEffect>
+                                  </p:childTnLst>
+                                </p:cTn>
+                              </p:par>
+                            </p:childTnLst>
+                          </p:cTn>
+                        </p:par>
+                        <p:par>
+                          <p:cTn id="44" fill="hold">
+                            <p:stCondLst>
+                              <p:cond delay="1800"/>
+                            </p:stCondLst>
+                            <p:childTnLst>
+                              <p:par>
+                                <p:cTn id="45" presetID="22" presetClass="entr" presetSubtype="4" fill="hold" nodeType="afterEffect">
+                                  <p:stCondLst>
+                                    <p:cond delay="0"/>
+                                  </p:stCondLst>
+                                  <p:childTnLst>
+                                    <p:set>
+                                      <p:cBhvr>
+                                        <p:cTn id="46" dur="1" fill="hold">
+                                          <p:stCondLst>
+                                            <p:cond delay="0"/>
+                                          </p:stCondLst>
+                                        </p:cTn>
+                                        <p:tgtEl>
+                                          <p:spTgt spid="25"/>
+                                        </p:tgtEl>
+                                        <p:attrNameLst>
+                                          <p:attrName>style.visibility</p:attrName>
+                                        </p:attrNameLst>
+                                      </p:cBhvr>
+                                      <p:to>
+                                        <p:strVal val="visible"/>
+                                      </p:to>
+                                    </p:set>
+                                    <p:animEffect transition="in" filter="wipe(down)">
+                                      <p:cBhvr>
+                                        <p:cTn id="47" dur="500"/>
+                                        <p:tgtEl>
+                                          <p:spTgt spid="25"/>
+                                        </p:tgtEl>
+                                      </p:cBhvr>
+                                    </p:animEffect>
+                                  </p:childTnLst>
+                                </p:cTn>
+                              </p:par>
+                              <p:par>
+                                <p:cTn id="48" presetID="49" presetClass="entr" presetSubtype="0" decel="100000" fill="hold" grpId="0" nodeType="withEffect">
+                                  <p:stCondLst>
+                                    <p:cond delay="300"/>
+                                  </p:stCondLst>
+                                  <p:childTnLst>
+                                    <p:set>
+                                      <p:cBhvr>
+                                        <p:cTn id="49" dur="1" fill="hold">
+                                          <p:stCondLst>
+                                            <p:cond delay="0"/>
+                                          </p:stCondLst>
+                                        </p:cTn>
+                                        <p:tgtEl>
+                                          <p:spTgt spid="26"/>
+                                        </p:tgtEl>
+                                        <p:attrNameLst>
+                                          <p:attrName>style.visibility</p:attrName>
+                                        </p:attrNameLst>
+                                      </p:cBhvr>
+                                      <p:to>
+                                        <p:strVal val="visible"/>
+                                      </p:to>
+                                    </p:set>
+                                    <p:anim calcmode="lin" valueType="num">
+                                      <p:cBhvr>
+                                        <p:cTn id="50" dur="500" fill="hold"/>
+                                        <p:tgtEl>
+                                          <p:spTgt spid="26"/>
+                                        </p:tgtEl>
+                                        <p:attrNameLst>
+                                          <p:attrName>ppt_w</p:attrName>
+                                        </p:attrNameLst>
+                                      </p:cBhvr>
+                                      <p:tavLst>
+                                        <p:tav tm="0">
+                                          <p:val>
+                                            <p:fltVal val="0"/>
+                                          </p:val>
+                                        </p:tav>
+                                        <p:tav tm="100000">
+                                          <p:val>
+                                            <p:strVal val="#ppt_w"/>
+                                          </p:val>
+                                        </p:tav>
+                                      </p:tavLst>
+                                    </p:anim>
+                                    <p:anim calcmode="lin" valueType="num">
+                                      <p:cBhvr>
+                                        <p:cTn id="51" dur="500" fill="hold"/>
+                                        <p:tgtEl>
+                                          <p:spTgt spid="26"/>
+                                        </p:tgtEl>
+                                        <p:attrNameLst>
+                                          <p:attrName>ppt_h</p:attrName>
+                                        </p:attrNameLst>
+                                      </p:cBhvr>
+                                      <p:tavLst>
+                                        <p:tav tm="0">
+                                          <p:val>
+                                            <p:fltVal val="0"/>
+                                          </p:val>
+                                        </p:tav>
+                                        <p:tav tm="100000">
+                                          <p:val>
+                                            <p:strVal val="#ppt_h"/>
+                                          </p:val>
+                                        </p:tav>
+                                      </p:tavLst>
+                                    </p:anim>
+                                    <p:anim calcmode="lin" valueType="num">
+                                      <p:cBhvr>
+                                        <p:cTn id="52" dur="500" fill="hold"/>
+                                        <p:tgtEl>
+                                          <p:spTgt spid="26"/>
+                                        </p:tgtEl>
+                                        <p:attrNameLst>
+                                          <p:attrName>style.rotation</p:attrName>
+                                        </p:attrNameLst>
+                                      </p:cBhvr>
+                                      <p:tavLst>
+                                        <p:tav tm="0">
+                                          <p:val>
+                                            <p:fltVal val="360"/>
+                                          </p:val>
+                                        </p:tav>
+                                        <p:tav tm="100000">
+                                          <p:val>
+                                            <p:fltVal val="0"/>
+                                          </p:val>
+                                        </p:tav>
+                                      </p:tavLst>
+                                    </p:anim>
+                                    <p:animEffect transition="in" filter="fade">
+                                      <p:cBhvr>
+                                        <p:cTn id="53" dur="500"/>
+                                        <p:tgtEl>
+                                          <p:spTgt spid="26"/>
+                                        </p:tgtEl>
+                                      </p:cBhvr>
+                                    </p:animEffect>
+                                  </p:childTnLst>
+                                </p:cTn>
+                              </p:par>
+                            </p:childTnLst>
+                          </p:cTn>
+                        </p:par>
+                        <p:par>
+                          <p:cTn id="54" fill="hold">
+                            <p:stCondLst>
+                              <p:cond delay="2600"/>
+                            </p:stCondLst>
+                            <p:childTnLst>
+                              <p:par>
+                                <p:cTn id="55" presetID="22" presetClass="entr" presetSubtype="4" fill="hold" nodeType="afterEffect">
+                                  <p:stCondLst>
+                                    <p:cond delay="0"/>
+                                  </p:stCondLst>
+                                  <p:childTnLst>
+                                    <p:set>
+                                      <p:cBhvr>
+                                        <p:cTn id="56" dur="1" fill="hold">
+                                          <p:stCondLst>
+                                            <p:cond delay="0"/>
+                                          </p:stCondLst>
+                                        </p:cTn>
+                                        <p:tgtEl>
+                                          <p:spTgt spid="27"/>
+                                        </p:tgtEl>
+                                        <p:attrNameLst>
+                                          <p:attrName>style.visibility</p:attrName>
+                                        </p:attrNameLst>
+                                      </p:cBhvr>
+                                      <p:to>
+                                        <p:strVal val="visible"/>
+                                      </p:to>
+                                    </p:set>
+                                    <p:animEffect transition="in" filter="wipe(down)">
+                                      <p:cBhvr>
+                                        <p:cTn id="57" dur="500"/>
+                                        <p:tgtEl>
+                                          <p:spTgt spid="27"/>
+                                        </p:tgtEl>
+                                      </p:cBhvr>
+                                    </p:animEffect>
+                                  </p:childTnLst>
+                                </p:cTn>
+                              </p:par>
+                              <p:par>
+                                <p:cTn id="58" presetID="49" presetClass="entr" presetSubtype="0" decel="100000" fill="hold" grpId="0" nodeType="withEffect">
+                                  <p:stCondLst>
+                                    <p:cond delay="300"/>
+                                  </p:stCondLst>
+                                  <p:childTnLst>
+                                    <p:set>
+                                      <p:cBhvr>
+                                        <p:cTn id="59" dur="1" fill="hold">
+                                          <p:stCondLst>
+                                            <p:cond delay="0"/>
+                                          </p:stCondLst>
+                                        </p:cTn>
+                                        <p:tgtEl>
+                                          <p:spTgt spid="28"/>
+                                        </p:tgtEl>
+                                        <p:attrNameLst>
+                                          <p:attrName>style.visibility</p:attrName>
+                                        </p:attrNameLst>
+                                      </p:cBhvr>
+                                      <p:to>
+                                        <p:strVal val="visible"/>
+                                      </p:to>
+                                    </p:set>
+                                    <p:anim calcmode="lin" valueType="num">
+                                      <p:cBhvr>
+                                        <p:cTn id="60" dur="500" fill="hold"/>
+                                        <p:tgtEl>
+                                          <p:spTgt spid="28"/>
+                                        </p:tgtEl>
+                                        <p:attrNameLst>
+                                          <p:attrName>ppt_w</p:attrName>
+                                        </p:attrNameLst>
+                                      </p:cBhvr>
+                                      <p:tavLst>
+                                        <p:tav tm="0">
+                                          <p:val>
+                                            <p:fltVal val="0"/>
+                                          </p:val>
+                                        </p:tav>
+                                        <p:tav tm="100000">
+                                          <p:val>
+                                            <p:strVal val="#ppt_w"/>
+                                          </p:val>
+                                        </p:tav>
+                                      </p:tavLst>
+                                    </p:anim>
+                                    <p:anim calcmode="lin" valueType="num">
+                                      <p:cBhvr>
+                                        <p:cTn id="61" dur="500" fill="hold"/>
+                                        <p:tgtEl>
+                                          <p:spTgt spid="28"/>
+                                        </p:tgtEl>
+                                        <p:attrNameLst>
+                                          <p:attrName>ppt_h</p:attrName>
+                                        </p:attrNameLst>
+                                      </p:cBhvr>
+                                      <p:tavLst>
+                                        <p:tav tm="0">
+                                          <p:val>
+                                            <p:fltVal val="0"/>
+                                          </p:val>
+                                        </p:tav>
+                                        <p:tav tm="100000">
+                                          <p:val>
+                                            <p:strVal val="#ppt_h"/>
+                                          </p:val>
+                                        </p:tav>
+                                      </p:tavLst>
+                                    </p:anim>
+                                    <p:anim calcmode="lin" valueType="num">
+                                      <p:cBhvr>
+                                        <p:cTn id="62" dur="500" fill="hold"/>
+                                        <p:tgtEl>
+                                          <p:spTgt spid="28"/>
+                                        </p:tgtEl>
+                                        <p:attrNameLst>
+                                          <p:attrName>style.rotation</p:attrName>
+                                        </p:attrNameLst>
+                                      </p:cBhvr>
+                                      <p:tavLst>
+                                        <p:tav tm="0">
+                                          <p:val>
+                                            <p:fltVal val="360"/>
+                                          </p:val>
+                                        </p:tav>
+                                        <p:tav tm="100000">
+                                          <p:val>
+                                            <p:fltVal val="0"/>
+                                          </p:val>
+                                        </p:tav>
+                                      </p:tavLst>
+                                    </p:anim>
+                                    <p:animEffect transition="in" filter="fade">
+                                      <p:cBhvr>
+                                        <p:cTn id="63" dur="500"/>
+                                        <p:tgtEl>
+                                          <p:spTgt spid="28"/>
+                                        </p:tgtEl>
+                                      </p:cBhvr>
+                                    </p:animEffect>
+                                  </p:childTnLst>
+                                </p:cTn>
+                              </p:par>
+                            </p:childTnLst>
+                          </p:cTn>
+                        </p:par>
+                        <p:par>
+                          <p:cTn id="64" fill="hold">
+                            <p:stCondLst>
+                              <p:cond delay="3400"/>
+                            </p:stCondLst>
+                            <p:childTnLst>
+                              <p:par>
+                                <p:cTn id="65" presetID="22" presetClass="entr" presetSubtype="4" fill="hold" nodeType="afterEffect">
+                                  <p:stCondLst>
+                                    <p:cond delay="0"/>
+                                  </p:stCondLst>
+                                  <p:childTnLst>
+                                    <p:set>
+                                      <p:cBhvr>
+                                        <p:cTn id="66" dur="1" fill="hold">
+                                          <p:stCondLst>
+                                            <p:cond delay="0"/>
+                                          </p:stCondLst>
+                                        </p:cTn>
+                                        <p:tgtEl>
+                                          <p:spTgt spid="29"/>
+                                        </p:tgtEl>
+                                        <p:attrNameLst>
+                                          <p:attrName>style.visibility</p:attrName>
+                                        </p:attrNameLst>
+                                      </p:cBhvr>
+                                      <p:to>
+                                        <p:strVal val="visible"/>
+                                      </p:to>
+                                    </p:set>
+                                    <p:animEffect transition="in" filter="wipe(down)">
+                                      <p:cBhvr>
+                                        <p:cTn id="67" dur="500"/>
+                                        <p:tgtEl>
+                                          <p:spTgt spid="29"/>
+                                        </p:tgtEl>
+                                      </p:cBhvr>
+                                    </p:animEffect>
+                                  </p:childTnLst>
+                                </p:cTn>
+                              </p:par>
+                              <p:par>
+                                <p:cTn id="68" presetID="49" presetClass="entr" presetSubtype="0" decel="100000" fill="hold" grpId="0" nodeType="withEffect">
+                                  <p:stCondLst>
+                                    <p:cond delay="300"/>
+                                  </p:stCondLst>
+                                  <p:childTnLst>
+                                    <p:set>
+                                      <p:cBhvr>
+                                        <p:cTn id="69" dur="1" fill="hold">
+                                          <p:stCondLst>
+                                            <p:cond delay="0"/>
+                                          </p:stCondLst>
+                                        </p:cTn>
+                                        <p:tgtEl>
+                                          <p:spTgt spid="30"/>
+                                        </p:tgtEl>
+                                        <p:attrNameLst>
+                                          <p:attrName>style.visibility</p:attrName>
+                                        </p:attrNameLst>
+                                      </p:cBhvr>
+                                      <p:to>
+                                        <p:strVal val="visible"/>
+                                      </p:to>
+                                    </p:set>
+                                    <p:anim calcmode="lin" valueType="num">
+                                      <p:cBhvr>
+                                        <p:cTn id="70" dur="500" fill="hold"/>
+                                        <p:tgtEl>
+                                          <p:spTgt spid="30"/>
+                                        </p:tgtEl>
+                                        <p:attrNameLst>
+                                          <p:attrName>ppt_w</p:attrName>
+                                        </p:attrNameLst>
+                                      </p:cBhvr>
+                                      <p:tavLst>
+                                        <p:tav tm="0">
+                                          <p:val>
+                                            <p:fltVal val="0"/>
+                                          </p:val>
+                                        </p:tav>
+                                        <p:tav tm="100000">
+                                          <p:val>
+                                            <p:strVal val="#ppt_w"/>
+                                          </p:val>
+                                        </p:tav>
+                                      </p:tavLst>
+                                    </p:anim>
+                                    <p:anim calcmode="lin" valueType="num">
+                                      <p:cBhvr>
+                                        <p:cTn id="71" dur="500" fill="hold"/>
+                                        <p:tgtEl>
+                                          <p:spTgt spid="30"/>
+                                        </p:tgtEl>
+                                        <p:attrNameLst>
+                                          <p:attrName>ppt_h</p:attrName>
+                                        </p:attrNameLst>
+                                      </p:cBhvr>
+                                      <p:tavLst>
+                                        <p:tav tm="0">
+                                          <p:val>
+                                            <p:fltVal val="0"/>
+                                          </p:val>
+                                        </p:tav>
+                                        <p:tav tm="100000">
+                                          <p:val>
+                                            <p:strVal val="#ppt_h"/>
+                                          </p:val>
+                                        </p:tav>
+                                      </p:tavLst>
+                                    </p:anim>
+                                    <p:anim calcmode="lin" valueType="num">
+                                      <p:cBhvr>
+                                        <p:cTn id="72" dur="500" fill="hold"/>
+                                        <p:tgtEl>
+                                          <p:spTgt spid="30"/>
+                                        </p:tgtEl>
+                                        <p:attrNameLst>
+                                          <p:attrName>style.rotation</p:attrName>
+                                        </p:attrNameLst>
+                                      </p:cBhvr>
+                                      <p:tavLst>
+                                        <p:tav tm="0">
+                                          <p:val>
+                                            <p:fltVal val="360"/>
+                                          </p:val>
+                                        </p:tav>
+                                        <p:tav tm="100000">
+                                          <p:val>
+                                            <p:fltVal val="0"/>
+                                          </p:val>
+                                        </p:tav>
+                                      </p:tavLst>
+                                    </p:anim>
+                                    <p:animEffect transition="in" filter="fade">
+                                      <p:cBhvr>
+                                        <p:cTn id="73" dur="500"/>
+                                        <p:tgtEl>
+                                          <p:spTgt spid="30"/>
+                                        </p:tgtEl>
+                                      </p:cBhvr>
+                                    </p:animEffect>
+                                  </p:childTnLst>
+                                </p:cTn>
+                              </p:par>
+                            </p:childTnLst>
+                          </p:cTn>
+                        </p:par>
+                      </p:childTnLst>
+                    </p:cTn>
+                  </p:par>
+                  <p:par>
+                    <p:cTn id="74" fill="hold">
+                      <p:stCondLst>
+                        <p:cond delay="indefinite"/>
+                      </p:stCondLst>
+                      <p:childTnLst>
+                        <p:par>
+                          <p:cTn id="75" fill="hold">
+                            <p:stCondLst>
+                              <p:cond delay="0"/>
+                            </p:stCondLst>
+                            <p:childTnLst>
+                              <p:par>
+                                <p:cTn id="76" presetID="10" presetClass="entr" presetSubtype="0" fill="hold" grpId="0" nodeType="clickEffect">
+                                  <p:stCondLst>
+                                    <p:cond delay="0"/>
+                                  </p:stCondLst>
+                                  <p:childTnLst>
+                                    <p:set>
+                                      <p:cBhvr>
+                                        <p:cTn id="77" dur="1" fill="hold">
+                                          <p:stCondLst>
+                                            <p:cond delay="0"/>
+                                          </p:stCondLst>
+                                        </p:cTn>
+                                        <p:tgtEl>
+                                          <p:spTgt spid="34"/>
+                                        </p:tgtEl>
+                                        <p:attrNameLst>
+                                          <p:attrName>style.visibility</p:attrName>
+                                        </p:attrNameLst>
+                                      </p:cBhvr>
+                                      <p:to>
+                                        <p:strVal val="visible"/>
+                                      </p:to>
+                                    </p:set>
+                                    <p:animEffect transition="in" filter="fade">
+                                      <p:cBhvr>
+                                        <p:cTn id="78" dur="500"/>
+                                        <p:tgtEl>
+                                          <p:spTgt spid="34"/>
+                                        </p:tgtEl>
+                                      </p:cBhvr>
+                                    </p:animEffect>
+                                  </p:childTnLst>
+                                </p:cTn>
+                              </p:par>
+                            </p:childTnLst>
+                          </p:cTn>
+                        </p:par>
+                        <p:par>
+                          <p:cTn id="79" fill="hold">
+                            <p:stCondLst>
+                              <p:cond delay="500"/>
+                            </p:stCondLst>
+                            <p:childTnLst>
+                              <p:par>
+                                <p:cTn id="80" presetID="10" presetClass="entr" presetSubtype="0" fill="hold" grpId="0" nodeType="afterEffect">
+                                  <p:stCondLst>
+                                    <p:cond delay="0"/>
+                                  </p:stCondLst>
+                                  <p:childTnLst>
+                                    <p:set>
+                                      <p:cBhvr>
+                                        <p:cTn id="81" dur="1" fill="hold">
+                                          <p:stCondLst>
+                                            <p:cond delay="0"/>
+                                          </p:stCondLst>
+                                        </p:cTn>
+                                        <p:tgtEl>
+                                          <p:spTgt spid="35"/>
+                                        </p:tgtEl>
+                                        <p:attrNameLst>
+                                          <p:attrName>style.visibility</p:attrName>
+                                        </p:attrNameLst>
+                                      </p:cBhvr>
+                                      <p:to>
+                                        <p:strVal val="visible"/>
+                                      </p:to>
+                                    </p:set>
+                                    <p:animEffect transition="in" filter="fade">
+                                      <p:cBhvr>
+                                        <p:cTn id="82" dur="500"/>
+                                        <p:tgtEl>
+                                          <p:spTgt spid="35"/>
+                                        </p:tgtEl>
+                                      </p:cBhvr>
+                                    </p:animEffect>
+                                  </p:childTnLst>
+                                </p:cTn>
+                              </p:par>
+                            </p:childTnLst>
+                          </p:cTn>
+                        </p:par>
+                        <p:par>
+                          <p:cTn id="83" fill="hold">
+                            <p:stCondLst>
+                              <p:cond delay="1000"/>
+                            </p:stCondLst>
+                            <p:childTnLst>
+                              <p:par>
+                                <p:cTn id="84" presetID="10" presetClass="entr" presetSubtype="0" fill="hold" grpId="0" nodeType="afterEffect">
+                                  <p:stCondLst>
+                                    <p:cond delay="0"/>
+                                  </p:stCondLst>
+                                  <p:childTnLst>
+                                    <p:set>
+                                      <p:cBhvr>
+                                        <p:cTn id="85" dur="1" fill="hold">
+                                          <p:stCondLst>
+                                            <p:cond delay="0"/>
+                                          </p:stCondLst>
+                                        </p:cTn>
+                                        <p:tgtEl>
+                                          <p:spTgt spid="36"/>
+                                        </p:tgtEl>
+                                        <p:attrNameLst>
+                                          <p:attrName>style.visibility</p:attrName>
+                                        </p:attrNameLst>
+                                      </p:cBhvr>
+                                      <p:to>
+                                        <p:strVal val="visible"/>
+                                      </p:to>
+                                    </p:set>
+                                    <p:animEffect transition="in" filter="fade">
+                                      <p:cBhvr>
+                                        <p:cTn id="86" dur="500"/>
+                                        <p:tgtEl>
+                                          <p:spTgt spid="36"/>
+                                        </p:tgtEl>
+                                      </p:cBhvr>
+                                    </p:animEffect>
+                                  </p:childTnLst>
+                                </p:cTn>
+                              </p:par>
+                            </p:childTnLst>
+                          </p:cTn>
+                        </p:par>
+                        <p:par>
+                          <p:cTn id="87" fill="hold">
+                            <p:stCondLst>
+                              <p:cond delay="1500"/>
+                            </p:stCondLst>
+                            <p:childTnLst>
+                              <p:par>
+                                <p:cTn id="88" presetID="10" presetClass="entr" presetSubtype="0" fill="hold" grpId="0" nodeType="afterEffect">
+                                  <p:stCondLst>
+                                    <p:cond delay="0"/>
+                                  </p:stCondLst>
+                                  <p:childTnLst>
+                                    <p:set>
+                                      <p:cBhvr>
+                                        <p:cTn id="89" dur="1" fill="hold">
+                                          <p:stCondLst>
+                                            <p:cond delay="0"/>
+                                          </p:stCondLst>
+                                        </p:cTn>
+                                        <p:tgtEl>
+                                          <p:spTgt spid="37"/>
+                                        </p:tgtEl>
+                                        <p:attrNameLst>
+                                          <p:attrName>style.visibility</p:attrName>
+                                        </p:attrNameLst>
+                                      </p:cBhvr>
+                                      <p:to>
+                                        <p:strVal val="visible"/>
+                                      </p:to>
+                                    </p:set>
+                                    <p:animEffect transition="in" filter="fade">
+                                      <p:cBhvr>
+                                        <p:cTn id="90" dur="500"/>
+                                        <p:tgtEl>
+                                          <p:spTgt spid="37"/>
+                                        </p:tgtEl>
+                                      </p:cBhvr>
+                                    </p:animEffect>
+                                  </p:childTnLst>
+                                </p:cTn>
+                              </p:par>
+                              <p:par>
+                                <p:cTn id="91" presetID="22" presetClass="entr" presetSubtype="4" fill="hold" grpId="0" nodeType="withEffect">
+                                  <p:stCondLst>
+                                    <p:cond delay="0"/>
+                                  </p:stCondLst>
+                                  <p:childTnLst>
+                                    <p:set>
+                                      <p:cBhvr>
+                                        <p:cTn id="92" dur="1" fill="hold">
+                                          <p:stCondLst>
+                                            <p:cond delay="0"/>
+                                          </p:stCondLst>
+                                        </p:cTn>
+                                        <p:tgtEl>
+                                          <p:spTgt spid="44"/>
+                                        </p:tgtEl>
+                                        <p:attrNameLst>
+                                          <p:attrName>style.visibility</p:attrName>
+                                        </p:attrNameLst>
+                                      </p:cBhvr>
+                                      <p:to>
+                                        <p:strVal val="visible"/>
+                                      </p:to>
+                                    </p:set>
+                                    <p:animEffect transition="in" filter="wipe(down)">
+                                      <p:cBhvr>
+                                        <p:cTn id="93" dur="500"/>
+                                        <p:tgtEl>
+                                          <p:spTgt spid="44"/>
+                                        </p:tgtEl>
+                                      </p:cBhvr>
+                                    </p:animEffect>
+                                  </p:childTnLst>
+                                </p:cTn>
+                              </p:par>
+                            </p:childTnLst>
+                          </p:cTn>
+                        </p:par>
+                        <p:par>
+                          <p:cTn id="94" fill="hold">
+                            <p:stCondLst>
+                              <p:cond delay="2000"/>
+                            </p:stCondLst>
+                            <p:childTnLst>
+                              <p:par>
+                                <p:cTn id="95" presetID="22" presetClass="entr" presetSubtype="4" fill="hold" grpId="0" nodeType="afterEffect">
+                                  <p:stCondLst>
+                                    <p:cond delay="0"/>
+                                  </p:stCondLst>
+                                  <p:childTnLst>
+                                    <p:set>
+                                      <p:cBhvr>
+                                        <p:cTn id="96" dur="1" fill="hold">
+                                          <p:stCondLst>
+                                            <p:cond delay="0"/>
+                                          </p:stCondLst>
+                                        </p:cTn>
+                                        <p:tgtEl>
+                                          <p:spTgt spid="46"/>
+                                        </p:tgtEl>
+                                        <p:attrNameLst>
+                                          <p:attrName>style.visibility</p:attrName>
+                                        </p:attrNameLst>
+                                      </p:cBhvr>
+                                      <p:to>
+                                        <p:strVal val="visible"/>
+                                      </p:to>
+                                    </p:set>
+                                    <p:animEffect transition="in" filter="wipe(down)">
+                                      <p:cBhvr>
+                                        <p:cTn id="97" dur="500"/>
+                                        <p:tgtEl>
+                                          <p:spTgt spid="46"/>
+                                        </p:tgtEl>
+                                      </p:cBhvr>
+                                    </p:animEffect>
+                                  </p:childTnLst>
+                                </p:cTn>
+                              </p:par>
+                            </p:childTnLst>
+                          </p:cTn>
+                        </p:par>
+                        <p:par>
+                          <p:cTn id="98" fill="hold">
+                            <p:stCondLst>
+                              <p:cond delay="2500"/>
+                            </p:stCondLst>
+                            <p:childTnLst>
+                              <p:par>
+                                <p:cTn id="99" presetID="22" presetClass="entr" presetSubtype="4" fill="hold" grpId="0" nodeType="afterEffect">
+                                  <p:stCondLst>
+                                    <p:cond delay="0"/>
+                                  </p:stCondLst>
+                                  <p:childTnLst>
+                                    <p:set>
+                                      <p:cBhvr>
+                                        <p:cTn id="100" dur="1" fill="hold">
+                                          <p:stCondLst>
+                                            <p:cond delay="0"/>
+                                          </p:stCondLst>
+                                        </p:cTn>
+                                        <p:tgtEl>
+                                          <p:spTgt spid="47"/>
+                                        </p:tgtEl>
+                                        <p:attrNameLst>
+                                          <p:attrName>style.visibility</p:attrName>
+                                        </p:attrNameLst>
+                                      </p:cBhvr>
+                                      <p:to>
+                                        <p:strVal val="visible"/>
+                                      </p:to>
+                                    </p:set>
+                                    <p:animEffect transition="in" filter="wipe(down)">
+                                      <p:cBhvr>
+                                        <p:cTn id="101" dur="500"/>
+                                        <p:tgtEl>
+                                          <p:spTgt spid="47"/>
+                                        </p:tgtEl>
+                                      </p:cBhvr>
+                                    </p:animEffect>
+                                  </p:childTnLst>
+                                </p:cTn>
+                              </p:par>
+                            </p:childTnLst>
+                          </p:cTn>
+                        </p:par>
+                        <p:par>
+                          <p:cTn id="102" fill="hold">
+                            <p:stCondLst>
+                              <p:cond delay="3000"/>
+                            </p:stCondLst>
+                            <p:childTnLst>
+                              <p:par>
+                                <p:cTn id="103" presetID="22" presetClass="entr" presetSubtype="4" fill="hold" grpId="0" nodeType="afterEffect">
+                                  <p:stCondLst>
+                                    <p:cond delay="0"/>
+                                  </p:stCondLst>
+                                  <p:childTnLst>
+                                    <p:set>
+                                      <p:cBhvr>
+                                        <p:cTn id="104" dur="1" fill="hold">
+                                          <p:stCondLst>
+                                            <p:cond delay="0"/>
+                                          </p:stCondLst>
+                                        </p:cTn>
+                                        <p:tgtEl>
+                                          <p:spTgt spid="48"/>
+                                        </p:tgtEl>
+                                        <p:attrNameLst>
+                                          <p:attrName>style.visibility</p:attrName>
+                                        </p:attrNameLst>
+                                      </p:cBhvr>
+                                      <p:to>
+                                        <p:strVal val="visible"/>
+                                      </p:to>
+                                    </p:set>
+                                    <p:animEffect transition="in" filter="wipe(down)">
+                                      <p:cBhvr>
+                                        <p:cTn id="105" dur="500"/>
+                                        <p:tgtEl>
+                                          <p:spTgt spid="48"/>
+                                        </p:tgtEl>
+                                      </p:cBhvr>
+                                    </p:animEffect>
+                                  </p:childTnLst>
+                                </p:cTn>
+                              </p:par>
+                            </p:childTnLst>
+                          </p:cTn>
+                        </p:par>
+                      </p:childTnLst>
+                    </p:cTn>
+                  </p:par>
+                </p:childTnLst>
+              </p:cTn>
+              <p:prevCondLst>
+                <p:cond evt="onPrev" delay="0">
+                  <p:tgtEl>
+                    <p:sldTgt/>
+                  </p:tgtEl>
+                </p:cond>
+              </p:prevCondLst>
+              <p:nextCondLst>
+                <p:cond evt="onNext" delay="0">
+                  <p:tgtEl>
+                    <p:sldTgt/>
+                  </p:tgtEl>
+                </p:cond>
+              </p:nextCondLst>
+            </p:seq>
+          </p:childTnLst>
+        </p:cTn>
+      </p:par>
+    </p:tnLst>
+    <p:bldLst>
+      <p:bldP spid="7" grpId="0"/>
+      <p:bldP spid="8" grpId="0" animBg="1"/>
+      <p:bldP spid="9" grpId="0" animBg="1"/>
+      <p:bldP spid="10" grpId="0"/>
+      <p:bldP spid="20" grpId="0" animBg="1"/>
+      <p:bldP spid="26" grpId="0" animBg="1"/>
+      <p:bldP spid="28" grpId="0" animBg="1"/>
+      <p:bldP spid="30" grpId="0" animBg="1"/>
+      <p:bldP spid="34" grpId="0"/>
+      <p:bldP spid="35" grpId="0"/>
+      <p:bldP spid="36" grpId="0"/>
+      <p:bldP spid="37" grpId="0"/>
+      <p:bldP spid="44" grpId="0"/>
+      <p:bldP spid="46" grpId="0"/>
+      <p:bldP spid="47" grpId="0"/>
+      <p:bldP spid="48" grpId="0"/>
+    </p:bldLst>
+  </p:timing>
+</p:sld>
+</file>
+
+<file path=ppt/slides/slide20.xml><?xml version="1.0" encoding="utf-8"?>
+<p:sld xmlns:a="http://schemas.openxmlformats.org/drawingml/2006/main" xmlns:r="http://schemas.openxmlformats.org/officeDocument/2006/relationships" xmlns:p="http://schemas.openxmlformats.org/presentationml/2006/main">
+  <p:cSld>
+    <p:spTree>
+      <p:nvGrpSpPr>
+        <p:cNvPr id="1" name=""/>
+        <p:cNvGrpSpPr/>
+        <p:nvPr/>
+      </p:nvGrpSpPr>
+      <p:grpSpPr>
+        <a:xfrm>
+          <a:off x="0" y="0"/>
+          <a:ext cx="0" cy="0"/>
+          <a:chOff x="0" y="0"/>
+          <a:chExt cx="0" cy="0"/>
+        </a:xfrm>
+      </p:grpSpPr>
+      <p:sp>
+        <p:nvSpPr>
+          <p:cNvPr id="8" name="菱形 7"/>
+          <p:cNvSpPr/>
+          <p:nvPr/>
+        </p:nvSpPr>
+        <p:spPr>
+          <a:xfrm>
+            <a:off x="1200806" y="1516391"/>
+            <a:ext cx="1035269" cy="1035269"/>
+          </a:xfrm>
+          <a:prstGeom prst="diamond">
+            <a:avLst/>
+          </a:prstGeom>
+          <a:noFill/>
+          <a:ln w="19050">
+            <a:solidFill>
+              <a:schemeClr val="bg1"/>
+            </a:solidFill>
+          </a:ln>
+        </p:spPr>
+        <p:style>
+          <a:lnRef idx="2">
+            <a:schemeClr val="accent1">
+              <a:shade val="50000"/>
+            </a:schemeClr>
+          </a:lnRef>
+          <a:fillRef idx="1">
+            <a:schemeClr val="accent1"/>
+          </a:fillRef>
+          <a:effectRef idx="0">
+            <a:schemeClr val="accent1"/>
+          </a:effectRef>
+          <a:fontRef idx="minor">
+            <a:schemeClr val="lt1"/>
+          </a:fontRef>
+        </p:style>
+        <p:txBody>
+          <a:bodyPr rtlCol="0" anchor="ctr"/>
+          <a:lstStyle/>
+          <a:p>
+            <a:pPr algn="ctr"/>
+            <a:endParaRPr lang="zh-CN" altLang="en-US"/>
+          </a:p>
+        </p:txBody>
+      </p:sp>
+      <p:sp>
+        <p:nvSpPr>
+          <p:cNvPr id="9" name="菱形 8"/>
+          <p:cNvSpPr/>
+          <p:nvPr/>
+        </p:nvSpPr>
+        <p:spPr>
+          <a:xfrm>
+            <a:off x="572813" y="1516391"/>
+            <a:ext cx="861848" cy="861848"/>
+          </a:xfrm>
+          <a:prstGeom prst="diamond">
+            <a:avLst/>
+          </a:prstGeom>
+          <a:noFill/>
+          <a:ln w="19050">
+            <a:solidFill>
+              <a:schemeClr val="bg1"/>
+            </a:solidFill>
+          </a:ln>
+        </p:spPr>
+        <p:style>
+          <a:lnRef idx="2">
+            <a:schemeClr val="accent1">
+              <a:shade val="50000"/>
+            </a:schemeClr>
+          </a:lnRef>
+          <a:fillRef idx="1">
+            <a:schemeClr val="accent1"/>
+          </a:fillRef>
+          <a:effectRef idx="0">
+            <a:schemeClr val="accent1"/>
+          </a:effectRef>
+          <a:fontRef idx="minor">
+            <a:schemeClr val="lt1"/>
+          </a:fontRef>
+        </p:style>
+        <p:txBody>
+          <a:bodyPr rtlCol="0" anchor="ctr"/>
+          <a:lstStyle/>
+          <a:p>
+            <a:pPr algn="ctr"/>
+            <a:endParaRPr lang="zh-CN" altLang="en-US"/>
+          </a:p>
+        </p:txBody>
+      </p:sp>
+      <p:sp>
+        <p:nvSpPr>
+          <p:cNvPr id="10" name="菱形 9"/>
+          <p:cNvSpPr/>
+          <p:nvPr/>
+        </p:nvSpPr>
+        <p:spPr>
+          <a:xfrm>
+            <a:off x="-253699" y="551793"/>
+            <a:ext cx="507398" cy="507398"/>
+          </a:xfrm>
+          <a:prstGeom prst="diamond">
+            <a:avLst/>
+          </a:prstGeom>
+          <a:noFill/>
+          <a:ln w="19050">
+            <a:solidFill>
+              <a:schemeClr val="bg1"/>
+            </a:solidFill>
+          </a:ln>
+        </p:spPr>
+        <p:style>
+          <a:lnRef idx="2">
+            <a:schemeClr val="accent1">
+              <a:shade val="50000"/>
+            </a:schemeClr>
+          </a:lnRef>
+          <a:fillRef idx="1">
+            <a:schemeClr val="accent1"/>
+          </a:fillRef>
+          <a:effectRef idx="0">
+            <a:schemeClr val="accent1"/>
+          </a:effectRef>
+          <a:fontRef idx="minor">
+            <a:schemeClr val="lt1"/>
+          </a:fontRef>
+        </p:style>
+        <p:txBody>
+          <a:bodyPr rtlCol="0" anchor="ctr"/>
+          <a:lstStyle/>
+          <a:p>
+            <a:pPr algn="ctr"/>
+            <a:endParaRPr lang="zh-CN" altLang="en-US"/>
+          </a:p>
+        </p:txBody>
+      </p:sp>
+      <p:sp>
+        <p:nvSpPr>
+          <p:cNvPr id="11" name="菱形 10"/>
+          <p:cNvSpPr/>
+          <p:nvPr/>
+        </p:nvSpPr>
+        <p:spPr>
+          <a:xfrm>
+            <a:off x="750038" y="805492"/>
+            <a:ext cx="507398" cy="507398"/>
+          </a:xfrm>
+          <a:prstGeom prst="diamond">
+            <a:avLst/>
+          </a:prstGeom>
+          <a:noFill/>
+          <a:ln w="19050">
+            <a:solidFill>
+              <a:schemeClr val="bg1"/>
+            </a:solidFill>
+          </a:ln>
+        </p:spPr>
+        <p:style>
+          <a:lnRef idx="2">
+            <a:schemeClr val="accent1">
+              <a:shade val="50000"/>
+            </a:schemeClr>
+          </a:lnRef>
+          <a:fillRef idx="1">
+            <a:schemeClr val="accent1"/>
+          </a:fillRef>
+          <a:effectRef idx="0">
+            <a:schemeClr val="accent1"/>
+          </a:effectRef>
+          <a:fontRef idx="minor">
+            <a:schemeClr val="lt1"/>
+          </a:fontRef>
+        </p:style>
+        <p:txBody>
+          <a:bodyPr rtlCol="0" anchor="ctr"/>
+          <a:lstStyle/>
+          <a:p>
+            <a:pPr algn="ctr"/>
+            <a:endParaRPr lang="zh-CN" altLang="en-US"/>
+          </a:p>
+        </p:txBody>
+      </p:sp>
+      <p:sp>
+        <p:nvSpPr>
+          <p:cNvPr id="19" name="菱形 18"/>
+          <p:cNvSpPr/>
+          <p:nvPr/>
+        </p:nvSpPr>
+        <p:spPr>
+          <a:xfrm>
+            <a:off x="11438956" y="4385825"/>
+            <a:ext cx="682521" cy="682521"/>
+          </a:xfrm>
+          <a:prstGeom prst="diamond">
+            <a:avLst/>
+          </a:prstGeom>
+          <a:noFill/>
+          <a:ln w="19050">
+            <a:solidFill>
+              <a:schemeClr val="bg1"/>
+            </a:solidFill>
+          </a:ln>
+        </p:spPr>
+        <p:style>
+          <a:lnRef idx="2">
+            <a:schemeClr val="accent1">
+              <a:shade val="50000"/>
+            </a:schemeClr>
+          </a:lnRef>
+          <a:fillRef idx="1">
+            <a:schemeClr val="accent1"/>
+          </a:fillRef>
+          <a:effectRef idx="0">
+            <a:schemeClr val="accent1"/>
+          </a:effectRef>
+          <a:fontRef idx="minor">
+            <a:schemeClr val="lt1"/>
+          </a:fontRef>
+        </p:style>
+        <p:txBody>
+          <a:bodyPr rtlCol="0" anchor="ctr"/>
+          <a:lstStyle/>
+          <a:p>
+            <a:pPr algn="ctr"/>
+            <a:endParaRPr lang="zh-CN" altLang="en-US"/>
+          </a:p>
+        </p:txBody>
+      </p:sp>
+      <p:sp>
+        <p:nvSpPr>
+          <p:cNvPr id="20" name="菱形 19"/>
+          <p:cNvSpPr/>
+          <p:nvPr/>
+        </p:nvSpPr>
+        <p:spPr>
+          <a:xfrm>
+            <a:off x="12004569" y="5292241"/>
+            <a:ext cx="507398" cy="507398"/>
+          </a:xfrm>
+          <a:prstGeom prst="diamond">
+            <a:avLst/>
+          </a:prstGeom>
+          <a:noFill/>
+          <a:ln w="19050">
+            <a:solidFill>
+              <a:schemeClr val="bg1"/>
+            </a:solidFill>
+          </a:ln>
+        </p:spPr>
+        <p:style>
+          <a:lnRef idx="2">
+            <a:schemeClr val="accent1">
+              <a:shade val="50000"/>
+            </a:schemeClr>
+          </a:lnRef>
+          <a:fillRef idx="1">
+            <a:schemeClr val="accent1"/>
+          </a:fillRef>
+          <a:effectRef idx="0">
+            <a:schemeClr val="accent1"/>
+          </a:effectRef>
+          <a:fontRef idx="minor">
+            <a:schemeClr val="lt1"/>
+          </a:fontRef>
+        </p:style>
+        <p:txBody>
+          <a:bodyPr rtlCol="0" anchor="ctr"/>
+          <a:lstStyle/>
+          <a:p>
+            <a:pPr algn="ctr"/>
+            <a:endParaRPr lang="zh-CN" altLang="en-US"/>
+          </a:p>
+        </p:txBody>
+      </p:sp>
+      <p:cxnSp>
+        <p:nvCxnSpPr>
+          <p:cNvPr id="25" name="直接连接符 24"/>
+          <p:cNvCxnSpPr/>
+          <p:nvPr/>
+        </p:nvCxnSpPr>
+        <p:spPr>
+          <a:xfrm>
+            <a:off x="4723154" y="551793"/>
+            <a:ext cx="3089274" cy="0"/>
+          </a:xfrm>
+          <a:prstGeom prst="line">
+            <a:avLst/>
+          </a:prstGeom>
+          <a:ln>
+            <a:solidFill>
+              <a:schemeClr val="bg1"/>
+            </a:solidFill>
+          </a:ln>
+        </p:spPr>
+        <p:style>
+          <a:lnRef idx="1">
+            <a:schemeClr val="accent1"/>
+          </a:lnRef>
+          <a:fillRef idx="0">
+            <a:schemeClr val="accent1"/>
+          </a:fillRef>
+          <a:effectRef idx="0">
+            <a:schemeClr val="accent1"/>
+          </a:effectRef>
+          <a:fontRef idx="minor">
+            <a:schemeClr val="tx1"/>
+          </a:fontRef>
+        </p:style>
+      </p:cxnSp>
+      <p:cxnSp>
+        <p:nvCxnSpPr>
+          <p:cNvPr id="26" name="直接连接符 25"/>
+          <p:cNvCxnSpPr/>
+          <p:nvPr/>
+        </p:nvCxnSpPr>
+        <p:spPr>
+          <a:xfrm>
+            <a:off x="4723154" y="1191873"/>
+            <a:ext cx="3089274" cy="0"/>
+          </a:xfrm>
+          <a:prstGeom prst="line">
+            <a:avLst/>
+          </a:prstGeom>
+          <a:ln>
+            <a:solidFill>
+              <a:schemeClr val="bg1"/>
+            </a:solidFill>
+          </a:ln>
+        </p:spPr>
+        <p:style>
+          <a:lnRef idx="1">
+            <a:schemeClr val="accent1"/>
+          </a:lnRef>
+          <a:fillRef idx="0">
+            <a:schemeClr val="accent1"/>
+          </a:fillRef>
+          <a:effectRef idx="0">
+            <a:schemeClr val="accent1"/>
+          </a:effectRef>
+          <a:fontRef idx="minor">
+            <a:schemeClr val="tx1"/>
+          </a:fontRef>
+        </p:style>
+      </p:cxnSp>
+      <p:sp>
+        <p:nvSpPr>
+          <p:cNvPr id="27" name="文本框 26"/>
+          <p:cNvSpPr txBox="1"/>
+          <p:nvPr/>
+        </p:nvSpPr>
+        <p:spPr>
+          <a:xfrm>
             <a:off x="5317122" y="574648"/>
             <a:ext cx="2598669" cy="584775"/>
           </a:xfrm>
@@ -12210,7 +15993,7 @@
 </p:sld>
 </file>
 
-<file path=ppt/slides/slide19.xml><?xml version="1.0" encoding="utf-8"?>
+<file path=ppt/slides/slide21.xml><?xml version="1.0" encoding="utf-8"?>
 <p:sld xmlns:a="http://schemas.openxmlformats.org/drawingml/2006/main" xmlns:r="http://schemas.openxmlformats.org/officeDocument/2006/relationships" xmlns:p="http://schemas.openxmlformats.org/presentationml/2006/main">
   <p:cSld>
     <p:spTree>
@@ -12670,2353 +16453,7 @@
 </p:sld>
 </file>
 
-<file path=ppt/slides/slide2.xml><?xml version="1.0" encoding="utf-8"?>
-<p:sld xmlns:a="http://schemas.openxmlformats.org/drawingml/2006/main" xmlns:r="http://schemas.openxmlformats.org/officeDocument/2006/relationships" xmlns:p="http://schemas.openxmlformats.org/presentationml/2006/main">
-  <p:cSld>
-    <p:spTree>
-      <p:nvGrpSpPr>
-        <p:cNvPr id="1" name=""/>
-        <p:cNvGrpSpPr/>
-        <p:nvPr/>
-      </p:nvGrpSpPr>
-      <p:grpSpPr>
-        <a:xfrm>
-          <a:off x="0" y="0"/>
-          <a:ext cx="0" cy="0"/>
-          <a:chOff x="0" y="0"/>
-          <a:chExt cx="0" cy="0"/>
-        </a:xfrm>
-      </p:grpSpPr>
-      <p:cxnSp>
-        <p:nvCxnSpPr>
-          <p:cNvPr id="5" name="直接连接符 4"/>
-          <p:cNvCxnSpPr/>
-          <p:nvPr/>
-        </p:nvCxnSpPr>
-        <p:spPr>
-          <a:xfrm>
-            <a:off x="7010400" y="905614"/>
-            <a:ext cx="3421117" cy="0"/>
-          </a:xfrm>
-          <a:prstGeom prst="line">
-            <a:avLst/>
-          </a:prstGeom>
-          <a:ln>
-            <a:solidFill>
-              <a:schemeClr val="bg1"/>
-            </a:solidFill>
-          </a:ln>
-        </p:spPr>
-        <p:style>
-          <a:lnRef idx="1">
-            <a:schemeClr val="accent1"/>
-          </a:lnRef>
-          <a:fillRef idx="0">
-            <a:schemeClr val="accent1"/>
-          </a:fillRef>
-          <a:effectRef idx="0">
-            <a:schemeClr val="accent1"/>
-          </a:effectRef>
-          <a:fontRef idx="minor">
-            <a:schemeClr val="tx1"/>
-          </a:fontRef>
-        </p:style>
-      </p:cxnSp>
-      <p:cxnSp>
-        <p:nvCxnSpPr>
-          <p:cNvPr id="6" name="直接连接符 5"/>
-          <p:cNvCxnSpPr/>
-          <p:nvPr/>
-        </p:nvCxnSpPr>
-        <p:spPr>
-          <a:xfrm>
-            <a:off x="7010400" y="1893587"/>
-            <a:ext cx="3421117" cy="0"/>
-          </a:xfrm>
-          <a:prstGeom prst="line">
-            <a:avLst/>
-          </a:prstGeom>
-          <a:ln>
-            <a:solidFill>
-              <a:schemeClr val="bg1"/>
-            </a:solidFill>
-          </a:ln>
-        </p:spPr>
-        <p:style>
-          <a:lnRef idx="1">
-            <a:schemeClr val="accent1"/>
-          </a:lnRef>
-          <a:fillRef idx="0">
-            <a:schemeClr val="accent1"/>
-          </a:fillRef>
-          <a:effectRef idx="0">
-            <a:schemeClr val="accent1"/>
-          </a:effectRef>
-          <a:fontRef idx="minor">
-            <a:schemeClr val="tx1"/>
-          </a:fontRef>
-        </p:style>
-      </p:cxnSp>
-      <p:sp>
-        <p:nvSpPr>
-          <p:cNvPr id="7" name="文本框 6"/>
-          <p:cNvSpPr txBox="1"/>
-          <p:nvPr/>
-        </p:nvSpPr>
-        <p:spPr>
-          <a:xfrm>
-            <a:off x="7010401" y="1068225"/>
-            <a:ext cx="1340070" cy="646331"/>
-          </a:xfrm>
-          <a:prstGeom prst="rect">
-            <a:avLst/>
-          </a:prstGeom>
-          <a:noFill/>
-        </p:spPr>
-        <p:txBody>
-          <a:bodyPr wrap="square" rtlCol="0">
-            <a:spAutoFit/>
-          </a:bodyPr>
-          <a:lstStyle/>
-          <a:p>
-            <a:r>
-              <a:rPr lang="zh-TW" altLang="en-US" sz="3600" dirty="0" smtClean="0">
-                <a:solidFill>
-                  <a:schemeClr val="bg1"/>
-                </a:solidFill>
-              </a:rPr>
-              <a:t>目錄</a:t>
-            </a:r>
-            <a:endParaRPr lang="zh-CN" altLang="en-US" sz="3600" dirty="0">
-              <a:solidFill>
-                <a:schemeClr val="bg1"/>
-              </a:solidFill>
-            </a:endParaRPr>
-          </a:p>
-        </p:txBody>
-      </p:sp>
-      <p:sp>
-        <p:nvSpPr>
-          <p:cNvPr id="8" name="椭圆 7"/>
-          <p:cNvSpPr/>
-          <p:nvPr/>
-        </p:nvSpPr>
-        <p:spPr>
-          <a:xfrm>
-            <a:off x="8350470" y="1318145"/>
-            <a:ext cx="162911" cy="162911"/>
-          </a:xfrm>
-          <a:prstGeom prst="ellipse">
-            <a:avLst/>
-          </a:prstGeom>
-          <a:solidFill>
-            <a:schemeClr val="bg1"/>
-          </a:solidFill>
-          <a:ln>
-            <a:solidFill>
-              <a:schemeClr val="bg1"/>
-            </a:solidFill>
-          </a:ln>
-        </p:spPr>
-        <p:style>
-          <a:lnRef idx="2">
-            <a:schemeClr val="accent1">
-              <a:shade val="50000"/>
-            </a:schemeClr>
-          </a:lnRef>
-          <a:fillRef idx="1">
-            <a:schemeClr val="accent1"/>
-          </a:fillRef>
-          <a:effectRef idx="0">
-            <a:schemeClr val="accent1"/>
-          </a:effectRef>
-          <a:fontRef idx="minor">
-            <a:schemeClr val="lt1"/>
-          </a:fontRef>
-        </p:style>
-        <p:txBody>
-          <a:bodyPr rtlCol="0" anchor="ctr"/>
-          <a:lstStyle/>
-          <a:p>
-            <a:pPr algn="ctr"/>
-            <a:endParaRPr lang="zh-CN" altLang="en-US"/>
-          </a:p>
-        </p:txBody>
-      </p:sp>
-      <p:sp>
-        <p:nvSpPr>
-          <p:cNvPr id="9" name="矩形 8"/>
-          <p:cNvSpPr/>
-          <p:nvPr/>
-        </p:nvSpPr>
-        <p:spPr>
-          <a:xfrm>
-            <a:off x="8720958" y="1259024"/>
-            <a:ext cx="1710559" cy="281151"/>
-          </a:xfrm>
-          <a:prstGeom prst="rect">
-            <a:avLst/>
-          </a:prstGeom>
-          <a:solidFill>
-            <a:schemeClr val="bg1"/>
-          </a:solidFill>
-          <a:ln>
-            <a:solidFill>
-              <a:schemeClr val="bg1"/>
-            </a:solidFill>
-          </a:ln>
-        </p:spPr>
-        <p:style>
-          <a:lnRef idx="2">
-            <a:schemeClr val="accent1">
-              <a:shade val="50000"/>
-            </a:schemeClr>
-          </a:lnRef>
-          <a:fillRef idx="1">
-            <a:schemeClr val="accent1"/>
-          </a:fillRef>
-          <a:effectRef idx="0">
-            <a:schemeClr val="accent1"/>
-          </a:effectRef>
-          <a:fontRef idx="minor">
-            <a:schemeClr val="lt1"/>
-          </a:fontRef>
-        </p:style>
-        <p:txBody>
-          <a:bodyPr rtlCol="0" anchor="ctr"/>
-          <a:lstStyle/>
-          <a:p>
-            <a:pPr algn="ctr"/>
-            <a:endParaRPr lang="zh-CN" altLang="en-US"/>
-          </a:p>
-        </p:txBody>
-      </p:sp>
-      <p:sp>
-        <p:nvSpPr>
-          <p:cNvPr id="10" name="文本框 9"/>
-          <p:cNvSpPr txBox="1"/>
-          <p:nvPr/>
-        </p:nvSpPr>
-        <p:spPr>
-          <a:xfrm>
-            <a:off x="8716388" y="1146627"/>
-            <a:ext cx="1687962" cy="584775"/>
-          </a:xfrm>
-          <a:prstGeom prst="rect">
-            <a:avLst/>
-          </a:prstGeom>
-          <a:noFill/>
-        </p:spPr>
-        <p:txBody>
-          <a:bodyPr wrap="square" rtlCol="0">
-            <a:spAutoFit/>
-          </a:bodyPr>
-          <a:lstStyle/>
-          <a:p>
-            <a:r>
-              <a:rPr lang="en-US" altLang="zh-TW" sz="3200" dirty="0" smtClean="0">
-                <a:latin typeface="Aldhabi" panose="01000000000000000000" pitchFamily="2" charset="-78"/>
-                <a:cs typeface="Aldhabi" panose="01000000000000000000" pitchFamily="2" charset="-78"/>
-              </a:rPr>
-              <a:t>Canvas</a:t>
-            </a:r>
-            <a:endParaRPr lang="zh-CN" altLang="en-US" sz="3200" dirty="0">
-              <a:latin typeface="Aldhabi" panose="01000000000000000000" pitchFamily="2" charset="-78"/>
-              <a:cs typeface="Aldhabi" panose="01000000000000000000" pitchFamily="2" charset="-78"/>
-            </a:endParaRPr>
-          </a:p>
-        </p:txBody>
-      </p:sp>
-      <p:pic>
-        <p:nvPicPr>
-          <p:cNvPr id="13" name="图片 12"/>
-          <p:cNvPicPr>
-            <a:picLocks noChangeAspect="1"/>
-          </p:cNvPicPr>
-          <p:nvPr/>
-        </p:nvPicPr>
-        <p:blipFill rotWithShape="1">
-          <a:blip r:embed="rId2">
-            <a:extLst>
-              <a:ext uri="{28A0092B-C50C-407E-A947-70E740481C1C}">
-                <a14:useLocalDpi xmlns:a14="http://schemas.microsoft.com/office/drawing/2010/main" val="0"/>
-              </a:ext>
-            </a:extLst>
-          </a:blip>
-          <a:srcRect b="31600"/>
-          <a:stretch/>
-        </p:blipFill>
-        <p:spPr>
-          <a:xfrm>
-            <a:off x="0" y="7025641"/>
-            <a:ext cx="12192000" cy="3870960"/>
-          </a:xfrm>
-          <a:prstGeom prst="rect">
-            <a:avLst/>
-          </a:prstGeom>
-        </p:spPr>
-      </p:pic>
-      <p:cxnSp>
-        <p:nvCxnSpPr>
-          <p:cNvPr id="15" name="直接连接符 14"/>
-          <p:cNvCxnSpPr/>
-          <p:nvPr/>
-        </p:nvCxnSpPr>
-        <p:spPr>
-          <a:xfrm>
-            <a:off x="10431517" y="1893587"/>
-            <a:ext cx="0" cy="4065253"/>
-          </a:xfrm>
-          <a:prstGeom prst="line">
-            <a:avLst/>
-          </a:prstGeom>
-          <a:ln>
-            <a:solidFill>
-              <a:schemeClr val="bg1"/>
-            </a:solidFill>
-          </a:ln>
-        </p:spPr>
-        <p:style>
-          <a:lnRef idx="1">
-            <a:schemeClr val="accent1"/>
-          </a:lnRef>
-          <a:fillRef idx="0">
-            <a:schemeClr val="accent1"/>
-          </a:fillRef>
-          <a:effectRef idx="0">
-            <a:schemeClr val="accent1"/>
-          </a:effectRef>
-          <a:fontRef idx="minor">
-            <a:schemeClr val="tx1"/>
-          </a:fontRef>
-        </p:style>
-      </p:cxnSp>
-      <p:cxnSp>
-        <p:nvCxnSpPr>
-          <p:cNvPr id="17" name="直接连接符 16"/>
-          <p:cNvCxnSpPr/>
-          <p:nvPr/>
-        </p:nvCxnSpPr>
-        <p:spPr>
-          <a:xfrm flipH="1">
-            <a:off x="1874521" y="5958840"/>
-            <a:ext cx="8556996" cy="0"/>
-          </a:xfrm>
-          <a:prstGeom prst="line">
-            <a:avLst/>
-          </a:prstGeom>
-          <a:ln>
-            <a:solidFill>
-              <a:schemeClr val="bg1"/>
-            </a:solidFill>
-          </a:ln>
-        </p:spPr>
-        <p:style>
-          <a:lnRef idx="1">
-            <a:schemeClr val="accent1"/>
-          </a:lnRef>
-          <a:fillRef idx="0">
-            <a:schemeClr val="accent1"/>
-          </a:fillRef>
-          <a:effectRef idx="0">
-            <a:schemeClr val="accent1"/>
-          </a:effectRef>
-          <a:fontRef idx="minor">
-            <a:schemeClr val="tx1"/>
-          </a:fontRef>
-        </p:style>
-      </p:cxnSp>
-      <p:cxnSp>
-        <p:nvCxnSpPr>
-          <p:cNvPr id="19" name="直接连接符 18"/>
-          <p:cNvCxnSpPr/>
-          <p:nvPr/>
-        </p:nvCxnSpPr>
-        <p:spPr>
-          <a:xfrm flipV="1">
-            <a:off x="1874520" y="5486400"/>
-            <a:ext cx="0" cy="472440"/>
-          </a:xfrm>
-          <a:prstGeom prst="line">
-            <a:avLst/>
-          </a:prstGeom>
-          <a:ln>
-            <a:solidFill>
-              <a:schemeClr val="bg1"/>
-            </a:solidFill>
-          </a:ln>
-        </p:spPr>
-        <p:style>
-          <a:lnRef idx="1">
-            <a:schemeClr val="accent1"/>
-          </a:lnRef>
-          <a:fillRef idx="0">
-            <a:schemeClr val="accent1"/>
-          </a:fillRef>
-          <a:effectRef idx="0">
-            <a:schemeClr val="accent1"/>
-          </a:effectRef>
-          <a:fontRef idx="minor">
-            <a:schemeClr val="tx1"/>
-          </a:fontRef>
-        </p:style>
-      </p:cxnSp>
-      <p:sp>
-        <p:nvSpPr>
-          <p:cNvPr id="20" name="菱形 19"/>
-          <p:cNvSpPr/>
-          <p:nvPr/>
-        </p:nvSpPr>
-        <p:spPr>
-          <a:xfrm>
-            <a:off x="1558290" y="4918710"/>
-            <a:ext cx="632460" cy="632460"/>
-          </a:xfrm>
-          <a:prstGeom prst="diamond">
-            <a:avLst/>
-          </a:prstGeom>
-          <a:solidFill>
-            <a:schemeClr val="bg1"/>
-          </a:solidFill>
-          <a:ln>
-            <a:noFill/>
-          </a:ln>
-        </p:spPr>
-        <p:style>
-          <a:lnRef idx="2">
-            <a:schemeClr val="accent1">
-              <a:shade val="50000"/>
-            </a:schemeClr>
-          </a:lnRef>
-          <a:fillRef idx="1">
-            <a:schemeClr val="accent1"/>
-          </a:fillRef>
-          <a:effectRef idx="0">
-            <a:schemeClr val="accent1"/>
-          </a:effectRef>
-          <a:fontRef idx="minor">
-            <a:schemeClr val="lt1"/>
-          </a:fontRef>
-        </p:style>
-        <p:txBody>
-          <a:bodyPr rtlCol="0" anchor="ctr"/>
-          <a:lstStyle/>
-          <a:p>
-            <a:pPr algn="ctr"/>
-            <a:endParaRPr lang="zh-CN" altLang="en-US"/>
-          </a:p>
-        </p:txBody>
-      </p:sp>
-      <p:cxnSp>
-        <p:nvCxnSpPr>
-          <p:cNvPr id="25" name="直接连接符 24"/>
-          <p:cNvCxnSpPr/>
-          <p:nvPr/>
-        </p:nvCxnSpPr>
-        <p:spPr>
-          <a:xfrm flipV="1">
-            <a:off x="1874520" y="4446270"/>
-            <a:ext cx="0" cy="472440"/>
-          </a:xfrm>
-          <a:prstGeom prst="line">
-            <a:avLst/>
-          </a:prstGeom>
-          <a:ln>
-            <a:solidFill>
-              <a:schemeClr val="bg1"/>
-            </a:solidFill>
-          </a:ln>
-        </p:spPr>
-        <p:style>
-          <a:lnRef idx="1">
-            <a:schemeClr val="accent1"/>
-          </a:lnRef>
-          <a:fillRef idx="0">
-            <a:schemeClr val="accent1"/>
-          </a:fillRef>
-          <a:effectRef idx="0">
-            <a:schemeClr val="accent1"/>
-          </a:effectRef>
-          <a:fontRef idx="minor">
-            <a:schemeClr val="tx1"/>
-          </a:fontRef>
-        </p:style>
-      </p:cxnSp>
-      <p:sp>
-        <p:nvSpPr>
-          <p:cNvPr id="26" name="菱形 25"/>
-          <p:cNvSpPr/>
-          <p:nvPr/>
-        </p:nvSpPr>
-        <p:spPr>
-          <a:xfrm>
-            <a:off x="1558290" y="3989070"/>
-            <a:ext cx="632460" cy="632460"/>
-          </a:xfrm>
-          <a:prstGeom prst="diamond">
-            <a:avLst/>
-          </a:prstGeom>
-          <a:solidFill>
-            <a:schemeClr val="bg1"/>
-          </a:solidFill>
-          <a:ln>
-            <a:noFill/>
-          </a:ln>
-        </p:spPr>
-        <p:style>
-          <a:lnRef idx="2">
-            <a:schemeClr val="accent1">
-              <a:shade val="50000"/>
-            </a:schemeClr>
-          </a:lnRef>
-          <a:fillRef idx="1">
-            <a:schemeClr val="accent1"/>
-          </a:fillRef>
-          <a:effectRef idx="0">
-            <a:schemeClr val="accent1"/>
-          </a:effectRef>
-          <a:fontRef idx="minor">
-            <a:schemeClr val="lt1"/>
-          </a:fontRef>
-        </p:style>
-        <p:txBody>
-          <a:bodyPr rtlCol="0" anchor="ctr"/>
-          <a:lstStyle/>
-          <a:p>
-            <a:pPr algn="ctr"/>
-            <a:endParaRPr lang="zh-CN" altLang="en-US"/>
-          </a:p>
-        </p:txBody>
-      </p:sp>
-      <p:cxnSp>
-        <p:nvCxnSpPr>
-          <p:cNvPr id="27" name="直接连接符 26"/>
-          <p:cNvCxnSpPr>
-            <a:stCxn id="26" idx="0"/>
-          </p:cNvCxnSpPr>
-          <p:nvPr/>
-        </p:nvCxnSpPr>
-        <p:spPr>
-          <a:xfrm flipV="1">
-            <a:off x="1874520" y="3379470"/>
-            <a:ext cx="0" cy="609600"/>
-          </a:xfrm>
-          <a:prstGeom prst="line">
-            <a:avLst/>
-          </a:prstGeom>
-          <a:ln>
-            <a:solidFill>
-              <a:schemeClr val="bg1"/>
-            </a:solidFill>
-          </a:ln>
-        </p:spPr>
-        <p:style>
-          <a:lnRef idx="1">
-            <a:schemeClr val="accent1"/>
-          </a:lnRef>
-          <a:fillRef idx="0">
-            <a:schemeClr val="accent1"/>
-          </a:fillRef>
-          <a:effectRef idx="0">
-            <a:schemeClr val="accent1"/>
-          </a:effectRef>
-          <a:fontRef idx="minor">
-            <a:schemeClr val="tx1"/>
-          </a:fontRef>
-        </p:style>
-      </p:cxnSp>
-      <p:sp>
-        <p:nvSpPr>
-          <p:cNvPr id="28" name="菱形 27"/>
-          <p:cNvSpPr/>
-          <p:nvPr/>
-        </p:nvSpPr>
-        <p:spPr>
-          <a:xfrm>
-            <a:off x="1558290" y="2946051"/>
-            <a:ext cx="632460" cy="632460"/>
-          </a:xfrm>
-          <a:prstGeom prst="diamond">
-            <a:avLst/>
-          </a:prstGeom>
-          <a:solidFill>
-            <a:schemeClr val="bg1"/>
-          </a:solidFill>
-          <a:ln>
-            <a:noFill/>
-          </a:ln>
-        </p:spPr>
-        <p:style>
-          <a:lnRef idx="2">
-            <a:schemeClr val="accent1">
-              <a:shade val="50000"/>
-            </a:schemeClr>
-          </a:lnRef>
-          <a:fillRef idx="1">
-            <a:schemeClr val="accent1"/>
-          </a:fillRef>
-          <a:effectRef idx="0">
-            <a:schemeClr val="accent1"/>
-          </a:effectRef>
-          <a:fontRef idx="minor">
-            <a:schemeClr val="lt1"/>
-          </a:fontRef>
-        </p:style>
-        <p:txBody>
-          <a:bodyPr rtlCol="0" anchor="ctr"/>
-          <a:lstStyle/>
-          <a:p>
-            <a:pPr algn="ctr"/>
-            <a:endParaRPr lang="zh-CN" altLang="en-US"/>
-          </a:p>
-        </p:txBody>
-      </p:sp>
-      <p:cxnSp>
-        <p:nvCxnSpPr>
-          <p:cNvPr id="29" name="直接连接符 28"/>
-          <p:cNvCxnSpPr/>
-          <p:nvPr/>
-        </p:nvCxnSpPr>
-        <p:spPr>
-          <a:xfrm flipV="1">
-            <a:off x="1874520" y="2488851"/>
-            <a:ext cx="0" cy="472440"/>
-          </a:xfrm>
-          <a:prstGeom prst="line">
-            <a:avLst/>
-          </a:prstGeom>
-          <a:ln>
-            <a:solidFill>
-              <a:schemeClr val="bg1"/>
-            </a:solidFill>
-          </a:ln>
-        </p:spPr>
-        <p:style>
-          <a:lnRef idx="1">
-            <a:schemeClr val="accent1"/>
-          </a:lnRef>
-          <a:fillRef idx="0">
-            <a:schemeClr val="accent1"/>
-          </a:fillRef>
-          <a:effectRef idx="0">
-            <a:schemeClr val="accent1"/>
-          </a:effectRef>
-          <a:fontRef idx="minor">
-            <a:schemeClr val="tx1"/>
-          </a:fontRef>
-        </p:style>
-      </p:cxnSp>
-      <p:sp>
-        <p:nvSpPr>
-          <p:cNvPr id="30" name="菱形 29"/>
-          <p:cNvSpPr/>
-          <p:nvPr/>
-        </p:nvSpPr>
-        <p:spPr>
-          <a:xfrm>
-            <a:off x="1558290" y="1915446"/>
-            <a:ext cx="632460" cy="632460"/>
-          </a:xfrm>
-          <a:prstGeom prst="diamond">
-            <a:avLst/>
-          </a:prstGeom>
-          <a:solidFill>
-            <a:schemeClr val="bg1"/>
-          </a:solidFill>
-          <a:ln>
-            <a:noFill/>
-          </a:ln>
-        </p:spPr>
-        <p:style>
-          <a:lnRef idx="2">
-            <a:schemeClr val="accent1">
-              <a:shade val="50000"/>
-            </a:schemeClr>
-          </a:lnRef>
-          <a:fillRef idx="1">
-            <a:schemeClr val="accent1"/>
-          </a:fillRef>
-          <a:effectRef idx="0">
-            <a:schemeClr val="accent1"/>
-          </a:effectRef>
-          <a:fontRef idx="minor">
-            <a:schemeClr val="lt1"/>
-          </a:fontRef>
-        </p:style>
-        <p:txBody>
-          <a:bodyPr rtlCol="0" anchor="ctr"/>
-          <a:lstStyle/>
-          <a:p>
-            <a:pPr algn="ctr"/>
-            <a:endParaRPr lang="zh-CN" altLang="en-US"/>
-          </a:p>
-        </p:txBody>
-      </p:sp>
-      <p:sp>
-        <p:nvSpPr>
-          <p:cNvPr id="34" name="文本框 33"/>
-          <p:cNvSpPr txBox="1"/>
-          <p:nvPr/>
-        </p:nvSpPr>
-        <p:spPr>
-          <a:xfrm>
-            <a:off x="1691640" y="1936267"/>
-            <a:ext cx="1291459" cy="523220"/>
-          </a:xfrm>
-          <a:prstGeom prst="rect">
-            <a:avLst/>
-          </a:prstGeom>
-          <a:noFill/>
-        </p:spPr>
-        <p:txBody>
-          <a:bodyPr wrap="square" rtlCol="0">
-            <a:spAutoFit/>
-          </a:bodyPr>
-          <a:lstStyle/>
-          <a:p>
-            <a:r>
-              <a:rPr lang="en-US" altLang="zh-CN" sz="2800" dirty="0" smtClean="0"/>
-              <a:t>1</a:t>
-            </a:r>
-            <a:endParaRPr lang="zh-CN" altLang="en-US" sz="2800" dirty="0"/>
-          </a:p>
-        </p:txBody>
-      </p:sp>
-      <p:sp>
-        <p:nvSpPr>
-          <p:cNvPr id="35" name="文本框 34"/>
-          <p:cNvSpPr txBox="1"/>
-          <p:nvPr/>
-        </p:nvSpPr>
-        <p:spPr>
-          <a:xfrm>
-            <a:off x="1691640" y="2977163"/>
-            <a:ext cx="1291459" cy="523220"/>
-          </a:xfrm>
-          <a:prstGeom prst="rect">
-            <a:avLst/>
-          </a:prstGeom>
-          <a:noFill/>
-        </p:spPr>
-        <p:txBody>
-          <a:bodyPr wrap="square" rtlCol="0">
-            <a:spAutoFit/>
-          </a:bodyPr>
-          <a:lstStyle/>
-          <a:p>
-            <a:r>
-              <a:rPr lang="en-US" altLang="zh-CN" sz="2800" dirty="0" smtClean="0"/>
-              <a:t>2</a:t>
-            </a:r>
-            <a:endParaRPr lang="zh-CN" altLang="en-US" sz="2800" dirty="0"/>
-          </a:p>
-        </p:txBody>
-      </p:sp>
-      <p:sp>
-        <p:nvSpPr>
-          <p:cNvPr id="36" name="文本框 35"/>
-          <p:cNvSpPr txBox="1"/>
-          <p:nvPr/>
-        </p:nvSpPr>
-        <p:spPr>
-          <a:xfrm>
-            <a:off x="1691639" y="4027512"/>
-            <a:ext cx="1291459" cy="523220"/>
-          </a:xfrm>
-          <a:prstGeom prst="rect">
-            <a:avLst/>
-          </a:prstGeom>
-          <a:noFill/>
-        </p:spPr>
-        <p:txBody>
-          <a:bodyPr wrap="square" rtlCol="0">
-            <a:spAutoFit/>
-          </a:bodyPr>
-          <a:lstStyle/>
-          <a:p>
-            <a:r>
-              <a:rPr lang="en-US" altLang="zh-CN" sz="2800" dirty="0" smtClean="0"/>
-              <a:t>3</a:t>
-            </a:r>
-            <a:endParaRPr lang="zh-CN" altLang="en-US" sz="2800" dirty="0"/>
-          </a:p>
-        </p:txBody>
-      </p:sp>
-      <p:sp>
-        <p:nvSpPr>
-          <p:cNvPr id="37" name="文本框 36"/>
-          <p:cNvSpPr txBox="1"/>
-          <p:nvPr/>
-        </p:nvSpPr>
-        <p:spPr>
-          <a:xfrm>
-            <a:off x="1691638" y="4987774"/>
-            <a:ext cx="1291459" cy="523220"/>
-          </a:xfrm>
-          <a:prstGeom prst="rect">
-            <a:avLst/>
-          </a:prstGeom>
-          <a:noFill/>
-        </p:spPr>
-        <p:txBody>
-          <a:bodyPr wrap="square" rtlCol="0">
-            <a:spAutoFit/>
-          </a:bodyPr>
-          <a:lstStyle/>
-          <a:p>
-            <a:r>
-              <a:rPr lang="en-US" altLang="zh-CN" sz="2800" dirty="0" smtClean="0"/>
-              <a:t>4</a:t>
-            </a:r>
-            <a:endParaRPr lang="zh-CN" altLang="en-US" sz="2800" dirty="0"/>
-          </a:p>
-        </p:txBody>
-      </p:sp>
-      <p:sp>
-        <p:nvSpPr>
-          <p:cNvPr id="44" name="文本框 43"/>
-          <p:cNvSpPr txBox="1"/>
-          <p:nvPr/>
-        </p:nvSpPr>
-        <p:spPr>
-          <a:xfrm>
-            <a:off x="2573589" y="2055785"/>
-            <a:ext cx="3295518" cy="369332"/>
-          </a:xfrm>
-          <a:prstGeom prst="rect">
-            <a:avLst/>
-          </a:prstGeom>
-          <a:noFill/>
-        </p:spPr>
-        <p:txBody>
-          <a:bodyPr wrap="square" rtlCol="0">
-            <a:spAutoFit/>
-          </a:bodyPr>
-          <a:lstStyle/>
-          <a:p>
-            <a:r>
-              <a:rPr lang="en-US" altLang="zh-TW" b="1" dirty="0" smtClean="0">
-                <a:solidFill>
-                  <a:schemeClr val="bg1"/>
-                </a:solidFill>
-              </a:rPr>
-              <a:t>Canvas</a:t>
-            </a:r>
-            <a:r>
-              <a:rPr lang="zh-TW" altLang="en-US" b="1" dirty="0" smtClean="0">
-                <a:solidFill>
-                  <a:schemeClr val="bg1"/>
-                </a:solidFill>
-              </a:rPr>
-              <a:t>介紹</a:t>
-            </a:r>
-            <a:endParaRPr lang="en-US" altLang="zh-TW" dirty="0">
-              <a:solidFill>
-                <a:schemeClr val="bg1"/>
-              </a:solidFill>
-            </a:endParaRPr>
-          </a:p>
-        </p:txBody>
-      </p:sp>
-      <p:sp>
-        <p:nvSpPr>
-          <p:cNvPr id="46" name="文本框 45"/>
-          <p:cNvSpPr txBox="1"/>
-          <p:nvPr/>
-        </p:nvSpPr>
-        <p:spPr>
-          <a:xfrm>
-            <a:off x="2573589" y="3077013"/>
-            <a:ext cx="3295518" cy="369332"/>
-          </a:xfrm>
-          <a:prstGeom prst="rect">
-            <a:avLst/>
-          </a:prstGeom>
-          <a:noFill/>
-        </p:spPr>
-        <p:txBody>
-          <a:bodyPr wrap="square" rtlCol="0">
-            <a:spAutoFit/>
-          </a:bodyPr>
-          <a:lstStyle/>
-          <a:p>
-            <a:r>
-              <a:rPr lang="en-US" altLang="zh-TW" b="1" dirty="0" err="1" smtClean="0">
-                <a:solidFill>
-                  <a:schemeClr val="bg1"/>
-                </a:solidFill>
-              </a:rPr>
-              <a:t>HTML5</a:t>
-            </a:r>
-            <a:r>
-              <a:rPr lang="en-US" altLang="zh-TW" b="1" dirty="0" smtClean="0">
-                <a:solidFill>
-                  <a:schemeClr val="bg1"/>
-                </a:solidFill>
-              </a:rPr>
-              <a:t> Canvas </a:t>
-            </a:r>
-            <a:r>
-              <a:rPr lang="zh-TW" altLang="en-US" b="1" dirty="0" smtClean="0">
-                <a:solidFill>
-                  <a:schemeClr val="bg1"/>
-                </a:solidFill>
-              </a:rPr>
-              <a:t>常用繪圖指令</a:t>
-            </a:r>
-            <a:endParaRPr lang="en-US" altLang="zh-TW" b="1" dirty="0">
-              <a:solidFill>
-                <a:schemeClr val="bg1"/>
-              </a:solidFill>
-            </a:endParaRPr>
-          </a:p>
-        </p:txBody>
-      </p:sp>
-      <p:sp>
-        <p:nvSpPr>
-          <p:cNvPr id="47" name="文本框 46"/>
-          <p:cNvSpPr txBox="1"/>
-          <p:nvPr/>
-        </p:nvSpPr>
-        <p:spPr>
-          <a:xfrm>
-            <a:off x="2573589" y="4119621"/>
-            <a:ext cx="3295518" cy="369332"/>
-          </a:xfrm>
-          <a:prstGeom prst="rect">
-            <a:avLst/>
-          </a:prstGeom>
-          <a:noFill/>
-        </p:spPr>
-        <p:txBody>
-          <a:bodyPr wrap="square" rtlCol="0">
-            <a:spAutoFit/>
-          </a:bodyPr>
-          <a:lstStyle/>
-          <a:p>
-            <a:r>
-              <a:rPr lang="en-US" altLang="zh-TW" b="1" dirty="0" smtClean="0">
-                <a:solidFill>
-                  <a:schemeClr val="bg1"/>
-                </a:solidFill>
-              </a:rPr>
-              <a:t>Canvas</a:t>
-            </a:r>
-            <a:r>
-              <a:rPr lang="zh-TW" altLang="en-US" b="1" dirty="0" smtClean="0">
-                <a:solidFill>
-                  <a:schemeClr val="bg1"/>
-                </a:solidFill>
-              </a:rPr>
-              <a:t> 應用實例</a:t>
-            </a:r>
-            <a:endParaRPr lang="zh-TW" altLang="en-US" b="1" dirty="0">
-              <a:solidFill>
-                <a:schemeClr val="bg1"/>
-              </a:solidFill>
-            </a:endParaRPr>
-          </a:p>
-        </p:txBody>
-      </p:sp>
-      <p:sp>
-        <p:nvSpPr>
-          <p:cNvPr id="48" name="文本框 47"/>
-          <p:cNvSpPr txBox="1"/>
-          <p:nvPr/>
-        </p:nvSpPr>
-        <p:spPr>
-          <a:xfrm>
-            <a:off x="2573589" y="5017962"/>
-            <a:ext cx="3295518" cy="369332"/>
-          </a:xfrm>
-          <a:prstGeom prst="rect">
-            <a:avLst/>
-          </a:prstGeom>
-          <a:noFill/>
-        </p:spPr>
-        <p:txBody>
-          <a:bodyPr wrap="square" rtlCol="0">
-            <a:spAutoFit/>
-          </a:bodyPr>
-          <a:lstStyle/>
-          <a:p>
-            <a:r>
-              <a:rPr lang="zh-TW" altLang="en-US" b="1" dirty="0">
-                <a:solidFill>
-                  <a:schemeClr val="bg1"/>
-                </a:solidFill>
-              </a:rPr>
-              <a:t>參考文獻</a:t>
-            </a:r>
-            <a:endParaRPr lang="zh-CN" altLang="en-US" b="1" dirty="0">
-              <a:solidFill>
-                <a:schemeClr val="bg1"/>
-              </a:solidFill>
-            </a:endParaRPr>
-          </a:p>
-        </p:txBody>
-      </p:sp>
-    </p:spTree>
-    <p:extLst>
-      <p:ext uri="{BB962C8B-B14F-4D97-AF65-F5344CB8AC3E}">
-        <p14:creationId xmlns:p14="http://schemas.microsoft.com/office/powerpoint/2010/main" val="2509616076"/>
-      </p:ext>
-    </p:extLst>
-  </p:cSld>
-  <p:clrMapOvr>
-    <a:masterClrMapping/>
-  </p:clrMapOvr>
-  <mc:AlternateContent xmlns:mc="http://schemas.openxmlformats.org/markup-compatibility/2006" xmlns:p14="http://schemas.microsoft.com/office/powerpoint/2010/main">
-    <mc:Choice Requires="p14">
-      <p:transition spd="med" p14:dur="700">
-        <p:fade/>
-      </p:transition>
-    </mc:Choice>
-    <mc:Fallback xmlns="">
-      <p:transition spd="med">
-        <p:fade/>
-      </p:transition>
-    </mc:Fallback>
-  </mc:AlternateContent>
-  <p:timing>
-    <p:tnLst>
-      <p:par>
-        <p:cTn id="1" dur="indefinite" restart="never" nodeType="tmRoot">
-          <p:childTnLst>
-            <p:seq concurrent="1" nextAc="seek">
-              <p:cTn id="2" dur="indefinite" nodeType="mainSeq">
-                <p:childTnLst>
-                  <p:par>
-                    <p:cTn id="3" fill="hold">
-                      <p:stCondLst>
-                        <p:cond delay="indefinite"/>
-                      </p:stCondLst>
-                      <p:childTnLst>
-                        <p:par>
-                          <p:cTn id="4" fill="hold">
-                            <p:stCondLst>
-                              <p:cond delay="0"/>
-                            </p:stCondLst>
-                            <p:childTnLst>
-                              <p:par>
-                                <p:cTn id="5" presetID="22" presetClass="entr" presetSubtype="8" fill="hold" nodeType="clickEffect">
-                                  <p:stCondLst>
-                                    <p:cond delay="0"/>
-                                  </p:stCondLst>
-                                  <p:childTnLst>
-                                    <p:set>
-                                      <p:cBhvr>
-                                        <p:cTn id="6" dur="1" fill="hold">
-                                          <p:stCondLst>
-                                            <p:cond delay="0"/>
-                                          </p:stCondLst>
-                                        </p:cTn>
-                                        <p:tgtEl>
-                                          <p:spTgt spid="5"/>
-                                        </p:tgtEl>
-                                        <p:attrNameLst>
-                                          <p:attrName>style.visibility</p:attrName>
-                                        </p:attrNameLst>
-                                      </p:cBhvr>
-                                      <p:to>
-                                        <p:strVal val="visible"/>
-                                      </p:to>
-                                    </p:set>
-                                    <p:animEffect transition="in" filter="wipe(left)">
-                                      <p:cBhvr>
-                                        <p:cTn id="7" dur="500"/>
-                                        <p:tgtEl>
-                                          <p:spTgt spid="5"/>
-                                        </p:tgtEl>
-                                      </p:cBhvr>
-                                    </p:animEffect>
-                                  </p:childTnLst>
-                                </p:cTn>
-                              </p:par>
-                              <p:par>
-                                <p:cTn id="8" presetID="22" presetClass="entr" presetSubtype="8" fill="hold" nodeType="withEffect">
-                                  <p:stCondLst>
-                                    <p:cond delay="0"/>
-                                  </p:stCondLst>
-                                  <p:childTnLst>
-                                    <p:set>
-                                      <p:cBhvr>
-                                        <p:cTn id="9" dur="1" fill="hold">
-                                          <p:stCondLst>
-                                            <p:cond delay="0"/>
-                                          </p:stCondLst>
-                                        </p:cTn>
-                                        <p:tgtEl>
-                                          <p:spTgt spid="6"/>
-                                        </p:tgtEl>
-                                        <p:attrNameLst>
-                                          <p:attrName>style.visibility</p:attrName>
-                                        </p:attrNameLst>
-                                      </p:cBhvr>
-                                      <p:to>
-                                        <p:strVal val="visible"/>
-                                      </p:to>
-                                    </p:set>
-                                    <p:animEffect transition="in" filter="wipe(left)">
-                                      <p:cBhvr>
-                                        <p:cTn id="10" dur="500"/>
-                                        <p:tgtEl>
-                                          <p:spTgt spid="6"/>
-                                        </p:tgtEl>
-                                      </p:cBhvr>
-                                    </p:animEffect>
-                                  </p:childTnLst>
-                                </p:cTn>
-                              </p:par>
-                            </p:childTnLst>
-                          </p:cTn>
-                        </p:par>
-                        <p:par>
-                          <p:cTn id="11" fill="hold">
-                            <p:stCondLst>
-                              <p:cond delay="500"/>
-                            </p:stCondLst>
-                            <p:childTnLst>
-                              <p:par>
-                                <p:cTn id="12" presetID="10" presetClass="entr" presetSubtype="0" fill="hold" grpId="0" nodeType="afterEffect">
-                                  <p:stCondLst>
-                                    <p:cond delay="0"/>
-                                  </p:stCondLst>
-                                  <p:childTnLst>
-                                    <p:set>
-                                      <p:cBhvr>
-                                        <p:cTn id="13" dur="1" fill="hold">
-                                          <p:stCondLst>
-                                            <p:cond delay="0"/>
-                                          </p:stCondLst>
-                                        </p:cTn>
-                                        <p:tgtEl>
-                                          <p:spTgt spid="7"/>
-                                        </p:tgtEl>
-                                        <p:attrNameLst>
-                                          <p:attrName>style.visibility</p:attrName>
-                                        </p:attrNameLst>
-                                      </p:cBhvr>
-                                      <p:to>
-                                        <p:strVal val="visible"/>
-                                      </p:to>
-                                    </p:set>
-                                    <p:animEffect transition="in" filter="fade">
-                                      <p:cBhvr>
-                                        <p:cTn id="14" dur="500"/>
-                                        <p:tgtEl>
-                                          <p:spTgt spid="7"/>
-                                        </p:tgtEl>
-                                      </p:cBhvr>
-                                    </p:animEffect>
-                                  </p:childTnLst>
-                                </p:cTn>
-                              </p:par>
-                            </p:childTnLst>
-                          </p:cTn>
-                        </p:par>
-                        <p:par>
-                          <p:cTn id="15" fill="hold">
-                            <p:stCondLst>
-                              <p:cond delay="1000"/>
-                            </p:stCondLst>
-                            <p:childTnLst>
-                              <p:par>
-                                <p:cTn id="16" presetID="10" presetClass="entr" presetSubtype="0" fill="hold" grpId="0" nodeType="afterEffect">
-                                  <p:stCondLst>
-                                    <p:cond delay="0"/>
-                                  </p:stCondLst>
-                                  <p:childTnLst>
-                                    <p:set>
-                                      <p:cBhvr>
-                                        <p:cTn id="17" dur="1" fill="hold">
-                                          <p:stCondLst>
-                                            <p:cond delay="0"/>
-                                          </p:stCondLst>
-                                        </p:cTn>
-                                        <p:tgtEl>
-                                          <p:spTgt spid="8"/>
-                                        </p:tgtEl>
-                                        <p:attrNameLst>
-                                          <p:attrName>style.visibility</p:attrName>
-                                        </p:attrNameLst>
-                                      </p:cBhvr>
-                                      <p:to>
-                                        <p:strVal val="visible"/>
-                                      </p:to>
-                                    </p:set>
-                                    <p:animEffect transition="in" filter="fade">
-                                      <p:cBhvr>
-                                        <p:cTn id="18" dur="500"/>
-                                        <p:tgtEl>
-                                          <p:spTgt spid="8"/>
-                                        </p:tgtEl>
-                                      </p:cBhvr>
-                                    </p:animEffect>
-                                  </p:childTnLst>
-                                </p:cTn>
-                              </p:par>
-                              <p:par>
-                                <p:cTn id="19" presetID="10" presetClass="entr" presetSubtype="0" fill="hold" grpId="0" nodeType="withEffect">
-                                  <p:stCondLst>
-                                    <p:cond delay="0"/>
-                                  </p:stCondLst>
-                                  <p:childTnLst>
-                                    <p:set>
-                                      <p:cBhvr>
-                                        <p:cTn id="20" dur="1" fill="hold">
-                                          <p:stCondLst>
-                                            <p:cond delay="0"/>
-                                          </p:stCondLst>
-                                        </p:cTn>
-                                        <p:tgtEl>
-                                          <p:spTgt spid="9"/>
-                                        </p:tgtEl>
-                                        <p:attrNameLst>
-                                          <p:attrName>style.visibility</p:attrName>
-                                        </p:attrNameLst>
-                                      </p:cBhvr>
-                                      <p:to>
-                                        <p:strVal val="visible"/>
-                                      </p:to>
-                                    </p:set>
-                                    <p:animEffect transition="in" filter="fade">
-                                      <p:cBhvr>
-                                        <p:cTn id="21" dur="500"/>
-                                        <p:tgtEl>
-                                          <p:spTgt spid="9"/>
-                                        </p:tgtEl>
-                                      </p:cBhvr>
-                                    </p:animEffect>
-                                  </p:childTnLst>
-                                </p:cTn>
-                              </p:par>
-                              <p:par>
-                                <p:cTn id="22" presetID="10" presetClass="entr" presetSubtype="0" fill="hold" grpId="0" nodeType="withEffect">
-                                  <p:stCondLst>
-                                    <p:cond delay="0"/>
-                                  </p:stCondLst>
-                                  <p:childTnLst>
-                                    <p:set>
-                                      <p:cBhvr>
-                                        <p:cTn id="23" dur="1" fill="hold">
-                                          <p:stCondLst>
-                                            <p:cond delay="0"/>
-                                          </p:stCondLst>
-                                        </p:cTn>
-                                        <p:tgtEl>
-                                          <p:spTgt spid="10"/>
-                                        </p:tgtEl>
-                                        <p:attrNameLst>
-                                          <p:attrName>style.visibility</p:attrName>
-                                        </p:attrNameLst>
-                                      </p:cBhvr>
-                                      <p:to>
-                                        <p:strVal val="visible"/>
-                                      </p:to>
-                                    </p:set>
-                                    <p:animEffect transition="in" filter="fade">
-                                      <p:cBhvr>
-                                        <p:cTn id="24" dur="500"/>
-                                        <p:tgtEl>
-                                          <p:spTgt spid="10"/>
-                                        </p:tgtEl>
-                                      </p:cBhvr>
-                                    </p:animEffect>
-                                  </p:childTnLst>
-                                </p:cTn>
-                              </p:par>
-                            </p:childTnLst>
-                          </p:cTn>
-                        </p:par>
-                      </p:childTnLst>
-                    </p:cTn>
-                  </p:par>
-                  <p:par>
-                    <p:cTn id="25" fill="hold">
-                      <p:stCondLst>
-                        <p:cond delay="indefinite"/>
-                      </p:stCondLst>
-                      <p:childTnLst>
-                        <p:par>
-                          <p:cTn id="26" fill="hold">
-                            <p:stCondLst>
-                              <p:cond delay="0"/>
-                            </p:stCondLst>
-                            <p:childTnLst>
-                              <p:par>
-                                <p:cTn id="27" presetID="22" presetClass="entr" presetSubtype="1" fill="hold" nodeType="clickEffect">
-                                  <p:stCondLst>
-                                    <p:cond delay="0"/>
-                                  </p:stCondLst>
-                                  <p:childTnLst>
-                                    <p:set>
-                                      <p:cBhvr>
-                                        <p:cTn id="28" dur="1" fill="hold">
-                                          <p:stCondLst>
-                                            <p:cond delay="0"/>
-                                          </p:stCondLst>
-                                        </p:cTn>
-                                        <p:tgtEl>
-                                          <p:spTgt spid="15"/>
-                                        </p:tgtEl>
-                                        <p:attrNameLst>
-                                          <p:attrName>style.visibility</p:attrName>
-                                        </p:attrNameLst>
-                                      </p:cBhvr>
-                                      <p:to>
-                                        <p:strVal val="visible"/>
-                                      </p:to>
-                                    </p:set>
-                                    <p:animEffect transition="in" filter="wipe(up)">
-                                      <p:cBhvr>
-                                        <p:cTn id="29" dur="500"/>
-                                        <p:tgtEl>
-                                          <p:spTgt spid="15"/>
-                                        </p:tgtEl>
-                                      </p:cBhvr>
-                                    </p:animEffect>
-                                  </p:childTnLst>
-                                </p:cTn>
-                              </p:par>
-                            </p:childTnLst>
-                          </p:cTn>
-                        </p:par>
-                        <p:par>
-                          <p:cTn id="30" fill="hold">
-                            <p:stCondLst>
-                              <p:cond delay="500"/>
-                            </p:stCondLst>
-                            <p:childTnLst>
-                              <p:par>
-                                <p:cTn id="31" presetID="22" presetClass="entr" presetSubtype="2" fill="hold" nodeType="afterEffect">
-                                  <p:stCondLst>
-                                    <p:cond delay="0"/>
-                                  </p:stCondLst>
-                                  <p:childTnLst>
-                                    <p:set>
-                                      <p:cBhvr>
-                                        <p:cTn id="32" dur="1" fill="hold">
-                                          <p:stCondLst>
-                                            <p:cond delay="0"/>
-                                          </p:stCondLst>
-                                        </p:cTn>
-                                        <p:tgtEl>
-                                          <p:spTgt spid="17"/>
-                                        </p:tgtEl>
-                                        <p:attrNameLst>
-                                          <p:attrName>style.visibility</p:attrName>
-                                        </p:attrNameLst>
-                                      </p:cBhvr>
-                                      <p:to>
-                                        <p:strVal val="visible"/>
-                                      </p:to>
-                                    </p:set>
-                                    <p:animEffect transition="in" filter="wipe(right)">
-                                      <p:cBhvr>
-                                        <p:cTn id="33" dur="500"/>
-                                        <p:tgtEl>
-                                          <p:spTgt spid="17"/>
-                                        </p:tgtEl>
-                                      </p:cBhvr>
-                                    </p:animEffect>
-                                  </p:childTnLst>
-                                </p:cTn>
-                              </p:par>
-                            </p:childTnLst>
-                          </p:cTn>
-                        </p:par>
-                        <p:par>
-                          <p:cTn id="34" fill="hold">
-                            <p:stCondLst>
-                              <p:cond delay="1000"/>
-                            </p:stCondLst>
-                            <p:childTnLst>
-                              <p:par>
-                                <p:cTn id="35" presetID="22" presetClass="entr" presetSubtype="4" fill="hold" nodeType="afterEffect">
-                                  <p:stCondLst>
-                                    <p:cond delay="0"/>
-                                  </p:stCondLst>
-                                  <p:childTnLst>
-                                    <p:set>
-                                      <p:cBhvr>
-                                        <p:cTn id="36" dur="1" fill="hold">
-                                          <p:stCondLst>
-                                            <p:cond delay="0"/>
-                                          </p:stCondLst>
-                                        </p:cTn>
-                                        <p:tgtEl>
-                                          <p:spTgt spid="19"/>
-                                        </p:tgtEl>
-                                        <p:attrNameLst>
-                                          <p:attrName>style.visibility</p:attrName>
-                                        </p:attrNameLst>
-                                      </p:cBhvr>
-                                      <p:to>
-                                        <p:strVal val="visible"/>
-                                      </p:to>
-                                    </p:set>
-                                    <p:animEffect transition="in" filter="wipe(down)">
-                                      <p:cBhvr>
-                                        <p:cTn id="37" dur="500"/>
-                                        <p:tgtEl>
-                                          <p:spTgt spid="19"/>
-                                        </p:tgtEl>
-                                      </p:cBhvr>
-                                    </p:animEffect>
-                                  </p:childTnLst>
-                                </p:cTn>
-                              </p:par>
-                              <p:par>
-                                <p:cTn id="38" presetID="49" presetClass="entr" presetSubtype="0" decel="100000" fill="hold" grpId="0" nodeType="withEffect">
-                                  <p:stCondLst>
-                                    <p:cond delay="300"/>
-                                  </p:stCondLst>
-                                  <p:childTnLst>
-                                    <p:set>
-                                      <p:cBhvr>
-                                        <p:cTn id="39" dur="1" fill="hold">
-                                          <p:stCondLst>
-                                            <p:cond delay="0"/>
-                                          </p:stCondLst>
-                                        </p:cTn>
-                                        <p:tgtEl>
-                                          <p:spTgt spid="20"/>
-                                        </p:tgtEl>
-                                        <p:attrNameLst>
-                                          <p:attrName>style.visibility</p:attrName>
-                                        </p:attrNameLst>
-                                      </p:cBhvr>
-                                      <p:to>
-                                        <p:strVal val="visible"/>
-                                      </p:to>
-                                    </p:set>
-                                    <p:anim calcmode="lin" valueType="num">
-                                      <p:cBhvr>
-                                        <p:cTn id="40" dur="500" fill="hold"/>
-                                        <p:tgtEl>
-                                          <p:spTgt spid="20"/>
-                                        </p:tgtEl>
-                                        <p:attrNameLst>
-                                          <p:attrName>ppt_w</p:attrName>
-                                        </p:attrNameLst>
-                                      </p:cBhvr>
-                                      <p:tavLst>
-                                        <p:tav tm="0">
-                                          <p:val>
-                                            <p:fltVal val="0"/>
-                                          </p:val>
-                                        </p:tav>
-                                        <p:tav tm="100000">
-                                          <p:val>
-                                            <p:strVal val="#ppt_w"/>
-                                          </p:val>
-                                        </p:tav>
-                                      </p:tavLst>
-                                    </p:anim>
-                                    <p:anim calcmode="lin" valueType="num">
-                                      <p:cBhvr>
-                                        <p:cTn id="41" dur="500" fill="hold"/>
-                                        <p:tgtEl>
-                                          <p:spTgt spid="20"/>
-                                        </p:tgtEl>
-                                        <p:attrNameLst>
-                                          <p:attrName>ppt_h</p:attrName>
-                                        </p:attrNameLst>
-                                      </p:cBhvr>
-                                      <p:tavLst>
-                                        <p:tav tm="0">
-                                          <p:val>
-                                            <p:fltVal val="0"/>
-                                          </p:val>
-                                        </p:tav>
-                                        <p:tav tm="100000">
-                                          <p:val>
-                                            <p:strVal val="#ppt_h"/>
-                                          </p:val>
-                                        </p:tav>
-                                      </p:tavLst>
-                                    </p:anim>
-                                    <p:anim calcmode="lin" valueType="num">
-                                      <p:cBhvr>
-                                        <p:cTn id="42" dur="500" fill="hold"/>
-                                        <p:tgtEl>
-                                          <p:spTgt spid="20"/>
-                                        </p:tgtEl>
-                                        <p:attrNameLst>
-                                          <p:attrName>style.rotation</p:attrName>
-                                        </p:attrNameLst>
-                                      </p:cBhvr>
-                                      <p:tavLst>
-                                        <p:tav tm="0">
-                                          <p:val>
-                                            <p:fltVal val="360"/>
-                                          </p:val>
-                                        </p:tav>
-                                        <p:tav tm="100000">
-                                          <p:val>
-                                            <p:fltVal val="0"/>
-                                          </p:val>
-                                        </p:tav>
-                                      </p:tavLst>
-                                    </p:anim>
-                                    <p:animEffect transition="in" filter="fade">
-                                      <p:cBhvr>
-                                        <p:cTn id="43" dur="500"/>
-                                        <p:tgtEl>
-                                          <p:spTgt spid="20"/>
-                                        </p:tgtEl>
-                                      </p:cBhvr>
-                                    </p:animEffect>
-                                  </p:childTnLst>
-                                </p:cTn>
-                              </p:par>
-                            </p:childTnLst>
-                          </p:cTn>
-                        </p:par>
-                        <p:par>
-                          <p:cTn id="44" fill="hold">
-                            <p:stCondLst>
-                              <p:cond delay="1800"/>
-                            </p:stCondLst>
-                            <p:childTnLst>
-                              <p:par>
-                                <p:cTn id="45" presetID="22" presetClass="entr" presetSubtype="4" fill="hold" nodeType="afterEffect">
-                                  <p:stCondLst>
-                                    <p:cond delay="0"/>
-                                  </p:stCondLst>
-                                  <p:childTnLst>
-                                    <p:set>
-                                      <p:cBhvr>
-                                        <p:cTn id="46" dur="1" fill="hold">
-                                          <p:stCondLst>
-                                            <p:cond delay="0"/>
-                                          </p:stCondLst>
-                                        </p:cTn>
-                                        <p:tgtEl>
-                                          <p:spTgt spid="25"/>
-                                        </p:tgtEl>
-                                        <p:attrNameLst>
-                                          <p:attrName>style.visibility</p:attrName>
-                                        </p:attrNameLst>
-                                      </p:cBhvr>
-                                      <p:to>
-                                        <p:strVal val="visible"/>
-                                      </p:to>
-                                    </p:set>
-                                    <p:animEffect transition="in" filter="wipe(down)">
-                                      <p:cBhvr>
-                                        <p:cTn id="47" dur="500"/>
-                                        <p:tgtEl>
-                                          <p:spTgt spid="25"/>
-                                        </p:tgtEl>
-                                      </p:cBhvr>
-                                    </p:animEffect>
-                                  </p:childTnLst>
-                                </p:cTn>
-                              </p:par>
-                              <p:par>
-                                <p:cTn id="48" presetID="49" presetClass="entr" presetSubtype="0" decel="100000" fill="hold" grpId="0" nodeType="withEffect">
-                                  <p:stCondLst>
-                                    <p:cond delay="300"/>
-                                  </p:stCondLst>
-                                  <p:childTnLst>
-                                    <p:set>
-                                      <p:cBhvr>
-                                        <p:cTn id="49" dur="1" fill="hold">
-                                          <p:stCondLst>
-                                            <p:cond delay="0"/>
-                                          </p:stCondLst>
-                                        </p:cTn>
-                                        <p:tgtEl>
-                                          <p:spTgt spid="26"/>
-                                        </p:tgtEl>
-                                        <p:attrNameLst>
-                                          <p:attrName>style.visibility</p:attrName>
-                                        </p:attrNameLst>
-                                      </p:cBhvr>
-                                      <p:to>
-                                        <p:strVal val="visible"/>
-                                      </p:to>
-                                    </p:set>
-                                    <p:anim calcmode="lin" valueType="num">
-                                      <p:cBhvr>
-                                        <p:cTn id="50" dur="500" fill="hold"/>
-                                        <p:tgtEl>
-                                          <p:spTgt spid="26"/>
-                                        </p:tgtEl>
-                                        <p:attrNameLst>
-                                          <p:attrName>ppt_w</p:attrName>
-                                        </p:attrNameLst>
-                                      </p:cBhvr>
-                                      <p:tavLst>
-                                        <p:tav tm="0">
-                                          <p:val>
-                                            <p:fltVal val="0"/>
-                                          </p:val>
-                                        </p:tav>
-                                        <p:tav tm="100000">
-                                          <p:val>
-                                            <p:strVal val="#ppt_w"/>
-                                          </p:val>
-                                        </p:tav>
-                                      </p:tavLst>
-                                    </p:anim>
-                                    <p:anim calcmode="lin" valueType="num">
-                                      <p:cBhvr>
-                                        <p:cTn id="51" dur="500" fill="hold"/>
-                                        <p:tgtEl>
-                                          <p:spTgt spid="26"/>
-                                        </p:tgtEl>
-                                        <p:attrNameLst>
-                                          <p:attrName>ppt_h</p:attrName>
-                                        </p:attrNameLst>
-                                      </p:cBhvr>
-                                      <p:tavLst>
-                                        <p:tav tm="0">
-                                          <p:val>
-                                            <p:fltVal val="0"/>
-                                          </p:val>
-                                        </p:tav>
-                                        <p:tav tm="100000">
-                                          <p:val>
-                                            <p:strVal val="#ppt_h"/>
-                                          </p:val>
-                                        </p:tav>
-                                      </p:tavLst>
-                                    </p:anim>
-                                    <p:anim calcmode="lin" valueType="num">
-                                      <p:cBhvr>
-                                        <p:cTn id="52" dur="500" fill="hold"/>
-                                        <p:tgtEl>
-                                          <p:spTgt spid="26"/>
-                                        </p:tgtEl>
-                                        <p:attrNameLst>
-                                          <p:attrName>style.rotation</p:attrName>
-                                        </p:attrNameLst>
-                                      </p:cBhvr>
-                                      <p:tavLst>
-                                        <p:tav tm="0">
-                                          <p:val>
-                                            <p:fltVal val="360"/>
-                                          </p:val>
-                                        </p:tav>
-                                        <p:tav tm="100000">
-                                          <p:val>
-                                            <p:fltVal val="0"/>
-                                          </p:val>
-                                        </p:tav>
-                                      </p:tavLst>
-                                    </p:anim>
-                                    <p:animEffect transition="in" filter="fade">
-                                      <p:cBhvr>
-                                        <p:cTn id="53" dur="500"/>
-                                        <p:tgtEl>
-                                          <p:spTgt spid="26"/>
-                                        </p:tgtEl>
-                                      </p:cBhvr>
-                                    </p:animEffect>
-                                  </p:childTnLst>
-                                </p:cTn>
-                              </p:par>
-                            </p:childTnLst>
-                          </p:cTn>
-                        </p:par>
-                        <p:par>
-                          <p:cTn id="54" fill="hold">
-                            <p:stCondLst>
-                              <p:cond delay="2600"/>
-                            </p:stCondLst>
-                            <p:childTnLst>
-                              <p:par>
-                                <p:cTn id="55" presetID="22" presetClass="entr" presetSubtype="4" fill="hold" nodeType="afterEffect">
-                                  <p:stCondLst>
-                                    <p:cond delay="0"/>
-                                  </p:stCondLst>
-                                  <p:childTnLst>
-                                    <p:set>
-                                      <p:cBhvr>
-                                        <p:cTn id="56" dur="1" fill="hold">
-                                          <p:stCondLst>
-                                            <p:cond delay="0"/>
-                                          </p:stCondLst>
-                                        </p:cTn>
-                                        <p:tgtEl>
-                                          <p:spTgt spid="27"/>
-                                        </p:tgtEl>
-                                        <p:attrNameLst>
-                                          <p:attrName>style.visibility</p:attrName>
-                                        </p:attrNameLst>
-                                      </p:cBhvr>
-                                      <p:to>
-                                        <p:strVal val="visible"/>
-                                      </p:to>
-                                    </p:set>
-                                    <p:animEffect transition="in" filter="wipe(down)">
-                                      <p:cBhvr>
-                                        <p:cTn id="57" dur="500"/>
-                                        <p:tgtEl>
-                                          <p:spTgt spid="27"/>
-                                        </p:tgtEl>
-                                      </p:cBhvr>
-                                    </p:animEffect>
-                                  </p:childTnLst>
-                                </p:cTn>
-                              </p:par>
-                              <p:par>
-                                <p:cTn id="58" presetID="49" presetClass="entr" presetSubtype="0" decel="100000" fill="hold" grpId="0" nodeType="withEffect">
-                                  <p:stCondLst>
-                                    <p:cond delay="300"/>
-                                  </p:stCondLst>
-                                  <p:childTnLst>
-                                    <p:set>
-                                      <p:cBhvr>
-                                        <p:cTn id="59" dur="1" fill="hold">
-                                          <p:stCondLst>
-                                            <p:cond delay="0"/>
-                                          </p:stCondLst>
-                                        </p:cTn>
-                                        <p:tgtEl>
-                                          <p:spTgt spid="28"/>
-                                        </p:tgtEl>
-                                        <p:attrNameLst>
-                                          <p:attrName>style.visibility</p:attrName>
-                                        </p:attrNameLst>
-                                      </p:cBhvr>
-                                      <p:to>
-                                        <p:strVal val="visible"/>
-                                      </p:to>
-                                    </p:set>
-                                    <p:anim calcmode="lin" valueType="num">
-                                      <p:cBhvr>
-                                        <p:cTn id="60" dur="500" fill="hold"/>
-                                        <p:tgtEl>
-                                          <p:spTgt spid="28"/>
-                                        </p:tgtEl>
-                                        <p:attrNameLst>
-                                          <p:attrName>ppt_w</p:attrName>
-                                        </p:attrNameLst>
-                                      </p:cBhvr>
-                                      <p:tavLst>
-                                        <p:tav tm="0">
-                                          <p:val>
-                                            <p:fltVal val="0"/>
-                                          </p:val>
-                                        </p:tav>
-                                        <p:tav tm="100000">
-                                          <p:val>
-                                            <p:strVal val="#ppt_w"/>
-                                          </p:val>
-                                        </p:tav>
-                                      </p:tavLst>
-                                    </p:anim>
-                                    <p:anim calcmode="lin" valueType="num">
-                                      <p:cBhvr>
-                                        <p:cTn id="61" dur="500" fill="hold"/>
-                                        <p:tgtEl>
-                                          <p:spTgt spid="28"/>
-                                        </p:tgtEl>
-                                        <p:attrNameLst>
-                                          <p:attrName>ppt_h</p:attrName>
-                                        </p:attrNameLst>
-                                      </p:cBhvr>
-                                      <p:tavLst>
-                                        <p:tav tm="0">
-                                          <p:val>
-                                            <p:fltVal val="0"/>
-                                          </p:val>
-                                        </p:tav>
-                                        <p:tav tm="100000">
-                                          <p:val>
-                                            <p:strVal val="#ppt_h"/>
-                                          </p:val>
-                                        </p:tav>
-                                      </p:tavLst>
-                                    </p:anim>
-                                    <p:anim calcmode="lin" valueType="num">
-                                      <p:cBhvr>
-                                        <p:cTn id="62" dur="500" fill="hold"/>
-                                        <p:tgtEl>
-                                          <p:spTgt spid="28"/>
-                                        </p:tgtEl>
-                                        <p:attrNameLst>
-                                          <p:attrName>style.rotation</p:attrName>
-                                        </p:attrNameLst>
-                                      </p:cBhvr>
-                                      <p:tavLst>
-                                        <p:tav tm="0">
-                                          <p:val>
-                                            <p:fltVal val="360"/>
-                                          </p:val>
-                                        </p:tav>
-                                        <p:tav tm="100000">
-                                          <p:val>
-                                            <p:fltVal val="0"/>
-                                          </p:val>
-                                        </p:tav>
-                                      </p:tavLst>
-                                    </p:anim>
-                                    <p:animEffect transition="in" filter="fade">
-                                      <p:cBhvr>
-                                        <p:cTn id="63" dur="500"/>
-                                        <p:tgtEl>
-                                          <p:spTgt spid="28"/>
-                                        </p:tgtEl>
-                                      </p:cBhvr>
-                                    </p:animEffect>
-                                  </p:childTnLst>
-                                </p:cTn>
-                              </p:par>
-                            </p:childTnLst>
-                          </p:cTn>
-                        </p:par>
-                        <p:par>
-                          <p:cTn id="64" fill="hold">
-                            <p:stCondLst>
-                              <p:cond delay="3400"/>
-                            </p:stCondLst>
-                            <p:childTnLst>
-                              <p:par>
-                                <p:cTn id="65" presetID="22" presetClass="entr" presetSubtype="4" fill="hold" nodeType="afterEffect">
-                                  <p:stCondLst>
-                                    <p:cond delay="0"/>
-                                  </p:stCondLst>
-                                  <p:childTnLst>
-                                    <p:set>
-                                      <p:cBhvr>
-                                        <p:cTn id="66" dur="1" fill="hold">
-                                          <p:stCondLst>
-                                            <p:cond delay="0"/>
-                                          </p:stCondLst>
-                                        </p:cTn>
-                                        <p:tgtEl>
-                                          <p:spTgt spid="29"/>
-                                        </p:tgtEl>
-                                        <p:attrNameLst>
-                                          <p:attrName>style.visibility</p:attrName>
-                                        </p:attrNameLst>
-                                      </p:cBhvr>
-                                      <p:to>
-                                        <p:strVal val="visible"/>
-                                      </p:to>
-                                    </p:set>
-                                    <p:animEffect transition="in" filter="wipe(down)">
-                                      <p:cBhvr>
-                                        <p:cTn id="67" dur="500"/>
-                                        <p:tgtEl>
-                                          <p:spTgt spid="29"/>
-                                        </p:tgtEl>
-                                      </p:cBhvr>
-                                    </p:animEffect>
-                                  </p:childTnLst>
-                                </p:cTn>
-                              </p:par>
-                              <p:par>
-                                <p:cTn id="68" presetID="49" presetClass="entr" presetSubtype="0" decel="100000" fill="hold" grpId="0" nodeType="withEffect">
-                                  <p:stCondLst>
-                                    <p:cond delay="300"/>
-                                  </p:stCondLst>
-                                  <p:childTnLst>
-                                    <p:set>
-                                      <p:cBhvr>
-                                        <p:cTn id="69" dur="1" fill="hold">
-                                          <p:stCondLst>
-                                            <p:cond delay="0"/>
-                                          </p:stCondLst>
-                                        </p:cTn>
-                                        <p:tgtEl>
-                                          <p:spTgt spid="30"/>
-                                        </p:tgtEl>
-                                        <p:attrNameLst>
-                                          <p:attrName>style.visibility</p:attrName>
-                                        </p:attrNameLst>
-                                      </p:cBhvr>
-                                      <p:to>
-                                        <p:strVal val="visible"/>
-                                      </p:to>
-                                    </p:set>
-                                    <p:anim calcmode="lin" valueType="num">
-                                      <p:cBhvr>
-                                        <p:cTn id="70" dur="500" fill="hold"/>
-                                        <p:tgtEl>
-                                          <p:spTgt spid="30"/>
-                                        </p:tgtEl>
-                                        <p:attrNameLst>
-                                          <p:attrName>ppt_w</p:attrName>
-                                        </p:attrNameLst>
-                                      </p:cBhvr>
-                                      <p:tavLst>
-                                        <p:tav tm="0">
-                                          <p:val>
-                                            <p:fltVal val="0"/>
-                                          </p:val>
-                                        </p:tav>
-                                        <p:tav tm="100000">
-                                          <p:val>
-                                            <p:strVal val="#ppt_w"/>
-                                          </p:val>
-                                        </p:tav>
-                                      </p:tavLst>
-                                    </p:anim>
-                                    <p:anim calcmode="lin" valueType="num">
-                                      <p:cBhvr>
-                                        <p:cTn id="71" dur="500" fill="hold"/>
-                                        <p:tgtEl>
-                                          <p:spTgt spid="30"/>
-                                        </p:tgtEl>
-                                        <p:attrNameLst>
-                                          <p:attrName>ppt_h</p:attrName>
-                                        </p:attrNameLst>
-                                      </p:cBhvr>
-                                      <p:tavLst>
-                                        <p:tav tm="0">
-                                          <p:val>
-                                            <p:fltVal val="0"/>
-                                          </p:val>
-                                        </p:tav>
-                                        <p:tav tm="100000">
-                                          <p:val>
-                                            <p:strVal val="#ppt_h"/>
-                                          </p:val>
-                                        </p:tav>
-                                      </p:tavLst>
-                                    </p:anim>
-                                    <p:anim calcmode="lin" valueType="num">
-                                      <p:cBhvr>
-                                        <p:cTn id="72" dur="500" fill="hold"/>
-                                        <p:tgtEl>
-                                          <p:spTgt spid="30"/>
-                                        </p:tgtEl>
-                                        <p:attrNameLst>
-                                          <p:attrName>style.rotation</p:attrName>
-                                        </p:attrNameLst>
-                                      </p:cBhvr>
-                                      <p:tavLst>
-                                        <p:tav tm="0">
-                                          <p:val>
-                                            <p:fltVal val="360"/>
-                                          </p:val>
-                                        </p:tav>
-                                        <p:tav tm="100000">
-                                          <p:val>
-                                            <p:fltVal val="0"/>
-                                          </p:val>
-                                        </p:tav>
-                                      </p:tavLst>
-                                    </p:anim>
-                                    <p:animEffect transition="in" filter="fade">
-                                      <p:cBhvr>
-                                        <p:cTn id="73" dur="500"/>
-                                        <p:tgtEl>
-                                          <p:spTgt spid="30"/>
-                                        </p:tgtEl>
-                                      </p:cBhvr>
-                                    </p:animEffect>
-                                  </p:childTnLst>
-                                </p:cTn>
-                              </p:par>
-                            </p:childTnLst>
-                          </p:cTn>
-                        </p:par>
-                      </p:childTnLst>
-                    </p:cTn>
-                  </p:par>
-                  <p:par>
-                    <p:cTn id="74" fill="hold">
-                      <p:stCondLst>
-                        <p:cond delay="indefinite"/>
-                      </p:stCondLst>
-                      <p:childTnLst>
-                        <p:par>
-                          <p:cTn id="75" fill="hold">
-                            <p:stCondLst>
-                              <p:cond delay="0"/>
-                            </p:stCondLst>
-                            <p:childTnLst>
-                              <p:par>
-                                <p:cTn id="76" presetID="10" presetClass="entr" presetSubtype="0" fill="hold" grpId="0" nodeType="clickEffect">
-                                  <p:stCondLst>
-                                    <p:cond delay="0"/>
-                                  </p:stCondLst>
-                                  <p:childTnLst>
-                                    <p:set>
-                                      <p:cBhvr>
-                                        <p:cTn id="77" dur="1" fill="hold">
-                                          <p:stCondLst>
-                                            <p:cond delay="0"/>
-                                          </p:stCondLst>
-                                        </p:cTn>
-                                        <p:tgtEl>
-                                          <p:spTgt spid="34"/>
-                                        </p:tgtEl>
-                                        <p:attrNameLst>
-                                          <p:attrName>style.visibility</p:attrName>
-                                        </p:attrNameLst>
-                                      </p:cBhvr>
-                                      <p:to>
-                                        <p:strVal val="visible"/>
-                                      </p:to>
-                                    </p:set>
-                                    <p:animEffect transition="in" filter="fade">
-                                      <p:cBhvr>
-                                        <p:cTn id="78" dur="500"/>
-                                        <p:tgtEl>
-                                          <p:spTgt spid="34"/>
-                                        </p:tgtEl>
-                                      </p:cBhvr>
-                                    </p:animEffect>
-                                  </p:childTnLst>
-                                </p:cTn>
-                              </p:par>
-                            </p:childTnLst>
-                          </p:cTn>
-                        </p:par>
-                        <p:par>
-                          <p:cTn id="79" fill="hold">
-                            <p:stCondLst>
-                              <p:cond delay="500"/>
-                            </p:stCondLst>
-                            <p:childTnLst>
-                              <p:par>
-                                <p:cTn id="80" presetID="10" presetClass="entr" presetSubtype="0" fill="hold" grpId="0" nodeType="afterEffect">
-                                  <p:stCondLst>
-                                    <p:cond delay="0"/>
-                                  </p:stCondLst>
-                                  <p:childTnLst>
-                                    <p:set>
-                                      <p:cBhvr>
-                                        <p:cTn id="81" dur="1" fill="hold">
-                                          <p:stCondLst>
-                                            <p:cond delay="0"/>
-                                          </p:stCondLst>
-                                        </p:cTn>
-                                        <p:tgtEl>
-                                          <p:spTgt spid="35"/>
-                                        </p:tgtEl>
-                                        <p:attrNameLst>
-                                          <p:attrName>style.visibility</p:attrName>
-                                        </p:attrNameLst>
-                                      </p:cBhvr>
-                                      <p:to>
-                                        <p:strVal val="visible"/>
-                                      </p:to>
-                                    </p:set>
-                                    <p:animEffect transition="in" filter="fade">
-                                      <p:cBhvr>
-                                        <p:cTn id="82" dur="500"/>
-                                        <p:tgtEl>
-                                          <p:spTgt spid="35"/>
-                                        </p:tgtEl>
-                                      </p:cBhvr>
-                                    </p:animEffect>
-                                  </p:childTnLst>
-                                </p:cTn>
-                              </p:par>
-                            </p:childTnLst>
-                          </p:cTn>
-                        </p:par>
-                        <p:par>
-                          <p:cTn id="83" fill="hold">
-                            <p:stCondLst>
-                              <p:cond delay="1000"/>
-                            </p:stCondLst>
-                            <p:childTnLst>
-                              <p:par>
-                                <p:cTn id="84" presetID="10" presetClass="entr" presetSubtype="0" fill="hold" grpId="0" nodeType="afterEffect">
-                                  <p:stCondLst>
-                                    <p:cond delay="0"/>
-                                  </p:stCondLst>
-                                  <p:childTnLst>
-                                    <p:set>
-                                      <p:cBhvr>
-                                        <p:cTn id="85" dur="1" fill="hold">
-                                          <p:stCondLst>
-                                            <p:cond delay="0"/>
-                                          </p:stCondLst>
-                                        </p:cTn>
-                                        <p:tgtEl>
-                                          <p:spTgt spid="36"/>
-                                        </p:tgtEl>
-                                        <p:attrNameLst>
-                                          <p:attrName>style.visibility</p:attrName>
-                                        </p:attrNameLst>
-                                      </p:cBhvr>
-                                      <p:to>
-                                        <p:strVal val="visible"/>
-                                      </p:to>
-                                    </p:set>
-                                    <p:animEffect transition="in" filter="fade">
-                                      <p:cBhvr>
-                                        <p:cTn id="86" dur="500"/>
-                                        <p:tgtEl>
-                                          <p:spTgt spid="36"/>
-                                        </p:tgtEl>
-                                      </p:cBhvr>
-                                    </p:animEffect>
-                                  </p:childTnLst>
-                                </p:cTn>
-                              </p:par>
-                            </p:childTnLst>
-                          </p:cTn>
-                        </p:par>
-                        <p:par>
-                          <p:cTn id="87" fill="hold">
-                            <p:stCondLst>
-                              <p:cond delay="1500"/>
-                            </p:stCondLst>
-                            <p:childTnLst>
-                              <p:par>
-                                <p:cTn id="88" presetID="10" presetClass="entr" presetSubtype="0" fill="hold" grpId="0" nodeType="afterEffect">
-                                  <p:stCondLst>
-                                    <p:cond delay="0"/>
-                                  </p:stCondLst>
-                                  <p:childTnLst>
-                                    <p:set>
-                                      <p:cBhvr>
-                                        <p:cTn id="89" dur="1" fill="hold">
-                                          <p:stCondLst>
-                                            <p:cond delay="0"/>
-                                          </p:stCondLst>
-                                        </p:cTn>
-                                        <p:tgtEl>
-                                          <p:spTgt spid="37"/>
-                                        </p:tgtEl>
-                                        <p:attrNameLst>
-                                          <p:attrName>style.visibility</p:attrName>
-                                        </p:attrNameLst>
-                                      </p:cBhvr>
-                                      <p:to>
-                                        <p:strVal val="visible"/>
-                                      </p:to>
-                                    </p:set>
-                                    <p:animEffect transition="in" filter="fade">
-                                      <p:cBhvr>
-                                        <p:cTn id="90" dur="500"/>
-                                        <p:tgtEl>
-                                          <p:spTgt spid="37"/>
-                                        </p:tgtEl>
-                                      </p:cBhvr>
-                                    </p:animEffect>
-                                  </p:childTnLst>
-                                </p:cTn>
-                              </p:par>
-                              <p:par>
-                                <p:cTn id="91" presetID="22" presetClass="entr" presetSubtype="4" fill="hold" grpId="0" nodeType="withEffect">
-                                  <p:stCondLst>
-                                    <p:cond delay="0"/>
-                                  </p:stCondLst>
-                                  <p:childTnLst>
-                                    <p:set>
-                                      <p:cBhvr>
-                                        <p:cTn id="92" dur="1" fill="hold">
-                                          <p:stCondLst>
-                                            <p:cond delay="0"/>
-                                          </p:stCondLst>
-                                        </p:cTn>
-                                        <p:tgtEl>
-                                          <p:spTgt spid="44"/>
-                                        </p:tgtEl>
-                                        <p:attrNameLst>
-                                          <p:attrName>style.visibility</p:attrName>
-                                        </p:attrNameLst>
-                                      </p:cBhvr>
-                                      <p:to>
-                                        <p:strVal val="visible"/>
-                                      </p:to>
-                                    </p:set>
-                                    <p:animEffect transition="in" filter="wipe(down)">
-                                      <p:cBhvr>
-                                        <p:cTn id="93" dur="500"/>
-                                        <p:tgtEl>
-                                          <p:spTgt spid="44"/>
-                                        </p:tgtEl>
-                                      </p:cBhvr>
-                                    </p:animEffect>
-                                  </p:childTnLst>
-                                </p:cTn>
-                              </p:par>
-                            </p:childTnLst>
-                          </p:cTn>
-                        </p:par>
-                        <p:par>
-                          <p:cTn id="94" fill="hold">
-                            <p:stCondLst>
-                              <p:cond delay="2000"/>
-                            </p:stCondLst>
-                            <p:childTnLst>
-                              <p:par>
-                                <p:cTn id="95" presetID="22" presetClass="entr" presetSubtype="4" fill="hold" grpId="0" nodeType="afterEffect">
-                                  <p:stCondLst>
-                                    <p:cond delay="0"/>
-                                  </p:stCondLst>
-                                  <p:childTnLst>
-                                    <p:set>
-                                      <p:cBhvr>
-                                        <p:cTn id="96" dur="1" fill="hold">
-                                          <p:stCondLst>
-                                            <p:cond delay="0"/>
-                                          </p:stCondLst>
-                                        </p:cTn>
-                                        <p:tgtEl>
-                                          <p:spTgt spid="46"/>
-                                        </p:tgtEl>
-                                        <p:attrNameLst>
-                                          <p:attrName>style.visibility</p:attrName>
-                                        </p:attrNameLst>
-                                      </p:cBhvr>
-                                      <p:to>
-                                        <p:strVal val="visible"/>
-                                      </p:to>
-                                    </p:set>
-                                    <p:animEffect transition="in" filter="wipe(down)">
-                                      <p:cBhvr>
-                                        <p:cTn id="97" dur="500"/>
-                                        <p:tgtEl>
-                                          <p:spTgt spid="46"/>
-                                        </p:tgtEl>
-                                      </p:cBhvr>
-                                    </p:animEffect>
-                                  </p:childTnLst>
-                                </p:cTn>
-                              </p:par>
-                            </p:childTnLst>
-                          </p:cTn>
-                        </p:par>
-                        <p:par>
-                          <p:cTn id="98" fill="hold">
-                            <p:stCondLst>
-                              <p:cond delay="2500"/>
-                            </p:stCondLst>
-                            <p:childTnLst>
-                              <p:par>
-                                <p:cTn id="99" presetID="22" presetClass="entr" presetSubtype="4" fill="hold" grpId="0" nodeType="afterEffect">
-                                  <p:stCondLst>
-                                    <p:cond delay="0"/>
-                                  </p:stCondLst>
-                                  <p:childTnLst>
-                                    <p:set>
-                                      <p:cBhvr>
-                                        <p:cTn id="100" dur="1" fill="hold">
-                                          <p:stCondLst>
-                                            <p:cond delay="0"/>
-                                          </p:stCondLst>
-                                        </p:cTn>
-                                        <p:tgtEl>
-                                          <p:spTgt spid="47"/>
-                                        </p:tgtEl>
-                                        <p:attrNameLst>
-                                          <p:attrName>style.visibility</p:attrName>
-                                        </p:attrNameLst>
-                                      </p:cBhvr>
-                                      <p:to>
-                                        <p:strVal val="visible"/>
-                                      </p:to>
-                                    </p:set>
-                                    <p:animEffect transition="in" filter="wipe(down)">
-                                      <p:cBhvr>
-                                        <p:cTn id="101" dur="500"/>
-                                        <p:tgtEl>
-                                          <p:spTgt spid="47"/>
-                                        </p:tgtEl>
-                                      </p:cBhvr>
-                                    </p:animEffect>
-                                  </p:childTnLst>
-                                </p:cTn>
-                              </p:par>
-                            </p:childTnLst>
-                          </p:cTn>
-                        </p:par>
-                        <p:par>
-                          <p:cTn id="102" fill="hold">
-                            <p:stCondLst>
-                              <p:cond delay="3000"/>
-                            </p:stCondLst>
-                            <p:childTnLst>
-                              <p:par>
-                                <p:cTn id="103" presetID="22" presetClass="entr" presetSubtype="4" fill="hold" grpId="0" nodeType="afterEffect">
-                                  <p:stCondLst>
-                                    <p:cond delay="0"/>
-                                  </p:stCondLst>
-                                  <p:childTnLst>
-                                    <p:set>
-                                      <p:cBhvr>
-                                        <p:cTn id="104" dur="1" fill="hold">
-                                          <p:stCondLst>
-                                            <p:cond delay="0"/>
-                                          </p:stCondLst>
-                                        </p:cTn>
-                                        <p:tgtEl>
-                                          <p:spTgt spid="48"/>
-                                        </p:tgtEl>
-                                        <p:attrNameLst>
-                                          <p:attrName>style.visibility</p:attrName>
-                                        </p:attrNameLst>
-                                      </p:cBhvr>
-                                      <p:to>
-                                        <p:strVal val="visible"/>
-                                      </p:to>
-                                    </p:set>
-                                    <p:animEffect transition="in" filter="wipe(down)">
-                                      <p:cBhvr>
-                                        <p:cTn id="105" dur="500"/>
-                                        <p:tgtEl>
-                                          <p:spTgt spid="48"/>
-                                        </p:tgtEl>
-                                      </p:cBhvr>
-                                    </p:animEffect>
-                                  </p:childTnLst>
-                                </p:cTn>
-                              </p:par>
-                            </p:childTnLst>
-                          </p:cTn>
-                        </p:par>
-                      </p:childTnLst>
-                    </p:cTn>
-                  </p:par>
-                </p:childTnLst>
-              </p:cTn>
-              <p:prevCondLst>
-                <p:cond evt="onPrev" delay="0">
-                  <p:tgtEl>
-                    <p:sldTgt/>
-                  </p:tgtEl>
-                </p:cond>
-              </p:prevCondLst>
-              <p:nextCondLst>
-                <p:cond evt="onNext" delay="0">
-                  <p:tgtEl>
-                    <p:sldTgt/>
-                  </p:tgtEl>
-                </p:cond>
-              </p:nextCondLst>
-            </p:seq>
-          </p:childTnLst>
-        </p:cTn>
-      </p:par>
-    </p:tnLst>
-    <p:bldLst>
-      <p:bldP spid="7" grpId="0"/>
-      <p:bldP spid="8" grpId="0" animBg="1"/>
-      <p:bldP spid="9" grpId="0" animBg="1"/>
-      <p:bldP spid="10" grpId="0"/>
-      <p:bldP spid="20" grpId="0" animBg="1"/>
-      <p:bldP spid="26" grpId="0" animBg="1"/>
-      <p:bldP spid="28" grpId="0" animBg="1"/>
-      <p:bldP spid="30" grpId="0" animBg="1"/>
-      <p:bldP spid="34" grpId="0"/>
-      <p:bldP spid="35" grpId="0"/>
-      <p:bldP spid="36" grpId="0"/>
-      <p:bldP spid="37" grpId="0"/>
-      <p:bldP spid="44" grpId="0"/>
-      <p:bldP spid="46" grpId="0"/>
-      <p:bldP spid="47" grpId="0"/>
-      <p:bldP spid="48" grpId="0"/>
-    </p:bldLst>
-  </p:timing>
-</p:sld>
-</file>
-
-<file path=ppt/slides/slide20.xml><?xml version="1.0" encoding="utf-8"?>
+<file path=ppt/slides/slide22.xml><?xml version="1.0" encoding="utf-8"?>
 <p:sld xmlns:a="http://schemas.openxmlformats.org/drawingml/2006/main" xmlns:r="http://schemas.openxmlformats.org/officeDocument/2006/relationships" xmlns:p="http://schemas.openxmlformats.org/presentationml/2006/main">
   <p:cSld>
     <p:spTree>
@@ -15738,7 +17175,7 @@
 </p:sld>
 </file>
 
-<file path=ppt/slides/slide21.xml><?xml version="1.0" encoding="utf-8"?>
+<file path=ppt/slides/slide23.xml><?xml version="1.0" encoding="utf-8"?>
 <p:sld xmlns:a="http://schemas.openxmlformats.org/drawingml/2006/main" xmlns:r="http://schemas.openxmlformats.org/officeDocument/2006/relationships" xmlns:p="http://schemas.openxmlformats.org/presentationml/2006/main">
   <p:cSld>
     <p:spTree>
@@ -16554,7 +17991,7 @@
 </p:sld>
 </file>
 
-<file path=ppt/slides/slide22.xml><?xml version="1.0" encoding="utf-8"?>
+<file path=ppt/slides/slide24.xml><?xml version="1.0" encoding="utf-8"?>
 <p:sld xmlns:a="http://schemas.openxmlformats.org/drawingml/2006/main" xmlns:r="http://schemas.openxmlformats.org/officeDocument/2006/relationships" xmlns:p="http://schemas.openxmlformats.org/presentationml/2006/main">
   <p:cSld>
     <p:spTree>
@@ -16645,7 +18082,7 @@
 </p:sld>
 </file>
 
-<file path=ppt/slides/slide23.xml><?xml version="1.0" encoding="utf-8"?>
+<file path=ppt/slides/slide25.xml><?xml version="1.0" encoding="utf-8"?>
 <p:sld xmlns:a="http://schemas.openxmlformats.org/drawingml/2006/main" xmlns:r="http://schemas.openxmlformats.org/officeDocument/2006/relationships" xmlns:p="http://schemas.openxmlformats.org/presentationml/2006/main">
   <p:cSld>
     <p:spTree>
@@ -16736,7 +18173,7 @@
 </p:sld>
 </file>
 
-<file path=ppt/slides/slide24.xml><?xml version="1.0" encoding="utf-8"?>
+<file path=ppt/slides/slide26.xml><?xml version="1.0" encoding="utf-8"?>
 <p:sld xmlns:a="http://schemas.openxmlformats.org/drawingml/2006/main" xmlns:r="http://schemas.openxmlformats.org/officeDocument/2006/relationships" xmlns:p="http://schemas.openxmlformats.org/presentationml/2006/main">
   <p:cSld>
     <p:spTree>
@@ -17022,7 +18459,7 @@
 </p:sld>
 </file>
 
-<file path=ppt/slides/slide25.xml><?xml version="1.0" encoding="utf-8"?>
+<file path=ppt/slides/slide27.xml><?xml version="1.0" encoding="utf-8"?>
 <p:sld xmlns:a="http://schemas.openxmlformats.org/drawingml/2006/main" xmlns:r="http://schemas.openxmlformats.org/officeDocument/2006/relationships" xmlns:p="http://schemas.openxmlformats.org/presentationml/2006/main">
   <p:cSld>
     <p:spTree>
@@ -17396,7 +18833,7 @@
 </p:sld>
 </file>
 
-<file path=ppt/slides/slide26.xml><?xml version="1.0" encoding="utf-8"?>
+<file path=ppt/slides/slide28.xml><?xml version="1.0" encoding="utf-8"?>
 <p:sld xmlns:a="http://schemas.openxmlformats.org/drawingml/2006/main" xmlns:r="http://schemas.openxmlformats.org/officeDocument/2006/relationships" xmlns:p="http://schemas.openxmlformats.org/presentationml/2006/main">
   <p:cSld>
     <p:spTree>
@@ -17979,7 +19416,7 @@
 </p:sld>
 </file>
 
-<file path=ppt/slides/slide27.xml><?xml version="1.0" encoding="utf-8"?>
+<file path=ppt/slides/slide29.xml><?xml version="1.0" encoding="utf-8"?>
 <p:sld xmlns:a="http://schemas.openxmlformats.org/drawingml/2006/main" xmlns:r="http://schemas.openxmlformats.org/officeDocument/2006/relationships" xmlns:p="http://schemas.openxmlformats.org/presentationml/2006/main">
   <p:cSld>
     <p:spTree>
@@ -18087,373 +19524,6 @@
     <p:extLst>
       <p:ext uri="{BB962C8B-B14F-4D97-AF65-F5344CB8AC3E}">
         <p14:creationId xmlns:p14="http://schemas.microsoft.com/office/powerpoint/2010/main" val="2107004590"/>
-      </p:ext>
-    </p:extLst>
-  </p:cSld>
-  <p:clrMapOvr>
-    <a:masterClrMapping/>
-  </p:clrMapOvr>
-  <p:timing>
-    <p:tnLst>
-      <p:par>
-        <p:cTn id="1" dur="indefinite" restart="never" nodeType="tmRoot"/>
-      </p:par>
-    </p:tnLst>
-  </p:timing>
-</p:sld>
-</file>
-
-<file path=ppt/slides/slide28.xml><?xml version="1.0" encoding="utf-8"?>
-<p:sld xmlns:a="http://schemas.openxmlformats.org/drawingml/2006/main" xmlns:r="http://schemas.openxmlformats.org/officeDocument/2006/relationships" xmlns:p="http://schemas.openxmlformats.org/presentationml/2006/main">
-  <p:cSld>
-    <p:spTree>
-      <p:nvGrpSpPr>
-        <p:cNvPr id="1" name=""/>
-        <p:cNvGrpSpPr/>
-        <p:nvPr/>
-      </p:nvGrpSpPr>
-      <p:grpSpPr>
-        <a:xfrm>
-          <a:off x="0" y="0"/>
-          <a:ext cx="0" cy="0"/>
-          <a:chOff x="0" y="0"/>
-          <a:chExt cx="0" cy="0"/>
-        </a:xfrm>
-      </p:grpSpPr>
-      <p:cxnSp>
-        <p:nvCxnSpPr>
-          <p:cNvPr id="7" name="直接连接符 6"/>
-          <p:cNvCxnSpPr/>
-          <p:nvPr/>
-        </p:nvCxnSpPr>
-        <p:spPr>
-          <a:xfrm>
-            <a:off x="0" y="0"/>
-            <a:ext cx="4312920" cy="2849880"/>
-          </a:xfrm>
-          <a:prstGeom prst="line">
-            <a:avLst/>
-          </a:prstGeom>
-          <a:ln w="28575">
-            <a:solidFill>
-              <a:schemeClr val="bg1"/>
-            </a:solidFill>
-          </a:ln>
-        </p:spPr>
-        <p:style>
-          <a:lnRef idx="1">
-            <a:schemeClr val="accent1"/>
-          </a:lnRef>
-          <a:fillRef idx="0">
-            <a:schemeClr val="accent1"/>
-          </a:fillRef>
-          <a:effectRef idx="0">
-            <a:schemeClr val="accent1"/>
-          </a:effectRef>
-          <a:fontRef idx="minor">
-            <a:schemeClr val="tx1"/>
-          </a:fontRef>
-        </p:style>
-      </p:cxnSp>
-      <p:cxnSp>
-        <p:nvCxnSpPr>
-          <p:cNvPr id="10" name="直接连接符 9"/>
-          <p:cNvCxnSpPr/>
-          <p:nvPr/>
-        </p:nvCxnSpPr>
-        <p:spPr>
-          <a:xfrm>
-            <a:off x="7940040" y="3992880"/>
-            <a:ext cx="4130040" cy="2712720"/>
-          </a:xfrm>
-          <a:prstGeom prst="line">
-            <a:avLst/>
-          </a:prstGeom>
-          <a:ln w="28575">
-            <a:solidFill>
-              <a:schemeClr val="bg1"/>
-            </a:solidFill>
-          </a:ln>
-        </p:spPr>
-        <p:style>
-          <a:lnRef idx="1">
-            <a:schemeClr val="accent1"/>
-          </a:lnRef>
-          <a:fillRef idx="0">
-            <a:schemeClr val="accent1"/>
-          </a:fillRef>
-          <a:effectRef idx="0">
-            <a:schemeClr val="accent1"/>
-          </a:effectRef>
-          <a:fontRef idx="minor">
-            <a:schemeClr val="tx1"/>
-          </a:fontRef>
-        </p:style>
-      </p:cxnSp>
-      <p:sp>
-        <p:nvSpPr>
-          <p:cNvPr id="12" name="文本框 11"/>
-          <p:cNvSpPr txBox="1"/>
-          <p:nvPr/>
-        </p:nvSpPr>
-        <p:spPr>
-          <a:xfrm rot="2026159">
-            <a:off x="5538619" y="3798968"/>
-            <a:ext cx="5490866" cy="707886"/>
-          </a:xfrm>
-          <a:prstGeom prst="rect">
-            <a:avLst/>
-          </a:prstGeom>
-          <a:noFill/>
-        </p:spPr>
-        <p:txBody>
-          <a:bodyPr wrap="square" rtlCol="0">
-            <a:spAutoFit/>
-          </a:bodyPr>
-          <a:lstStyle/>
-          <a:p>
-            <a:r>
-              <a:rPr lang="en-US" altLang="zh-TW" sz="4000" dirty="0" smtClean="0">
-                <a:solidFill>
-                  <a:prstClr val="white"/>
-                </a:solidFill>
-                <a:latin typeface="微软雅黑" panose="020B0503020204020204" pitchFamily="34" charset="-122"/>
-                <a:ea typeface="微软雅黑" panose="020B0503020204020204" pitchFamily="34" charset="-122"/>
-              </a:rPr>
-              <a:t>End</a:t>
-            </a:r>
-            <a:endParaRPr lang="zh-CN" altLang="en-US" sz="4000" dirty="0">
-              <a:solidFill>
-                <a:prstClr val="white"/>
-              </a:solidFill>
-              <a:latin typeface="微软雅黑" panose="020B0503020204020204" pitchFamily="34" charset="-122"/>
-              <a:ea typeface="微软雅黑" panose="020B0503020204020204" pitchFamily="34" charset="-122"/>
-            </a:endParaRPr>
-          </a:p>
-        </p:txBody>
-      </p:sp>
-      <p:sp>
-        <p:nvSpPr>
-          <p:cNvPr id="13" name="文本框 12"/>
-          <p:cNvSpPr txBox="1"/>
-          <p:nvPr/>
-        </p:nvSpPr>
-        <p:spPr>
-          <a:xfrm rot="1982386">
-            <a:off x="4219338" y="3700493"/>
-            <a:ext cx="3642360" cy="584775"/>
-          </a:xfrm>
-          <a:prstGeom prst="rect">
-            <a:avLst/>
-          </a:prstGeom>
-          <a:noFill/>
-        </p:spPr>
-        <p:txBody>
-          <a:bodyPr wrap="square" rtlCol="0">
-            <a:spAutoFit/>
-          </a:bodyPr>
-          <a:lstStyle>
-            <a:defPPr>
-              <a:defRPr lang="zh-CN"/>
-            </a:defPPr>
-            <a:lvl1pPr>
-              <a:defRPr sz="4000">
-                <a:solidFill>
-                  <a:prstClr val="white"/>
-                </a:solidFill>
-                <a:latin typeface="微软雅黑" panose="020B0503020204020204" pitchFamily="34" charset="-122"/>
-                <a:ea typeface="微软雅黑" panose="020B0503020204020204" pitchFamily="34" charset="-122"/>
-              </a:defRPr>
-            </a:lvl1pPr>
-          </a:lstStyle>
-          <a:p>
-            <a:r>
-              <a:rPr lang="en-US" altLang="zh-CN" sz="3200" dirty="0" smtClean="0"/>
-              <a:t>Thanks</a:t>
-            </a:r>
-            <a:endParaRPr lang="zh-CN" altLang="en-US" sz="3200" dirty="0"/>
-          </a:p>
-        </p:txBody>
-      </p:sp>
-      <p:cxnSp>
-        <p:nvCxnSpPr>
-          <p:cNvPr id="14" name="直接连接符 13"/>
-          <p:cNvCxnSpPr/>
-          <p:nvPr/>
-        </p:nvCxnSpPr>
-        <p:spPr>
-          <a:xfrm>
-            <a:off x="2007140" y="3143160"/>
-            <a:ext cx="2225040" cy="1470256"/>
-          </a:xfrm>
-          <a:prstGeom prst="line">
-            <a:avLst/>
-          </a:prstGeom>
-          <a:ln w="9525">
-            <a:solidFill>
-              <a:schemeClr val="bg1"/>
-            </a:solidFill>
-          </a:ln>
-        </p:spPr>
-        <p:style>
-          <a:lnRef idx="1">
-            <a:schemeClr val="accent1"/>
-          </a:lnRef>
-          <a:fillRef idx="0">
-            <a:schemeClr val="accent1"/>
-          </a:fillRef>
-          <a:effectRef idx="0">
-            <a:schemeClr val="accent1"/>
-          </a:effectRef>
-          <a:fontRef idx="minor">
-            <a:schemeClr val="tx1"/>
-          </a:fontRef>
-        </p:style>
-      </p:cxnSp>
-      <p:cxnSp>
-        <p:nvCxnSpPr>
-          <p:cNvPr id="16" name="直接连接符 15"/>
-          <p:cNvCxnSpPr/>
-          <p:nvPr/>
-        </p:nvCxnSpPr>
-        <p:spPr>
-          <a:xfrm>
-            <a:off x="-277258" y="3143160"/>
-            <a:ext cx="3016325" cy="1993119"/>
-          </a:xfrm>
-          <a:prstGeom prst="line">
-            <a:avLst/>
-          </a:prstGeom>
-          <a:ln w="9525">
-            <a:solidFill>
-              <a:schemeClr val="bg1"/>
-            </a:solidFill>
-          </a:ln>
-        </p:spPr>
-        <p:style>
-          <a:lnRef idx="1">
-            <a:schemeClr val="accent1"/>
-          </a:lnRef>
-          <a:fillRef idx="0">
-            <a:schemeClr val="accent1"/>
-          </a:fillRef>
-          <a:effectRef idx="0">
-            <a:schemeClr val="accent1"/>
-          </a:effectRef>
-          <a:fontRef idx="minor">
-            <a:schemeClr val="tx1"/>
-          </a:fontRef>
-        </p:style>
-      </p:cxnSp>
-      <p:cxnSp>
-        <p:nvCxnSpPr>
-          <p:cNvPr id="18" name="直接连接符 17"/>
-          <p:cNvCxnSpPr/>
-          <p:nvPr/>
-        </p:nvCxnSpPr>
-        <p:spPr>
-          <a:xfrm>
-            <a:off x="9906000" y="1298721"/>
-            <a:ext cx="3016325" cy="1993119"/>
-          </a:xfrm>
-          <a:prstGeom prst="line">
-            <a:avLst/>
-          </a:prstGeom>
-          <a:ln w="9525">
-            <a:solidFill>
-              <a:schemeClr val="bg1"/>
-            </a:solidFill>
-          </a:ln>
-        </p:spPr>
-        <p:style>
-          <a:lnRef idx="1">
-            <a:schemeClr val="accent1"/>
-          </a:lnRef>
-          <a:fillRef idx="0">
-            <a:schemeClr val="accent1"/>
-          </a:fillRef>
-          <a:effectRef idx="0">
-            <a:schemeClr val="accent1"/>
-          </a:effectRef>
-          <a:fontRef idx="minor">
-            <a:schemeClr val="tx1"/>
-          </a:fontRef>
-        </p:style>
-      </p:cxnSp>
-      <p:cxnSp>
-        <p:nvCxnSpPr>
-          <p:cNvPr id="20" name="直接连接符 19"/>
-          <p:cNvCxnSpPr/>
-          <p:nvPr/>
-        </p:nvCxnSpPr>
-        <p:spPr>
-          <a:xfrm>
-            <a:off x="5853357" y="242309"/>
-            <a:ext cx="3016325" cy="1993119"/>
-          </a:xfrm>
-          <a:prstGeom prst="line">
-            <a:avLst/>
-          </a:prstGeom>
-          <a:ln w="9525">
-            <a:solidFill>
-              <a:schemeClr val="bg1"/>
-            </a:solidFill>
-          </a:ln>
-        </p:spPr>
-        <p:style>
-          <a:lnRef idx="1">
-            <a:schemeClr val="accent1"/>
-          </a:lnRef>
-          <a:fillRef idx="0">
-            <a:schemeClr val="accent1"/>
-          </a:fillRef>
-          <a:effectRef idx="0">
-            <a:schemeClr val="accent1"/>
-          </a:effectRef>
-          <a:fontRef idx="minor">
-            <a:schemeClr val="tx1"/>
-          </a:fontRef>
-        </p:style>
-      </p:cxnSp>
-      <p:cxnSp>
-        <p:nvCxnSpPr>
-          <p:cNvPr id="21" name="直接连接符 20"/>
-          <p:cNvCxnSpPr/>
-          <p:nvPr/>
-        </p:nvCxnSpPr>
-        <p:spPr>
-          <a:xfrm>
-            <a:off x="6375119" y="5179332"/>
-            <a:ext cx="3016325" cy="1993119"/>
-          </a:xfrm>
-          <a:prstGeom prst="line">
-            <a:avLst/>
-          </a:prstGeom>
-          <a:ln w="9525">
-            <a:solidFill>
-              <a:schemeClr val="bg1"/>
-            </a:solidFill>
-          </a:ln>
-        </p:spPr>
-        <p:style>
-          <a:lnRef idx="1">
-            <a:schemeClr val="accent1"/>
-          </a:lnRef>
-          <a:fillRef idx="0">
-            <a:schemeClr val="accent1"/>
-          </a:fillRef>
-          <a:effectRef idx="0">
-            <a:schemeClr val="accent1"/>
-          </a:effectRef>
-          <a:fontRef idx="minor">
-            <a:schemeClr val="tx1"/>
-          </a:fontRef>
-        </p:style>
-      </p:cxnSp>
-    </p:spTree>
-    <p:extLst>
-      <p:ext uri="{BB962C8B-B14F-4D97-AF65-F5344CB8AC3E}">
-        <p14:creationId xmlns:p14="http://schemas.microsoft.com/office/powerpoint/2010/main" val="177754656"/>
       </p:ext>
     </p:extLst>
   </p:cSld>
@@ -20611,6 +21681,373 @@
       <p:bldP spid="17" grpId="0"/>
       <p:bldP spid="18" grpId="0"/>
     </p:bldLst>
+  </p:timing>
+</p:sld>
+</file>
+
+<file path=ppt/slides/slide30.xml><?xml version="1.0" encoding="utf-8"?>
+<p:sld xmlns:a="http://schemas.openxmlformats.org/drawingml/2006/main" xmlns:r="http://schemas.openxmlformats.org/officeDocument/2006/relationships" xmlns:p="http://schemas.openxmlformats.org/presentationml/2006/main">
+  <p:cSld>
+    <p:spTree>
+      <p:nvGrpSpPr>
+        <p:cNvPr id="1" name=""/>
+        <p:cNvGrpSpPr/>
+        <p:nvPr/>
+      </p:nvGrpSpPr>
+      <p:grpSpPr>
+        <a:xfrm>
+          <a:off x="0" y="0"/>
+          <a:ext cx="0" cy="0"/>
+          <a:chOff x="0" y="0"/>
+          <a:chExt cx="0" cy="0"/>
+        </a:xfrm>
+      </p:grpSpPr>
+      <p:cxnSp>
+        <p:nvCxnSpPr>
+          <p:cNvPr id="7" name="直接连接符 6"/>
+          <p:cNvCxnSpPr/>
+          <p:nvPr/>
+        </p:nvCxnSpPr>
+        <p:spPr>
+          <a:xfrm>
+            <a:off x="0" y="0"/>
+            <a:ext cx="4312920" cy="2849880"/>
+          </a:xfrm>
+          <a:prstGeom prst="line">
+            <a:avLst/>
+          </a:prstGeom>
+          <a:ln w="28575">
+            <a:solidFill>
+              <a:schemeClr val="bg1"/>
+            </a:solidFill>
+          </a:ln>
+        </p:spPr>
+        <p:style>
+          <a:lnRef idx="1">
+            <a:schemeClr val="accent1"/>
+          </a:lnRef>
+          <a:fillRef idx="0">
+            <a:schemeClr val="accent1"/>
+          </a:fillRef>
+          <a:effectRef idx="0">
+            <a:schemeClr val="accent1"/>
+          </a:effectRef>
+          <a:fontRef idx="minor">
+            <a:schemeClr val="tx1"/>
+          </a:fontRef>
+        </p:style>
+      </p:cxnSp>
+      <p:cxnSp>
+        <p:nvCxnSpPr>
+          <p:cNvPr id="10" name="直接连接符 9"/>
+          <p:cNvCxnSpPr/>
+          <p:nvPr/>
+        </p:nvCxnSpPr>
+        <p:spPr>
+          <a:xfrm>
+            <a:off x="7940040" y="3992880"/>
+            <a:ext cx="4130040" cy="2712720"/>
+          </a:xfrm>
+          <a:prstGeom prst="line">
+            <a:avLst/>
+          </a:prstGeom>
+          <a:ln w="28575">
+            <a:solidFill>
+              <a:schemeClr val="bg1"/>
+            </a:solidFill>
+          </a:ln>
+        </p:spPr>
+        <p:style>
+          <a:lnRef idx="1">
+            <a:schemeClr val="accent1"/>
+          </a:lnRef>
+          <a:fillRef idx="0">
+            <a:schemeClr val="accent1"/>
+          </a:fillRef>
+          <a:effectRef idx="0">
+            <a:schemeClr val="accent1"/>
+          </a:effectRef>
+          <a:fontRef idx="minor">
+            <a:schemeClr val="tx1"/>
+          </a:fontRef>
+        </p:style>
+      </p:cxnSp>
+      <p:sp>
+        <p:nvSpPr>
+          <p:cNvPr id="12" name="文本框 11"/>
+          <p:cNvSpPr txBox="1"/>
+          <p:nvPr/>
+        </p:nvSpPr>
+        <p:spPr>
+          <a:xfrm rot="2026159">
+            <a:off x="5538619" y="3798968"/>
+            <a:ext cx="5490866" cy="707886"/>
+          </a:xfrm>
+          <a:prstGeom prst="rect">
+            <a:avLst/>
+          </a:prstGeom>
+          <a:noFill/>
+        </p:spPr>
+        <p:txBody>
+          <a:bodyPr wrap="square" rtlCol="0">
+            <a:spAutoFit/>
+          </a:bodyPr>
+          <a:lstStyle/>
+          <a:p>
+            <a:r>
+              <a:rPr lang="en-US" altLang="zh-TW" sz="4000" dirty="0" smtClean="0">
+                <a:solidFill>
+                  <a:prstClr val="white"/>
+                </a:solidFill>
+                <a:latin typeface="微软雅黑" panose="020B0503020204020204" pitchFamily="34" charset="-122"/>
+                <a:ea typeface="微软雅黑" panose="020B0503020204020204" pitchFamily="34" charset="-122"/>
+              </a:rPr>
+              <a:t>End</a:t>
+            </a:r>
+            <a:endParaRPr lang="zh-CN" altLang="en-US" sz="4000" dirty="0">
+              <a:solidFill>
+                <a:prstClr val="white"/>
+              </a:solidFill>
+              <a:latin typeface="微软雅黑" panose="020B0503020204020204" pitchFamily="34" charset="-122"/>
+              <a:ea typeface="微软雅黑" panose="020B0503020204020204" pitchFamily="34" charset="-122"/>
+            </a:endParaRPr>
+          </a:p>
+        </p:txBody>
+      </p:sp>
+      <p:sp>
+        <p:nvSpPr>
+          <p:cNvPr id="13" name="文本框 12"/>
+          <p:cNvSpPr txBox="1"/>
+          <p:nvPr/>
+        </p:nvSpPr>
+        <p:spPr>
+          <a:xfrm rot="1982386">
+            <a:off x="4219338" y="3700493"/>
+            <a:ext cx="3642360" cy="584775"/>
+          </a:xfrm>
+          <a:prstGeom prst="rect">
+            <a:avLst/>
+          </a:prstGeom>
+          <a:noFill/>
+        </p:spPr>
+        <p:txBody>
+          <a:bodyPr wrap="square" rtlCol="0">
+            <a:spAutoFit/>
+          </a:bodyPr>
+          <a:lstStyle>
+            <a:defPPr>
+              <a:defRPr lang="zh-CN"/>
+            </a:defPPr>
+            <a:lvl1pPr>
+              <a:defRPr sz="4000">
+                <a:solidFill>
+                  <a:prstClr val="white"/>
+                </a:solidFill>
+                <a:latin typeface="微软雅黑" panose="020B0503020204020204" pitchFamily="34" charset="-122"/>
+                <a:ea typeface="微软雅黑" panose="020B0503020204020204" pitchFamily="34" charset="-122"/>
+              </a:defRPr>
+            </a:lvl1pPr>
+          </a:lstStyle>
+          <a:p>
+            <a:r>
+              <a:rPr lang="en-US" altLang="zh-CN" sz="3200" dirty="0" smtClean="0"/>
+              <a:t>Thanks</a:t>
+            </a:r>
+            <a:endParaRPr lang="zh-CN" altLang="en-US" sz="3200" dirty="0"/>
+          </a:p>
+        </p:txBody>
+      </p:sp>
+      <p:cxnSp>
+        <p:nvCxnSpPr>
+          <p:cNvPr id="14" name="直接连接符 13"/>
+          <p:cNvCxnSpPr/>
+          <p:nvPr/>
+        </p:nvCxnSpPr>
+        <p:spPr>
+          <a:xfrm>
+            <a:off x="2007140" y="3143160"/>
+            <a:ext cx="2225040" cy="1470256"/>
+          </a:xfrm>
+          <a:prstGeom prst="line">
+            <a:avLst/>
+          </a:prstGeom>
+          <a:ln w="9525">
+            <a:solidFill>
+              <a:schemeClr val="bg1"/>
+            </a:solidFill>
+          </a:ln>
+        </p:spPr>
+        <p:style>
+          <a:lnRef idx="1">
+            <a:schemeClr val="accent1"/>
+          </a:lnRef>
+          <a:fillRef idx="0">
+            <a:schemeClr val="accent1"/>
+          </a:fillRef>
+          <a:effectRef idx="0">
+            <a:schemeClr val="accent1"/>
+          </a:effectRef>
+          <a:fontRef idx="minor">
+            <a:schemeClr val="tx1"/>
+          </a:fontRef>
+        </p:style>
+      </p:cxnSp>
+      <p:cxnSp>
+        <p:nvCxnSpPr>
+          <p:cNvPr id="16" name="直接连接符 15"/>
+          <p:cNvCxnSpPr/>
+          <p:nvPr/>
+        </p:nvCxnSpPr>
+        <p:spPr>
+          <a:xfrm>
+            <a:off x="-277258" y="3143160"/>
+            <a:ext cx="3016325" cy="1993119"/>
+          </a:xfrm>
+          <a:prstGeom prst="line">
+            <a:avLst/>
+          </a:prstGeom>
+          <a:ln w="9525">
+            <a:solidFill>
+              <a:schemeClr val="bg1"/>
+            </a:solidFill>
+          </a:ln>
+        </p:spPr>
+        <p:style>
+          <a:lnRef idx="1">
+            <a:schemeClr val="accent1"/>
+          </a:lnRef>
+          <a:fillRef idx="0">
+            <a:schemeClr val="accent1"/>
+          </a:fillRef>
+          <a:effectRef idx="0">
+            <a:schemeClr val="accent1"/>
+          </a:effectRef>
+          <a:fontRef idx="minor">
+            <a:schemeClr val="tx1"/>
+          </a:fontRef>
+        </p:style>
+      </p:cxnSp>
+      <p:cxnSp>
+        <p:nvCxnSpPr>
+          <p:cNvPr id="18" name="直接连接符 17"/>
+          <p:cNvCxnSpPr/>
+          <p:nvPr/>
+        </p:nvCxnSpPr>
+        <p:spPr>
+          <a:xfrm>
+            <a:off x="9906000" y="1298721"/>
+            <a:ext cx="3016325" cy="1993119"/>
+          </a:xfrm>
+          <a:prstGeom prst="line">
+            <a:avLst/>
+          </a:prstGeom>
+          <a:ln w="9525">
+            <a:solidFill>
+              <a:schemeClr val="bg1"/>
+            </a:solidFill>
+          </a:ln>
+        </p:spPr>
+        <p:style>
+          <a:lnRef idx="1">
+            <a:schemeClr val="accent1"/>
+          </a:lnRef>
+          <a:fillRef idx="0">
+            <a:schemeClr val="accent1"/>
+          </a:fillRef>
+          <a:effectRef idx="0">
+            <a:schemeClr val="accent1"/>
+          </a:effectRef>
+          <a:fontRef idx="minor">
+            <a:schemeClr val="tx1"/>
+          </a:fontRef>
+        </p:style>
+      </p:cxnSp>
+      <p:cxnSp>
+        <p:nvCxnSpPr>
+          <p:cNvPr id="20" name="直接连接符 19"/>
+          <p:cNvCxnSpPr/>
+          <p:nvPr/>
+        </p:nvCxnSpPr>
+        <p:spPr>
+          <a:xfrm>
+            <a:off x="5853357" y="242309"/>
+            <a:ext cx="3016325" cy="1993119"/>
+          </a:xfrm>
+          <a:prstGeom prst="line">
+            <a:avLst/>
+          </a:prstGeom>
+          <a:ln w="9525">
+            <a:solidFill>
+              <a:schemeClr val="bg1"/>
+            </a:solidFill>
+          </a:ln>
+        </p:spPr>
+        <p:style>
+          <a:lnRef idx="1">
+            <a:schemeClr val="accent1"/>
+          </a:lnRef>
+          <a:fillRef idx="0">
+            <a:schemeClr val="accent1"/>
+          </a:fillRef>
+          <a:effectRef idx="0">
+            <a:schemeClr val="accent1"/>
+          </a:effectRef>
+          <a:fontRef idx="minor">
+            <a:schemeClr val="tx1"/>
+          </a:fontRef>
+        </p:style>
+      </p:cxnSp>
+      <p:cxnSp>
+        <p:nvCxnSpPr>
+          <p:cNvPr id="21" name="直接连接符 20"/>
+          <p:cNvCxnSpPr/>
+          <p:nvPr/>
+        </p:nvCxnSpPr>
+        <p:spPr>
+          <a:xfrm>
+            <a:off x="6375119" y="5179332"/>
+            <a:ext cx="3016325" cy="1993119"/>
+          </a:xfrm>
+          <a:prstGeom prst="line">
+            <a:avLst/>
+          </a:prstGeom>
+          <a:ln w="9525">
+            <a:solidFill>
+              <a:schemeClr val="bg1"/>
+            </a:solidFill>
+          </a:ln>
+        </p:spPr>
+        <p:style>
+          <a:lnRef idx="1">
+            <a:schemeClr val="accent1"/>
+          </a:lnRef>
+          <a:fillRef idx="0">
+            <a:schemeClr val="accent1"/>
+          </a:fillRef>
+          <a:effectRef idx="0">
+            <a:schemeClr val="accent1"/>
+          </a:effectRef>
+          <a:fontRef idx="minor">
+            <a:schemeClr val="tx1"/>
+          </a:fontRef>
+        </p:style>
+      </p:cxnSp>
+    </p:spTree>
+    <p:extLst>
+      <p:ext uri="{BB962C8B-B14F-4D97-AF65-F5344CB8AC3E}">
+        <p14:creationId xmlns:p14="http://schemas.microsoft.com/office/powerpoint/2010/main" val="177754656"/>
+      </p:ext>
+    </p:extLst>
+  </p:cSld>
+  <p:clrMapOvr>
+    <a:masterClrMapping/>
+  </p:clrMapOvr>
+  <p:timing>
+    <p:tnLst>
+      <p:par>
+        <p:cTn id="1" dur="indefinite" restart="never" nodeType="tmRoot"/>
+      </p:par>
+    </p:tnLst>
   </p:timing>
 </p:sld>
 </file>
